--- a/Pipelined/Waveforms/block digram.pptx
+++ b/Pipelined/Waveforms/block digram.pptx
@@ -5,7 +5,7 @@
     <p:sldMasterId id="2147483660" r:id="rId1"/>
   </p:sldMasterIdLst>
   <p:notesMasterIdLst>
-    <p:notesMasterId r:id="rId8"/>
+    <p:notesMasterId r:id="rId9"/>
   </p:notesMasterIdLst>
   <p:sldIdLst>
     <p:sldId id="256" r:id="rId2"/>
@@ -14,6 +14,7 @@
     <p:sldId id="258" r:id="rId5"/>
     <p:sldId id="262" r:id="rId6"/>
     <p:sldId id="259" r:id="rId7"/>
+    <p:sldId id="263" r:id="rId8"/>
   </p:sldIdLst>
   <p:sldSz cx="12192000" cy="6858000"/>
   <p:notesSz cx="6858000" cy="9144000"/>
@@ -202,7 +203,7 @@
           <a:p>
             <a:fld id="{D9DC8440-7A2E-4222-9B6A-0DD1C564546D}" type="datetimeFigureOut">
               <a:rPr lang="en-US" smtClean="0"/>
-              <a:t>1/26/2026</a:t>
+              <a:t>2/21/2026</a:t>
             </a:fld>
             <a:endParaRPr lang="en-US"/>
           </a:p>
@@ -691,7 +692,7 @@
           <a:p>
             <a:fld id="{024F79D3-17D5-46B1-9DE8-D2B97F7F667D}" type="datetimeFigureOut">
               <a:rPr lang="en-US" smtClean="0"/>
-              <a:t>1/26/2026</a:t>
+              <a:t>2/21/2026</a:t>
             </a:fld>
             <a:endParaRPr lang="en-US"/>
           </a:p>
@@ -861,7 +862,7 @@
           <a:p>
             <a:fld id="{024F79D3-17D5-46B1-9DE8-D2B97F7F667D}" type="datetimeFigureOut">
               <a:rPr lang="en-US" smtClean="0"/>
-              <a:t>1/26/2026</a:t>
+              <a:t>2/21/2026</a:t>
             </a:fld>
             <a:endParaRPr lang="en-US"/>
           </a:p>
@@ -1041,7 +1042,7 @@
           <a:p>
             <a:fld id="{024F79D3-17D5-46B1-9DE8-D2B97F7F667D}" type="datetimeFigureOut">
               <a:rPr lang="en-US" smtClean="0"/>
-              <a:t>1/26/2026</a:t>
+              <a:t>2/21/2026</a:t>
             </a:fld>
             <a:endParaRPr lang="en-US"/>
           </a:p>
@@ -1211,7 +1212,7 @@
           <a:p>
             <a:fld id="{024F79D3-17D5-46B1-9DE8-D2B97F7F667D}" type="datetimeFigureOut">
               <a:rPr lang="en-US" smtClean="0"/>
-              <a:t>1/26/2026</a:t>
+              <a:t>2/21/2026</a:t>
             </a:fld>
             <a:endParaRPr lang="en-US"/>
           </a:p>
@@ -1457,7 +1458,7 @@
           <a:p>
             <a:fld id="{024F79D3-17D5-46B1-9DE8-D2B97F7F667D}" type="datetimeFigureOut">
               <a:rPr lang="en-US" smtClean="0"/>
-              <a:t>1/26/2026</a:t>
+              <a:t>2/21/2026</a:t>
             </a:fld>
             <a:endParaRPr lang="en-US"/>
           </a:p>
@@ -1689,7 +1690,7 @@
           <a:p>
             <a:fld id="{024F79D3-17D5-46B1-9DE8-D2B97F7F667D}" type="datetimeFigureOut">
               <a:rPr lang="en-US" smtClean="0"/>
-              <a:t>1/26/2026</a:t>
+              <a:t>2/21/2026</a:t>
             </a:fld>
             <a:endParaRPr lang="en-US"/>
           </a:p>
@@ -2056,7 +2057,7 @@
           <a:p>
             <a:fld id="{024F79D3-17D5-46B1-9DE8-D2B97F7F667D}" type="datetimeFigureOut">
               <a:rPr lang="en-US" smtClean="0"/>
-              <a:t>1/26/2026</a:t>
+              <a:t>2/21/2026</a:t>
             </a:fld>
             <a:endParaRPr lang="en-US"/>
           </a:p>
@@ -2174,7 +2175,7 @@
           <a:p>
             <a:fld id="{024F79D3-17D5-46B1-9DE8-D2B97F7F667D}" type="datetimeFigureOut">
               <a:rPr lang="en-US" smtClean="0"/>
-              <a:t>1/26/2026</a:t>
+              <a:t>2/21/2026</a:t>
             </a:fld>
             <a:endParaRPr lang="en-US"/>
           </a:p>
@@ -2269,7 +2270,7 @@
           <a:p>
             <a:fld id="{024F79D3-17D5-46B1-9DE8-D2B97F7F667D}" type="datetimeFigureOut">
               <a:rPr lang="en-US" smtClean="0"/>
-              <a:t>1/26/2026</a:t>
+              <a:t>2/21/2026</a:t>
             </a:fld>
             <a:endParaRPr lang="en-US"/>
           </a:p>
@@ -2546,7 +2547,7 @@
           <a:p>
             <a:fld id="{024F79D3-17D5-46B1-9DE8-D2B97F7F667D}" type="datetimeFigureOut">
               <a:rPr lang="en-US" smtClean="0"/>
-              <a:t>1/26/2026</a:t>
+              <a:t>2/21/2026</a:t>
             </a:fld>
             <a:endParaRPr lang="en-US"/>
           </a:p>
@@ -2803,7 +2804,7 @@
           <a:p>
             <a:fld id="{024F79D3-17D5-46B1-9DE8-D2B97F7F667D}" type="datetimeFigureOut">
               <a:rPr lang="en-US" smtClean="0"/>
-              <a:t>1/26/2026</a:t>
+              <a:t>2/21/2026</a:t>
             </a:fld>
             <a:endParaRPr lang="en-US"/>
           </a:p>
@@ -3016,7 +3017,7 @@
           <a:p>
             <a:fld id="{024F79D3-17D5-46B1-9DE8-D2B97F7F667D}" type="datetimeFigureOut">
               <a:rPr lang="en-US" smtClean="0"/>
-              <a:t>1/26/2026</a:t>
+              <a:t>2/21/2026</a:t>
             </a:fld>
             <a:endParaRPr lang="en-US"/>
           </a:p>
@@ -4454,8 +4455,8 @@
         </p:nvSpPr>
         <p:spPr>
           <a:xfrm>
-            <a:off x="910624" y="1163070"/>
-            <a:ext cx="433132" cy="369332"/>
+            <a:off x="326696" y="1163070"/>
+            <a:ext cx="1017060" cy="369332"/>
           </a:xfrm>
           <a:prstGeom prst="rect">
             <a:avLst/>
@@ -4469,9 +4470,10 @@
           <a:lstStyle/>
           <a:p>
             <a:r>
-              <a:rPr lang="en-US" dirty="0"/>
-              <a:t>en</a:t>
+              <a:rPr lang="en-US" dirty="0" err="1"/>
+              <a:t>Fsm_en</a:t>
             </a:r>
+            <a:endParaRPr lang="en-US" dirty="0"/>
           </a:p>
         </p:txBody>
       </p:sp>
@@ -4692,14 +4694,14 @@
           <p:nvPr>
             <p:extLst>
               <p:ext uri="{D42A27DB-BD31-4B8C-83A1-F6EECF244321}">
-                <p14:modId xmlns:p14="http://schemas.microsoft.com/office/powerpoint/2010/main" val="1745277323"/>
+                <p14:modId xmlns:p14="http://schemas.microsoft.com/office/powerpoint/2010/main" val="1912787353"/>
               </p:ext>
             </p:extLst>
           </p:nvPr>
         </p:nvGraphicFramePr>
         <p:xfrm>
-          <a:off x="8227253" y="666504"/>
-          <a:ext cx="3819610" cy="5928840"/>
+          <a:off x="8008405" y="465490"/>
+          <a:ext cx="4027911" cy="5869494"/>
         </p:xfrm>
         <a:graphic>
           <a:graphicData uri="http://schemas.openxmlformats.org/drawingml/2006/table">
@@ -4708,14 +4710,14 @@
                 <a:tableStyleId>{5C22544A-7EE6-4342-B048-85BDC9FD1C3A}</a:tableStyleId>
               </a:tblPr>
               <a:tblGrid>
-                <a:gridCol w="865179">
+                <a:gridCol w="1016842">
                   <a:extLst>
                     <a:ext uri="{9D8B030D-6E8A-4147-A177-3AD203B41FA5}">
                       <a16:colId xmlns:a16="http://schemas.microsoft.com/office/drawing/2014/main" val="20813966"/>
                     </a:ext>
                   </a:extLst>
                 </a:gridCol>
-                <a:gridCol w="2954431">
+                <a:gridCol w="3011069">
                   <a:extLst>
                     <a:ext uri="{9D8B030D-6E8A-4147-A177-3AD203B41FA5}">
                       <a16:colId xmlns:a16="http://schemas.microsoft.com/office/drawing/2014/main" val="1236942386"/>
@@ -4723,7 +4725,7 @@
                   </a:extLst>
                 </a:gridCol>
               </a:tblGrid>
-              <a:tr h="741105">
+              <a:tr h="652166">
                 <a:tc>
                   <a:txBody>
                     <a:bodyPr/>
@@ -4770,19 +4772,28 @@
                   </a:ext>
                 </a:extLst>
               </a:tr>
-              <a:tr h="741105">
+              <a:tr h="652166">
                 <a:tc>
                   <a:txBody>
                     <a:bodyPr/>
                     <a:lstStyle/>
                     <a:p>
                       <a:r>
-                        <a:rPr lang="en-US" dirty="0">
+                        <a:rPr kumimoji="0" lang="en-US" sz="1800" b="0" i="0" u="none" strike="noStrike" kern="1200" cap="none" spc="0" normalizeH="0" baseline="0" dirty="0">
+                          <a:ln>
+                            <a:noFill/>
+                          </a:ln>
                           <a:solidFill>
-                            <a:schemeClr val="tx1"/>
+                            <a:prstClr val="white"/>
                           </a:solidFill>
+                          <a:effectLst/>
+                          <a:uLnTx/>
+                          <a:uFillTx/>
+                          <a:latin typeface="+mn-lt"/>
+                          <a:ea typeface="+mn-ea"/>
+                          <a:cs typeface="+mn-cs"/>
                         </a:rPr>
-                        <a:t>valid</a:t>
+                        <a:t>enable</a:t>
                       </a:r>
                     </a:p>
                   </a:txBody>
@@ -4801,7 +4812,7 @@
                             <a:schemeClr val="tx1"/>
                           </a:solidFill>
                         </a:rPr>
-                        <a:t>Valid signal to tell that the data sent are valid </a:t>
+                        <a:t>Enable signal added to tell data is correct</a:t>
                       </a:r>
                     </a:p>
                   </a:txBody>
@@ -4815,20 +4826,67 @@
                   </a:ext>
                 </a:extLst>
               </a:tr>
-              <a:tr h="741105">
+              <a:tr h="652166">
                 <a:tc>
                   <a:txBody>
                     <a:bodyPr/>
                     <a:lstStyle/>
                     <a:p>
+                      <a:pPr marL="0" marR="0" lvl="0" indent="0" algn="l" defTabSz="457200" rtl="0" eaLnBrk="1" fontAlgn="auto" latinLnBrk="0" hangingPunct="1">
+                        <a:lnSpc>
+                          <a:spcPct val="100000"/>
+                        </a:lnSpc>
+                        <a:spcBef>
+                          <a:spcPts val="0"/>
+                        </a:spcBef>
+                        <a:spcAft>
+                          <a:spcPts val="0"/>
+                        </a:spcAft>
+                        <a:buClrTx/>
+                        <a:buSzTx/>
+                        <a:buFontTx/>
+                        <a:buNone/>
+                        <a:tabLst/>
+                        <a:defRPr/>
+                      </a:pPr>
                       <a:r>
-                        <a:rPr lang="en-US" dirty="0">
+                        <a:rPr kumimoji="0" lang="en-US" sz="1800" b="0" i="0" u="none" strike="noStrike" kern="1200" cap="none" spc="0" normalizeH="0" baseline="0" noProof="0" dirty="0" err="1">
+                          <a:ln>
+                            <a:noFill/>
+                          </a:ln>
                           <a:solidFill>
-                            <a:schemeClr val="tx1"/>
+                            <a:prstClr val="white"/>
                           </a:solidFill>
+                          <a:effectLst/>
+                          <a:uLnTx/>
+                          <a:uFillTx/>
+                          <a:latin typeface="+mn-lt"/>
+                          <a:ea typeface="+mn-ea"/>
+                          <a:cs typeface="+mn-cs"/>
                         </a:rPr>
-                        <a:t>en</a:t>
+                        <a:t>Fsm_en</a:t>
                       </a:r>
+                      <a:endParaRPr kumimoji="0" lang="en-US" sz="1800" b="0" i="0" u="none" strike="noStrike" kern="1200" cap="none" spc="0" normalizeH="0" baseline="0" noProof="0" dirty="0">
+                        <a:ln>
+                          <a:noFill/>
+                        </a:ln>
+                        <a:solidFill>
+                          <a:prstClr val="white"/>
+                        </a:solidFill>
+                        <a:effectLst/>
+                        <a:uLnTx/>
+                        <a:uFillTx/>
+                        <a:latin typeface="+mn-lt"/>
+                        <a:ea typeface="+mn-ea"/>
+                        <a:cs typeface="+mn-cs"/>
+                      </a:endParaRPr>
+                    </a:p>
+                    <a:p>
+                      <a:endParaRPr lang="en-US" dirty="0">
+                        <a:solidFill>
+                          <a:schemeClr val="tx1"/>
+                        </a:solidFill>
+                      </a:endParaRPr>
                     </a:p>
                   </a:txBody>
                   <a:tcPr>
@@ -4860,7 +4918,7 @@
                   </a:ext>
                 </a:extLst>
               </a:tr>
-              <a:tr h="741105">
+              <a:tr h="652166">
                 <a:tc>
                   <a:txBody>
                     <a:bodyPr/>
@@ -4905,7 +4963,7 @@
                   </a:ext>
                 </a:extLst>
               </a:tr>
-              <a:tr h="741105">
+              <a:tr h="652166">
                 <a:tc>
                   <a:txBody>
                     <a:bodyPr/>
@@ -4950,7 +5008,7 @@
                   </a:ext>
                 </a:extLst>
               </a:tr>
-              <a:tr h="741105">
+              <a:tr h="652166">
                 <a:tc>
                   <a:txBody>
                     <a:bodyPr/>
@@ -4995,7 +5053,97 @@
                   </a:ext>
                 </a:extLst>
               </a:tr>
-              <a:tr h="741105">
+              <a:tr h="652166">
+                <a:tc>
+                  <a:txBody>
+                    <a:bodyPr/>
+                    <a:lstStyle/>
+                    <a:p>
+                      <a:r>
+                        <a:rPr lang="en-US" dirty="0">
+                          <a:solidFill>
+                            <a:schemeClr val="tx1"/>
+                          </a:solidFill>
+                        </a:rPr>
+                        <a:t>clk</a:t>
+                      </a:r>
+                    </a:p>
+                  </a:txBody>
+                  <a:tcPr>
+                    <a:noFill/>
+                  </a:tcPr>
+                </a:tc>
+                <a:tc>
+                  <a:txBody>
+                    <a:bodyPr/>
+                    <a:lstStyle/>
+                    <a:p>
+                      <a:r>
+                        <a:rPr lang="en-US" dirty="0">
+                          <a:solidFill>
+                            <a:schemeClr val="tx1"/>
+                          </a:solidFill>
+                        </a:rPr>
+                        <a:t>Clock </a:t>
+                      </a:r>
+                    </a:p>
+                  </a:txBody>
+                  <a:tcPr>
+                    <a:noFill/>
+                  </a:tcPr>
+                </a:tc>
+                <a:extLst>
+                  <a:ext uri="{0D108BD9-81ED-4DB2-BD59-A6C34878D82A}">
+                    <a16:rowId xmlns:a16="http://schemas.microsoft.com/office/drawing/2014/main" val="2187533147"/>
+                  </a:ext>
+                </a:extLst>
+              </a:tr>
+              <a:tr h="652166">
+                <a:tc>
+                  <a:txBody>
+                    <a:bodyPr/>
+                    <a:lstStyle/>
+                    <a:p>
+                      <a:r>
+                        <a:rPr lang="en-US" dirty="0">
+                          <a:solidFill>
+                            <a:schemeClr val="tx1"/>
+                          </a:solidFill>
+                        </a:rPr>
+                        <a:t>valid</a:t>
+                      </a:r>
+                    </a:p>
+                  </a:txBody>
+                  <a:tcPr>
+                    <a:noFill/>
+                  </a:tcPr>
+                </a:tc>
+                <a:tc>
+                  <a:txBody>
+                    <a:bodyPr/>
+                    <a:lstStyle/>
+                    <a:p>
+                      <a:r>
+                        <a:rPr lang="en-US" dirty="0">
+                          <a:solidFill>
+                            <a:schemeClr val="tx1"/>
+                          </a:solidFill>
+                        </a:rPr>
+                        <a:t>Valid signal to tell that the data sent are valid </a:t>
+                      </a:r>
+                    </a:p>
+                  </a:txBody>
+                  <a:tcPr>
+                    <a:noFill/>
+                  </a:tcPr>
+                </a:tc>
+                <a:extLst>
+                  <a:ext uri="{0D108BD9-81ED-4DB2-BD59-A6C34878D82A}">
+                    <a16:rowId xmlns:a16="http://schemas.microsoft.com/office/drawing/2014/main" val="1334776281"/>
+                  </a:ext>
+                </a:extLst>
+              </a:tr>
+              <a:tr h="652166">
                 <a:tc>
                   <a:txBody>
                     <a:bodyPr/>
@@ -5036,52 +5184,7 @@
                 </a:tc>
                 <a:extLst>
                   <a:ext uri="{0D108BD9-81ED-4DB2-BD59-A6C34878D82A}">
-                    <a16:rowId xmlns:a16="http://schemas.microsoft.com/office/drawing/2014/main" val="2187533147"/>
-                  </a:ext>
-                </a:extLst>
-              </a:tr>
-              <a:tr h="741105">
-                <a:tc>
-                  <a:txBody>
-                    <a:bodyPr/>
-                    <a:lstStyle/>
-                    <a:p>
-                      <a:r>
-                        <a:rPr lang="en-US" dirty="0">
-                          <a:solidFill>
-                            <a:schemeClr val="tx1"/>
-                          </a:solidFill>
-                        </a:rPr>
-                        <a:t>clk</a:t>
-                      </a:r>
-                    </a:p>
-                  </a:txBody>
-                  <a:tcPr>
-                    <a:noFill/>
-                  </a:tcPr>
-                </a:tc>
-                <a:tc>
-                  <a:txBody>
-                    <a:bodyPr/>
-                    <a:lstStyle/>
-                    <a:p>
-                      <a:r>
-                        <a:rPr lang="en-US" dirty="0">
-                          <a:solidFill>
-                            <a:schemeClr val="tx1"/>
-                          </a:solidFill>
-                        </a:rPr>
-                        <a:t>Clock </a:t>
-                      </a:r>
-                    </a:p>
-                  </a:txBody>
-                  <a:tcPr>
-                    <a:noFill/>
-                  </a:tcPr>
-                </a:tc>
-                <a:extLst>
-                  <a:ext uri="{0D108BD9-81ED-4DB2-BD59-A6C34878D82A}">
-                    <a16:rowId xmlns:a16="http://schemas.microsoft.com/office/drawing/2014/main" val="1334776281"/>
+                    <a16:rowId xmlns:a16="http://schemas.microsoft.com/office/drawing/2014/main" val="3701517254"/>
                   </a:ext>
                 </a:extLst>
               </a:tr>
@@ -5182,8 +5285,8 @@
         </p:nvSpPr>
         <p:spPr>
           <a:xfrm>
-            <a:off x="703684" y="852311"/>
-            <a:ext cx="692102" cy="369332"/>
+            <a:off x="534390" y="852311"/>
+            <a:ext cx="861396" cy="369332"/>
           </a:xfrm>
           <a:prstGeom prst="rect">
             <a:avLst/>
@@ -5198,7 +5301,7 @@
           <a:p>
             <a:r>
               <a:rPr lang="en-US" dirty="0"/>
-              <a:t>valid</a:t>
+              <a:t>enable</a:t>
             </a:r>
           </a:p>
         </p:txBody>
@@ -5656,8 +5759,8 @@
         </p:nvSpPr>
         <p:spPr>
           <a:xfrm>
-            <a:off x="908404" y="3757017"/>
-            <a:ext cx="433132" cy="369332"/>
+            <a:off x="381001" y="3757017"/>
+            <a:ext cx="960535" cy="646331"/>
           </a:xfrm>
           <a:prstGeom prst="rect">
             <a:avLst/>
@@ -5671,9 +5774,13 @@
           <a:lstStyle/>
           <a:p>
             <a:r>
-              <a:rPr lang="en-US" dirty="0"/>
-              <a:t>en</a:t>
+              <a:rPr lang="en-US" dirty="0" err="1"/>
+              <a:t>Fsm_en</a:t>
             </a:r>
+            <a:endParaRPr lang="en-US" dirty="0"/>
+          </a:p>
+          <a:p>
+            <a:endParaRPr lang="en-US" dirty="0"/>
           </a:p>
         </p:txBody>
       </p:sp>
@@ -5814,8 +5921,8 @@
         </p:nvSpPr>
         <p:spPr>
           <a:xfrm>
-            <a:off x="701464" y="3446258"/>
-            <a:ext cx="692102" cy="369332"/>
+            <a:off x="532170" y="3446258"/>
+            <a:ext cx="861396" cy="369332"/>
           </a:xfrm>
           <a:prstGeom prst="rect">
             <a:avLst/>
@@ -5830,7 +5937,7 @@
           <a:p>
             <a:r>
               <a:rPr lang="en-US" dirty="0"/>
-              <a:t>valid</a:t>
+              <a:t>enable</a:t>
             </a:r>
           </a:p>
         </p:txBody>
@@ -5889,13 +5996,13 @@
   <p:clrMapOvr>
     <a:masterClrMapping/>
   </p:clrMapOvr>
-  <mc:AlternateContent xmlns:mc="http://schemas.openxmlformats.org/markup-compatibility/2006">
-    <mc:Choice xmlns:p159="http://schemas.microsoft.com/office/powerpoint/2015/09/main" Requires="p159">
+  <mc:AlternateContent xmlns:mc="http://schemas.openxmlformats.org/markup-compatibility/2006" xmlns:p159="http://schemas.microsoft.com/office/powerpoint/2015/09/main">
+    <mc:Choice Requires="p159">
       <p:transition spd="slow">
         <p159:morph option="byObject"/>
       </p:transition>
     </mc:Choice>
-    <mc:Fallback>
+    <mc:Fallback xmlns="">
       <p:transition spd="slow">
         <p:fade/>
       </p:transition>
@@ -6728,7 +6835,7 @@
         </p:nvSpPr>
         <p:spPr>
           <a:xfrm>
-            <a:off x="3127723" y="5322703"/>
+            <a:off x="3084780" y="5327244"/>
             <a:ext cx="570990" cy="369332"/>
           </a:xfrm>
           <a:prstGeom prst="rect">
@@ -6816,7 +6923,7 @@
         </p:nvSpPr>
         <p:spPr>
           <a:xfrm>
-            <a:off x="7931708" y="2004796"/>
+            <a:off x="7943583" y="1992921"/>
             <a:ext cx="1587101" cy="369332"/>
           </a:xfrm>
           <a:prstGeom prst="rect">
@@ -7040,679 +7147,20 @@
       </p:cxnSp>
       <p:sp>
         <p:nvSpPr>
-          <p:cNvPr id="3" name="Rectangle 2">
-            <a:extLst>
-              <a:ext uri="{FF2B5EF4-FFF2-40B4-BE49-F238E27FC236}">
-                <a16:creationId xmlns:a16="http://schemas.microsoft.com/office/drawing/2014/main" id="{1084C88A-2B67-B948-F281-AD7E87EF63C1}"/>
-              </a:ext>
-            </a:extLst>
-          </p:cNvPr>
-          <p:cNvSpPr/>
+          <p:cNvPr id="49" name="TextBox 48">
+            <a:extLst>
+              <a:ext uri="{FF2B5EF4-FFF2-40B4-BE49-F238E27FC236}">
+                <a16:creationId xmlns:a16="http://schemas.microsoft.com/office/drawing/2014/main" id="{1C1B779F-95D9-5893-13BA-26DF653190F9}"/>
+              </a:ext>
+            </a:extLst>
+          </p:cNvPr>
+          <p:cNvSpPr txBox="1"/>
           <p:nvPr/>
         </p:nvSpPr>
         <p:spPr>
           <a:xfrm>
-            <a:off x="3848030" y="1968237"/>
-            <a:ext cx="3236984" cy="428625"/>
-          </a:xfrm>
-          <a:prstGeom prst="rect">
-            <a:avLst/>
-          </a:prstGeom>
-          <a:noFill/>
-          <a:ln w="38100">
-            <a:solidFill>
-              <a:schemeClr val="tx1"/>
-            </a:solidFill>
-          </a:ln>
-        </p:spPr>
-        <p:style>
-          <a:lnRef idx="2">
-            <a:schemeClr val="accent1">
-              <a:shade val="15000"/>
-            </a:schemeClr>
-          </a:lnRef>
-          <a:fillRef idx="1">
-            <a:schemeClr val="accent1"/>
-          </a:fillRef>
-          <a:effectRef idx="0">
-            <a:schemeClr val="accent1"/>
-          </a:effectRef>
-          <a:fontRef idx="minor">
-            <a:schemeClr val="lt1"/>
-          </a:fontRef>
-        </p:style>
-        <p:txBody>
-          <a:bodyPr rtlCol="0" anchor="ctr"/>
-          <a:lstStyle/>
-          <a:p>
-            <a:pPr algn="ctr"/>
-            <a:endParaRPr lang="en-US"/>
-          </a:p>
-        </p:txBody>
-      </p:sp>
-      <p:sp>
-        <p:nvSpPr>
-          <p:cNvPr id="5" name="Rectangle 4">
-            <a:extLst>
-              <a:ext uri="{FF2B5EF4-FFF2-40B4-BE49-F238E27FC236}">
-                <a16:creationId xmlns:a16="http://schemas.microsoft.com/office/drawing/2014/main" id="{0EB0D306-3BC9-52A9-6742-DB5C6541A81B}"/>
-              </a:ext>
-            </a:extLst>
-          </p:cNvPr>
-          <p:cNvSpPr/>
-          <p:nvPr/>
-        </p:nvSpPr>
-        <p:spPr>
-          <a:xfrm>
-            <a:off x="3848030" y="1968237"/>
-            <a:ext cx="293367" cy="428625"/>
-          </a:xfrm>
-          <a:prstGeom prst="rect">
-            <a:avLst/>
-          </a:prstGeom>
-          <a:noFill/>
-          <a:ln w="38100">
-            <a:solidFill>
-              <a:schemeClr val="tx1"/>
-            </a:solidFill>
-          </a:ln>
-        </p:spPr>
-        <p:style>
-          <a:lnRef idx="2">
-            <a:schemeClr val="accent1">
-              <a:shade val="15000"/>
-            </a:schemeClr>
-          </a:lnRef>
-          <a:fillRef idx="1">
-            <a:schemeClr val="accent1"/>
-          </a:fillRef>
-          <a:effectRef idx="0">
-            <a:schemeClr val="accent1"/>
-          </a:effectRef>
-          <a:fontRef idx="minor">
-            <a:schemeClr val="lt1"/>
-          </a:fontRef>
-        </p:style>
-        <p:txBody>
-          <a:bodyPr rtlCol="0" anchor="ctr"/>
-          <a:lstStyle/>
-          <a:p>
-            <a:pPr algn="ctr"/>
-            <a:endParaRPr lang="en-US"/>
-          </a:p>
-        </p:txBody>
-      </p:sp>
-      <p:sp>
-        <p:nvSpPr>
-          <p:cNvPr id="8" name="Rectangle 7">
-            <a:extLst>
-              <a:ext uri="{FF2B5EF4-FFF2-40B4-BE49-F238E27FC236}">
-                <a16:creationId xmlns:a16="http://schemas.microsoft.com/office/drawing/2014/main" id="{C5678BC1-E8BE-960E-5342-6EE174BA391C}"/>
-              </a:ext>
-            </a:extLst>
-          </p:cNvPr>
-          <p:cNvSpPr/>
-          <p:nvPr/>
-        </p:nvSpPr>
-        <p:spPr>
-          <a:xfrm>
-            <a:off x="4143226" y="1968235"/>
-            <a:ext cx="293367" cy="428625"/>
-          </a:xfrm>
-          <a:prstGeom prst="rect">
-            <a:avLst/>
-          </a:prstGeom>
-          <a:noFill/>
-          <a:ln w="38100">
-            <a:solidFill>
-              <a:schemeClr val="tx1"/>
-            </a:solidFill>
-          </a:ln>
-        </p:spPr>
-        <p:style>
-          <a:lnRef idx="2">
-            <a:schemeClr val="accent1">
-              <a:shade val="15000"/>
-            </a:schemeClr>
-          </a:lnRef>
-          <a:fillRef idx="1">
-            <a:schemeClr val="accent1"/>
-          </a:fillRef>
-          <a:effectRef idx="0">
-            <a:schemeClr val="accent1"/>
-          </a:effectRef>
-          <a:fontRef idx="minor">
-            <a:schemeClr val="lt1"/>
-          </a:fontRef>
-        </p:style>
-        <p:txBody>
-          <a:bodyPr rtlCol="0" anchor="ctr"/>
-          <a:lstStyle/>
-          <a:p>
-            <a:pPr algn="ctr"/>
-            <a:endParaRPr lang="en-US"/>
-          </a:p>
-        </p:txBody>
-      </p:sp>
-      <p:sp>
-        <p:nvSpPr>
-          <p:cNvPr id="20" name="Rectangle 19">
-            <a:extLst>
-              <a:ext uri="{FF2B5EF4-FFF2-40B4-BE49-F238E27FC236}">
-                <a16:creationId xmlns:a16="http://schemas.microsoft.com/office/drawing/2014/main" id="{95077E07-C35B-FC60-24B8-E911027E0B9D}"/>
-              </a:ext>
-            </a:extLst>
-          </p:cNvPr>
-          <p:cNvSpPr/>
-          <p:nvPr/>
-        </p:nvSpPr>
-        <p:spPr>
-          <a:xfrm>
-            <a:off x="4436996" y="1968237"/>
-            <a:ext cx="293367" cy="428625"/>
-          </a:xfrm>
-          <a:prstGeom prst="rect">
-            <a:avLst/>
-          </a:prstGeom>
-          <a:noFill/>
-          <a:ln w="38100">
-            <a:solidFill>
-              <a:schemeClr val="tx1"/>
-            </a:solidFill>
-          </a:ln>
-        </p:spPr>
-        <p:style>
-          <a:lnRef idx="2">
-            <a:schemeClr val="accent1">
-              <a:shade val="15000"/>
-            </a:schemeClr>
-          </a:lnRef>
-          <a:fillRef idx="1">
-            <a:schemeClr val="accent1"/>
-          </a:fillRef>
-          <a:effectRef idx="0">
-            <a:schemeClr val="accent1"/>
-          </a:effectRef>
-          <a:fontRef idx="minor">
-            <a:schemeClr val="lt1"/>
-          </a:fontRef>
-        </p:style>
-        <p:txBody>
-          <a:bodyPr rtlCol="0" anchor="ctr"/>
-          <a:lstStyle/>
-          <a:p>
-            <a:pPr algn="ctr"/>
-            <a:endParaRPr lang="en-US"/>
-          </a:p>
-        </p:txBody>
-      </p:sp>
-      <p:sp>
-        <p:nvSpPr>
-          <p:cNvPr id="26" name="Rectangle 25">
-            <a:extLst>
-              <a:ext uri="{FF2B5EF4-FFF2-40B4-BE49-F238E27FC236}">
-                <a16:creationId xmlns:a16="http://schemas.microsoft.com/office/drawing/2014/main" id="{24567711-AB36-169B-B8DB-A778DE183FA9}"/>
-              </a:ext>
-            </a:extLst>
-          </p:cNvPr>
-          <p:cNvSpPr/>
-          <p:nvPr/>
-        </p:nvSpPr>
-        <p:spPr>
-          <a:xfrm>
-            <a:off x="4730363" y="1968235"/>
-            <a:ext cx="293367" cy="428625"/>
-          </a:xfrm>
-          <a:prstGeom prst="rect">
-            <a:avLst/>
-          </a:prstGeom>
-          <a:noFill/>
-          <a:ln w="38100">
-            <a:solidFill>
-              <a:schemeClr val="tx1"/>
-            </a:solidFill>
-          </a:ln>
-        </p:spPr>
-        <p:style>
-          <a:lnRef idx="2">
-            <a:schemeClr val="accent1">
-              <a:shade val="15000"/>
-            </a:schemeClr>
-          </a:lnRef>
-          <a:fillRef idx="1">
-            <a:schemeClr val="accent1"/>
-          </a:fillRef>
-          <a:effectRef idx="0">
-            <a:schemeClr val="accent1"/>
-          </a:effectRef>
-          <a:fontRef idx="minor">
-            <a:schemeClr val="lt1"/>
-          </a:fontRef>
-        </p:style>
-        <p:txBody>
-          <a:bodyPr rtlCol="0" anchor="ctr"/>
-          <a:lstStyle/>
-          <a:p>
-            <a:pPr algn="ctr"/>
-            <a:endParaRPr lang="en-US"/>
-          </a:p>
-        </p:txBody>
-      </p:sp>
-      <p:sp>
-        <p:nvSpPr>
-          <p:cNvPr id="27" name="Rectangle 26">
-            <a:extLst>
-              <a:ext uri="{FF2B5EF4-FFF2-40B4-BE49-F238E27FC236}">
-                <a16:creationId xmlns:a16="http://schemas.microsoft.com/office/drawing/2014/main" id="{D1C5AC06-D0C1-5323-30BD-8F2E26BE5DA8}"/>
-              </a:ext>
-            </a:extLst>
-          </p:cNvPr>
-          <p:cNvSpPr/>
-          <p:nvPr/>
-        </p:nvSpPr>
-        <p:spPr>
-          <a:xfrm>
-            <a:off x="5025560" y="1968233"/>
-            <a:ext cx="293367" cy="428625"/>
-          </a:xfrm>
-          <a:prstGeom prst="rect">
-            <a:avLst/>
-          </a:prstGeom>
-          <a:noFill/>
-          <a:ln w="38100">
-            <a:solidFill>
-              <a:schemeClr val="tx1"/>
-            </a:solidFill>
-          </a:ln>
-        </p:spPr>
-        <p:style>
-          <a:lnRef idx="2">
-            <a:schemeClr val="accent1">
-              <a:shade val="15000"/>
-            </a:schemeClr>
-          </a:lnRef>
-          <a:fillRef idx="1">
-            <a:schemeClr val="accent1"/>
-          </a:fillRef>
-          <a:effectRef idx="0">
-            <a:schemeClr val="accent1"/>
-          </a:effectRef>
-          <a:fontRef idx="minor">
-            <a:schemeClr val="lt1"/>
-          </a:fontRef>
-        </p:style>
-        <p:txBody>
-          <a:bodyPr rtlCol="0" anchor="ctr"/>
-          <a:lstStyle/>
-          <a:p>
-            <a:pPr algn="ctr"/>
-            <a:endParaRPr lang="en-US"/>
-          </a:p>
-        </p:txBody>
-      </p:sp>
-      <p:sp>
-        <p:nvSpPr>
-          <p:cNvPr id="28" name="Rectangle 27">
-            <a:extLst>
-              <a:ext uri="{FF2B5EF4-FFF2-40B4-BE49-F238E27FC236}">
-                <a16:creationId xmlns:a16="http://schemas.microsoft.com/office/drawing/2014/main" id="{A8EC194E-7DBA-30F8-9D36-5367087D072A}"/>
-              </a:ext>
-            </a:extLst>
-          </p:cNvPr>
-          <p:cNvSpPr/>
-          <p:nvPr/>
-        </p:nvSpPr>
-        <p:spPr>
-          <a:xfrm>
-            <a:off x="5319328" y="1968235"/>
-            <a:ext cx="293367" cy="428625"/>
-          </a:xfrm>
-          <a:prstGeom prst="rect">
-            <a:avLst/>
-          </a:prstGeom>
-          <a:noFill/>
-          <a:ln w="38100">
-            <a:solidFill>
-              <a:schemeClr val="tx1"/>
-            </a:solidFill>
-          </a:ln>
-        </p:spPr>
-        <p:style>
-          <a:lnRef idx="2">
-            <a:schemeClr val="accent1">
-              <a:shade val="15000"/>
-            </a:schemeClr>
-          </a:lnRef>
-          <a:fillRef idx="1">
-            <a:schemeClr val="accent1"/>
-          </a:fillRef>
-          <a:effectRef idx="0">
-            <a:schemeClr val="accent1"/>
-          </a:effectRef>
-          <a:fontRef idx="minor">
-            <a:schemeClr val="lt1"/>
-          </a:fontRef>
-        </p:style>
-        <p:txBody>
-          <a:bodyPr rtlCol="0" anchor="ctr"/>
-          <a:lstStyle/>
-          <a:p>
-            <a:pPr algn="ctr"/>
-            <a:endParaRPr lang="en-US"/>
-          </a:p>
-        </p:txBody>
-      </p:sp>
-      <p:sp>
-        <p:nvSpPr>
-          <p:cNvPr id="42" name="Rectangle 41">
-            <a:extLst>
-              <a:ext uri="{FF2B5EF4-FFF2-40B4-BE49-F238E27FC236}">
-                <a16:creationId xmlns:a16="http://schemas.microsoft.com/office/drawing/2014/main" id="{53C0BDCF-823A-45E3-F1C7-F74E350F8B94}"/>
-              </a:ext>
-            </a:extLst>
-          </p:cNvPr>
-          <p:cNvSpPr/>
-          <p:nvPr/>
-        </p:nvSpPr>
-        <p:spPr>
-          <a:xfrm>
-            <a:off x="5617134" y="1968594"/>
-            <a:ext cx="293367" cy="428625"/>
-          </a:xfrm>
-          <a:prstGeom prst="rect">
-            <a:avLst/>
-          </a:prstGeom>
-          <a:noFill/>
-          <a:ln w="38100">
-            <a:solidFill>
-              <a:schemeClr val="tx1"/>
-            </a:solidFill>
-          </a:ln>
-        </p:spPr>
-        <p:style>
-          <a:lnRef idx="2">
-            <a:schemeClr val="accent1">
-              <a:shade val="15000"/>
-            </a:schemeClr>
-          </a:lnRef>
-          <a:fillRef idx="1">
-            <a:schemeClr val="accent1"/>
-          </a:fillRef>
-          <a:effectRef idx="0">
-            <a:schemeClr val="accent1"/>
-          </a:effectRef>
-          <a:fontRef idx="minor">
-            <a:schemeClr val="lt1"/>
-          </a:fontRef>
-        </p:style>
-        <p:txBody>
-          <a:bodyPr rtlCol="0" anchor="ctr"/>
-          <a:lstStyle/>
-          <a:p>
-            <a:pPr algn="ctr"/>
-            <a:endParaRPr lang="en-US"/>
-          </a:p>
-        </p:txBody>
-      </p:sp>
-      <p:sp>
-        <p:nvSpPr>
-          <p:cNvPr id="43" name="Rectangle 42">
-            <a:extLst>
-              <a:ext uri="{FF2B5EF4-FFF2-40B4-BE49-F238E27FC236}">
-                <a16:creationId xmlns:a16="http://schemas.microsoft.com/office/drawing/2014/main" id="{FA878C8E-AD1A-A90D-A227-8C4CE24371EA}"/>
-              </a:ext>
-            </a:extLst>
-          </p:cNvPr>
-          <p:cNvSpPr/>
-          <p:nvPr/>
-        </p:nvSpPr>
-        <p:spPr>
-          <a:xfrm>
-            <a:off x="5909312" y="1968596"/>
-            <a:ext cx="293367" cy="428625"/>
-          </a:xfrm>
-          <a:prstGeom prst="rect">
-            <a:avLst/>
-          </a:prstGeom>
-          <a:noFill/>
-          <a:ln w="38100">
-            <a:solidFill>
-              <a:schemeClr val="tx1"/>
-            </a:solidFill>
-          </a:ln>
-        </p:spPr>
-        <p:style>
-          <a:lnRef idx="2">
-            <a:schemeClr val="accent1">
-              <a:shade val="15000"/>
-            </a:schemeClr>
-          </a:lnRef>
-          <a:fillRef idx="1">
-            <a:schemeClr val="accent1"/>
-          </a:fillRef>
-          <a:effectRef idx="0">
-            <a:schemeClr val="accent1"/>
-          </a:effectRef>
-          <a:fontRef idx="minor">
-            <a:schemeClr val="lt1"/>
-          </a:fontRef>
-        </p:style>
-        <p:txBody>
-          <a:bodyPr rtlCol="0" anchor="ctr"/>
-          <a:lstStyle/>
-          <a:p>
-            <a:pPr algn="ctr"/>
-            <a:endParaRPr lang="en-US"/>
-          </a:p>
-        </p:txBody>
-      </p:sp>
-      <p:sp>
-        <p:nvSpPr>
-          <p:cNvPr id="44" name="Rectangle 43">
-            <a:extLst>
-              <a:ext uri="{FF2B5EF4-FFF2-40B4-BE49-F238E27FC236}">
-                <a16:creationId xmlns:a16="http://schemas.microsoft.com/office/drawing/2014/main" id="{CBEEF9A8-4FD5-9CD8-35F4-43EB92E98F67}"/>
-              </a:ext>
-            </a:extLst>
-          </p:cNvPr>
-          <p:cNvSpPr/>
-          <p:nvPr/>
-        </p:nvSpPr>
-        <p:spPr>
-          <a:xfrm>
-            <a:off x="6202679" y="1968594"/>
-            <a:ext cx="293367" cy="428625"/>
-          </a:xfrm>
-          <a:prstGeom prst="rect">
-            <a:avLst/>
-          </a:prstGeom>
-          <a:noFill/>
-          <a:ln w="38100">
-            <a:solidFill>
-              <a:schemeClr val="tx1"/>
-            </a:solidFill>
-          </a:ln>
-        </p:spPr>
-        <p:style>
-          <a:lnRef idx="2">
-            <a:schemeClr val="accent1">
-              <a:shade val="15000"/>
-            </a:schemeClr>
-          </a:lnRef>
-          <a:fillRef idx="1">
-            <a:schemeClr val="accent1"/>
-          </a:fillRef>
-          <a:effectRef idx="0">
-            <a:schemeClr val="accent1"/>
-          </a:effectRef>
-          <a:fontRef idx="minor">
-            <a:schemeClr val="lt1"/>
-          </a:fontRef>
-        </p:style>
-        <p:txBody>
-          <a:bodyPr rtlCol="0" anchor="ctr"/>
-          <a:lstStyle/>
-          <a:p>
-            <a:pPr algn="ctr"/>
-            <a:endParaRPr lang="en-US"/>
-          </a:p>
-        </p:txBody>
-      </p:sp>
-      <p:sp>
-        <p:nvSpPr>
-          <p:cNvPr id="45" name="Rectangle 44">
-            <a:extLst>
-              <a:ext uri="{FF2B5EF4-FFF2-40B4-BE49-F238E27FC236}">
-                <a16:creationId xmlns:a16="http://schemas.microsoft.com/office/drawing/2014/main" id="{F1BAAD1C-6561-25CA-4C1C-EA2295501746}"/>
-              </a:ext>
-            </a:extLst>
-          </p:cNvPr>
-          <p:cNvSpPr/>
-          <p:nvPr/>
-        </p:nvSpPr>
-        <p:spPr>
-          <a:xfrm>
-            <a:off x="6496289" y="1968592"/>
-            <a:ext cx="293367" cy="428625"/>
-          </a:xfrm>
-          <a:prstGeom prst="rect">
-            <a:avLst/>
-          </a:prstGeom>
-          <a:noFill/>
-          <a:ln w="38100">
-            <a:solidFill>
-              <a:schemeClr val="tx1"/>
-            </a:solidFill>
-          </a:ln>
-        </p:spPr>
-        <p:style>
-          <a:lnRef idx="2">
-            <a:schemeClr val="accent1">
-              <a:shade val="15000"/>
-            </a:schemeClr>
-          </a:lnRef>
-          <a:fillRef idx="1">
-            <a:schemeClr val="accent1"/>
-          </a:fillRef>
-          <a:effectRef idx="0">
-            <a:schemeClr val="accent1"/>
-          </a:effectRef>
-          <a:fontRef idx="minor">
-            <a:schemeClr val="lt1"/>
-          </a:fontRef>
-        </p:style>
-        <p:txBody>
-          <a:bodyPr rtlCol="0" anchor="ctr"/>
-          <a:lstStyle/>
-          <a:p>
-            <a:pPr algn="ctr"/>
-            <a:endParaRPr lang="en-US"/>
-          </a:p>
-        </p:txBody>
-      </p:sp>
-      <p:sp>
-        <p:nvSpPr>
-          <p:cNvPr id="46" name="Rectangle 45">
-            <a:extLst>
-              <a:ext uri="{FF2B5EF4-FFF2-40B4-BE49-F238E27FC236}">
-                <a16:creationId xmlns:a16="http://schemas.microsoft.com/office/drawing/2014/main" id="{81752283-14AB-B518-9680-D542CD05C3CE}"/>
-              </a:ext>
-            </a:extLst>
-          </p:cNvPr>
-          <p:cNvSpPr/>
-          <p:nvPr/>
-        </p:nvSpPr>
-        <p:spPr>
-          <a:xfrm>
-            <a:off x="6791646" y="1968594"/>
-            <a:ext cx="293367" cy="428625"/>
-          </a:xfrm>
-          <a:prstGeom prst="rect">
-            <a:avLst/>
-          </a:prstGeom>
-          <a:noFill/>
-          <a:ln w="38100">
-            <a:solidFill>
-              <a:schemeClr val="tx1"/>
-            </a:solidFill>
-          </a:ln>
-        </p:spPr>
-        <p:style>
-          <a:lnRef idx="2">
-            <a:schemeClr val="accent1">
-              <a:shade val="15000"/>
-            </a:schemeClr>
-          </a:lnRef>
-          <a:fillRef idx="1">
-            <a:schemeClr val="accent1"/>
-          </a:fillRef>
-          <a:effectRef idx="0">
-            <a:schemeClr val="accent1"/>
-          </a:effectRef>
-          <a:fontRef idx="minor">
-            <a:schemeClr val="lt1"/>
-          </a:fontRef>
-        </p:style>
-        <p:txBody>
-          <a:bodyPr rtlCol="0" anchor="ctr"/>
-          <a:lstStyle/>
-          <a:p>
-            <a:pPr algn="ctr"/>
-            <a:endParaRPr lang="en-US"/>
-          </a:p>
-        </p:txBody>
-      </p:sp>
-      <p:sp>
-        <p:nvSpPr>
-          <p:cNvPr id="47" name="TextBox 46">
-            <a:extLst>
-              <a:ext uri="{FF2B5EF4-FFF2-40B4-BE49-F238E27FC236}">
-                <a16:creationId xmlns:a16="http://schemas.microsoft.com/office/drawing/2014/main" id="{8D49C5D2-284E-5BB8-3709-617E8ED5C23D}"/>
-              </a:ext>
-            </a:extLst>
-          </p:cNvPr>
-          <p:cNvSpPr txBox="1"/>
-          <p:nvPr/>
-        </p:nvSpPr>
-        <p:spPr>
-          <a:xfrm>
-            <a:off x="4083431" y="1469245"/>
-            <a:ext cx="2493631" cy="369332"/>
-          </a:xfrm>
-          <a:prstGeom prst="rect">
-            <a:avLst/>
-          </a:prstGeom>
-          <a:noFill/>
-        </p:spPr>
-        <p:txBody>
-          <a:bodyPr wrap="none" rtlCol="0">
-            <a:spAutoFit/>
-          </a:bodyPr>
-          <a:lstStyle/>
-          <a:p>
-            <a:r>
-              <a:rPr lang="en-US" dirty="0"/>
-              <a:t>1408-bit register “keys”</a:t>
-            </a:r>
-          </a:p>
-        </p:txBody>
-      </p:sp>
-      <p:sp>
-        <p:nvSpPr>
-          <p:cNvPr id="48" name="TextBox 47">
-            <a:extLst>
-              <a:ext uri="{FF2B5EF4-FFF2-40B4-BE49-F238E27FC236}">
-                <a16:creationId xmlns:a16="http://schemas.microsoft.com/office/drawing/2014/main" id="{E700403A-9FDA-9166-261F-8B24C057FD39}"/>
-              </a:ext>
-            </a:extLst>
-          </p:cNvPr>
-          <p:cNvSpPr txBox="1"/>
-          <p:nvPr/>
-        </p:nvSpPr>
-        <p:spPr>
-          <a:xfrm>
-            <a:off x="3794142" y="2055587"/>
-            <a:ext cx="435478" cy="253916"/>
+            <a:off x="5425828" y="1147024"/>
+            <a:ext cx="504053" cy="253916"/>
           </a:xfrm>
           <a:prstGeom prst="rect">
             <a:avLst/>
@@ -7727,188 +7175,31 @@
           <a:p>
             <a:r>
               <a:rPr lang="en-US" sz="1050" dirty="0"/>
-              <a:t>k10</a:t>
-            </a:r>
-          </a:p>
-        </p:txBody>
-      </p:sp>
-      <p:sp>
-        <p:nvSpPr>
-          <p:cNvPr id="49" name="TextBox 48">
-            <a:extLst>
-              <a:ext uri="{FF2B5EF4-FFF2-40B4-BE49-F238E27FC236}">
-                <a16:creationId xmlns:a16="http://schemas.microsoft.com/office/drawing/2014/main" id="{1C1B779F-95D9-5893-13BA-26DF653190F9}"/>
-              </a:ext>
-            </a:extLst>
-          </p:cNvPr>
-          <p:cNvSpPr txBox="1"/>
-          <p:nvPr/>
-        </p:nvSpPr>
-        <p:spPr>
-          <a:xfrm>
-            <a:off x="6478309" y="2055587"/>
-            <a:ext cx="435478" cy="253916"/>
-          </a:xfrm>
-          <a:prstGeom prst="rect">
-            <a:avLst/>
-          </a:prstGeom>
-          <a:noFill/>
-        </p:spPr>
-        <p:txBody>
-          <a:bodyPr wrap="square" rtlCol="0">
-            <a:spAutoFit/>
-          </a:bodyPr>
-          <a:lstStyle/>
-          <a:p>
-            <a:r>
-              <a:rPr lang="en-US" sz="1050" dirty="0"/>
-              <a:t>k1</a:t>
-            </a:r>
-          </a:p>
-        </p:txBody>
-      </p:sp>
-      <p:sp>
-        <p:nvSpPr>
-          <p:cNvPr id="51" name="TextBox 50">
-            <a:extLst>
-              <a:ext uri="{FF2B5EF4-FFF2-40B4-BE49-F238E27FC236}">
-                <a16:creationId xmlns:a16="http://schemas.microsoft.com/office/drawing/2014/main" id="{65E1381B-8D42-1395-CC98-D026BD6C3403}"/>
-              </a:ext>
-            </a:extLst>
-          </p:cNvPr>
-          <p:cNvSpPr txBox="1"/>
-          <p:nvPr/>
-        </p:nvSpPr>
-        <p:spPr>
-          <a:xfrm>
-            <a:off x="6765223" y="2056907"/>
-            <a:ext cx="435478" cy="253916"/>
-          </a:xfrm>
-          <a:prstGeom prst="rect">
-            <a:avLst/>
-          </a:prstGeom>
-          <a:noFill/>
-        </p:spPr>
-        <p:txBody>
-          <a:bodyPr wrap="square" rtlCol="0">
-            <a:spAutoFit/>
-          </a:bodyPr>
-          <a:lstStyle/>
-          <a:p>
-            <a:r>
-              <a:rPr lang="en-US" sz="1050" dirty="0"/>
-              <a:t>k0</a:t>
+              <a:t>Key 0</a:t>
             </a:r>
           </a:p>
         </p:txBody>
       </p:sp>
       <p:cxnSp>
         <p:nvCxnSpPr>
-          <p:cNvPr id="52" name="Straight Arrow Connector 51">
-            <a:extLst>
-              <a:ext uri="{FF2B5EF4-FFF2-40B4-BE49-F238E27FC236}">
-                <a16:creationId xmlns:a16="http://schemas.microsoft.com/office/drawing/2014/main" id="{B0BF4F41-9057-B353-1AC1-B95AECDDD76D}"/>
+          <p:cNvPr id="56" name="Straight Arrow Connector 55">
+            <a:extLst>
+              <a:ext uri="{FF2B5EF4-FFF2-40B4-BE49-F238E27FC236}">
+                <a16:creationId xmlns:a16="http://schemas.microsoft.com/office/drawing/2014/main" id="{D2E3DB8A-BADC-085F-4D2C-9FA6AC2871A6}"/>
               </a:ext>
             </a:extLst>
           </p:cNvPr>
           <p:cNvCxnSpPr>
             <a:cxnSpLocks/>
-          </p:cNvCxnSpPr>
-          <p:nvPr/>
-        </p:nvCxnSpPr>
-        <p:spPr>
-          <a:xfrm>
-            <a:off x="3994713" y="2396853"/>
-            <a:ext cx="0" cy="3095396"/>
-          </a:xfrm>
-          <a:prstGeom prst="straightConnector1">
-            <a:avLst/>
-          </a:prstGeom>
-          <a:ln>
-            <a:solidFill>
-              <a:schemeClr val="tx1"/>
-            </a:solidFill>
-            <a:tailEnd type="triangle"/>
-          </a:ln>
-        </p:spPr>
-        <p:style>
-          <a:lnRef idx="2">
-            <a:schemeClr val="accent1"/>
-          </a:lnRef>
-          <a:fillRef idx="0">
-            <a:schemeClr val="accent1"/>
-          </a:fillRef>
-          <a:effectRef idx="1">
-            <a:schemeClr val="accent1"/>
-          </a:effectRef>
-          <a:fontRef idx="minor">
-            <a:schemeClr val="tx1"/>
-          </a:fontRef>
-        </p:style>
-      </p:cxnSp>
-      <p:cxnSp>
-        <p:nvCxnSpPr>
-          <p:cNvPr id="56" name="Straight Arrow Connector 55">
-            <a:extLst>
-              <a:ext uri="{FF2B5EF4-FFF2-40B4-BE49-F238E27FC236}">
-                <a16:creationId xmlns:a16="http://schemas.microsoft.com/office/drawing/2014/main" id="{D2E3DB8A-BADC-085F-4D2C-9FA6AC2871A6}"/>
-              </a:ext>
-            </a:extLst>
-          </p:cNvPr>
-          <p:cNvCxnSpPr>
-            <a:cxnSpLocks/>
+            <a:stCxn id="25" idx="1"/>
             <a:endCxn id="4" idx="3"/>
           </p:cNvCxnSpPr>
           <p:nvPr/>
         </p:nvCxnSpPr>
         <p:spPr>
           <a:xfrm flipH="1">
-            <a:off x="3664429" y="1269936"/>
-            <a:ext cx="3263305" cy="0"/>
-          </a:xfrm>
-          <a:prstGeom prst="straightConnector1">
-            <a:avLst/>
-          </a:prstGeom>
-          <a:ln>
-            <a:solidFill>
-              <a:schemeClr val="tx1"/>
-            </a:solidFill>
-            <a:tailEnd type="triangle"/>
-          </a:ln>
-        </p:spPr>
-        <p:style>
-          <a:lnRef idx="2">
-            <a:schemeClr val="accent1"/>
-          </a:lnRef>
-          <a:fillRef idx="0">
-            <a:schemeClr val="accent1"/>
-          </a:fillRef>
-          <a:effectRef idx="1">
-            <a:schemeClr val="accent1"/>
-          </a:effectRef>
-          <a:fontRef idx="minor">
-            <a:schemeClr val="tx1"/>
-          </a:fontRef>
-        </p:style>
-      </p:cxnSp>
-      <p:cxnSp>
-        <p:nvCxnSpPr>
-          <p:cNvPr id="60" name="Straight Arrow Connector 59">
-            <a:extLst>
-              <a:ext uri="{FF2B5EF4-FFF2-40B4-BE49-F238E27FC236}">
-                <a16:creationId xmlns:a16="http://schemas.microsoft.com/office/drawing/2014/main" id="{71EFE693-4337-0FA8-0FB7-6B429F1ED889}"/>
-              </a:ext>
-            </a:extLst>
-          </p:cNvPr>
-          <p:cNvCxnSpPr>
-            <a:cxnSpLocks/>
-          </p:cNvCxnSpPr>
-          <p:nvPr/>
-        </p:nvCxnSpPr>
-        <p:spPr>
-          <a:xfrm>
-            <a:off x="6639887" y="2396853"/>
-            <a:ext cx="0" cy="253015"/>
+            <a:off x="3664429" y="1269935"/>
+            <a:ext cx="951546" cy="1"/>
           </a:xfrm>
           <a:prstGeom prst="straightConnector1">
             <a:avLst/>
@@ -7946,13 +7237,15 @@
           </p:cNvPr>
           <p:cNvCxnSpPr>
             <a:cxnSpLocks/>
+            <a:stCxn id="58" idx="1"/>
+            <a:endCxn id="9" idx="3"/>
           </p:cNvCxnSpPr>
           <p:nvPr/>
         </p:nvCxnSpPr>
         <p:spPr>
           <a:xfrm flipH="1">
-            <a:off x="3670782" y="2594281"/>
-            <a:ext cx="2969105" cy="0"/>
+            <a:off x="3664429" y="2569399"/>
+            <a:ext cx="966256" cy="9272"/>
           </a:xfrm>
           <a:prstGeom prst="straightConnector1">
             <a:avLst/>
@@ -7990,57 +7283,15 @@
           </p:cNvPr>
           <p:cNvCxnSpPr>
             <a:cxnSpLocks/>
+            <a:stCxn id="76" idx="1"/>
+            <a:endCxn id="7" idx="3"/>
           </p:cNvCxnSpPr>
           <p:nvPr/>
         </p:nvCxnSpPr>
         <p:spPr>
           <a:xfrm flipH="1">
-            <a:off x="3685149" y="5460340"/>
-            <a:ext cx="309564" cy="0"/>
-          </a:xfrm>
-          <a:prstGeom prst="straightConnector1">
-            <a:avLst/>
-          </a:prstGeom>
-          <a:ln>
-            <a:solidFill>
-              <a:schemeClr val="tx1"/>
-            </a:solidFill>
-            <a:tailEnd type="triangle"/>
-          </a:ln>
-        </p:spPr>
-        <p:style>
-          <a:lnRef idx="2">
-            <a:schemeClr val="accent1"/>
-          </a:lnRef>
-          <a:fillRef idx="0">
-            <a:schemeClr val="accent1"/>
-          </a:fillRef>
-          <a:effectRef idx="1">
-            <a:schemeClr val="accent1"/>
-          </a:effectRef>
-          <a:fontRef idx="minor">
-            <a:schemeClr val="tx1"/>
-          </a:fontRef>
-        </p:style>
-      </p:cxnSp>
-      <p:cxnSp>
-        <p:nvCxnSpPr>
-          <p:cNvPr id="68" name="Straight Arrow Connector 67">
-            <a:extLst>
-              <a:ext uri="{FF2B5EF4-FFF2-40B4-BE49-F238E27FC236}">
-                <a16:creationId xmlns:a16="http://schemas.microsoft.com/office/drawing/2014/main" id="{06468656-2F37-CC23-B10C-0BC68FDD18FC}"/>
-              </a:ext>
-            </a:extLst>
-          </p:cNvPr>
-          <p:cNvCxnSpPr>
-            <a:cxnSpLocks/>
-          </p:cNvCxnSpPr>
-          <p:nvPr/>
-        </p:nvCxnSpPr>
-        <p:spPr>
-          <a:xfrm flipH="1" flipV="1">
-            <a:off x="6927734" y="1224595"/>
-            <a:ext cx="7924" cy="752832"/>
+            <a:off x="3664429" y="5451442"/>
+            <a:ext cx="951546" cy="8899"/>
           </a:xfrm>
           <a:prstGeom prst="straightConnector1">
             <a:avLst/>
@@ -8126,7 +7377,7 @@
         <p:spPr>
           <a:xfrm>
             <a:off x="1497908" y="292065"/>
-            <a:ext cx="655179" cy="369332"/>
+            <a:ext cx="867545" cy="369332"/>
           </a:xfrm>
           <a:prstGeom prst="rect">
             <a:avLst/>
@@ -8141,7 +7392,7 @@
           <a:p>
             <a:r>
               <a:rPr lang="en-US" dirty="0"/>
-              <a:t>valid</a:t>
+              <a:t>enable</a:t>
             </a:r>
           </a:p>
         </p:txBody>
@@ -8436,6 +7687,369 @@
           </a:fontRef>
         </p:style>
       </p:cxnSp>
+      <p:sp>
+        <p:nvSpPr>
+          <p:cNvPr id="25" name="Rectangle 24">
+            <a:extLst>
+              <a:ext uri="{FF2B5EF4-FFF2-40B4-BE49-F238E27FC236}">
+                <a16:creationId xmlns:a16="http://schemas.microsoft.com/office/drawing/2014/main" id="{D69794A8-3760-21B1-5673-7C2B614369EA}"/>
+              </a:ext>
+            </a:extLst>
+          </p:cNvPr>
+          <p:cNvSpPr/>
+          <p:nvPr/>
+        </p:nvSpPr>
+        <p:spPr>
+          <a:xfrm>
+            <a:off x="4615975" y="1055622"/>
+            <a:ext cx="2068830" cy="428625"/>
+          </a:xfrm>
+          <a:prstGeom prst="rect">
+            <a:avLst/>
+          </a:prstGeom>
+          <a:noFill/>
+          <a:ln w="38100">
+            <a:solidFill>
+              <a:schemeClr val="tx1"/>
+            </a:solidFill>
+          </a:ln>
+        </p:spPr>
+        <p:style>
+          <a:lnRef idx="2">
+            <a:schemeClr val="accent1">
+              <a:shade val="15000"/>
+            </a:schemeClr>
+          </a:lnRef>
+          <a:fillRef idx="1">
+            <a:schemeClr val="accent1"/>
+          </a:fillRef>
+          <a:effectRef idx="0">
+            <a:schemeClr val="accent1"/>
+          </a:effectRef>
+          <a:fontRef idx="minor">
+            <a:schemeClr val="lt1"/>
+          </a:fontRef>
+        </p:style>
+        <p:txBody>
+          <a:bodyPr rtlCol="0" anchor="ctr"/>
+          <a:lstStyle/>
+          <a:p>
+            <a:pPr algn="ctr"/>
+            <a:endParaRPr lang="en-US"/>
+          </a:p>
+        </p:txBody>
+      </p:sp>
+      <p:cxnSp>
+        <p:nvCxnSpPr>
+          <p:cNvPr id="37" name="Straight Arrow Connector 36">
+            <a:extLst>
+              <a:ext uri="{FF2B5EF4-FFF2-40B4-BE49-F238E27FC236}">
+                <a16:creationId xmlns:a16="http://schemas.microsoft.com/office/drawing/2014/main" id="{0987EABD-E061-311D-3D31-C5386639DDD7}"/>
+              </a:ext>
+            </a:extLst>
+          </p:cNvPr>
+          <p:cNvCxnSpPr>
+            <a:cxnSpLocks/>
+            <a:endCxn id="25" idx="3"/>
+          </p:cNvCxnSpPr>
+          <p:nvPr/>
+        </p:nvCxnSpPr>
+        <p:spPr>
+          <a:xfrm rot="16200000" flipV="1">
+            <a:off x="6492321" y="1462420"/>
+            <a:ext cx="878205" cy="493235"/>
+          </a:xfrm>
+          <a:prstGeom prst="bentConnector2">
+            <a:avLst/>
+          </a:prstGeom>
+          <a:ln>
+            <a:solidFill>
+              <a:schemeClr val="tx1"/>
+            </a:solidFill>
+            <a:tailEnd type="triangle"/>
+          </a:ln>
+        </p:spPr>
+        <p:style>
+          <a:lnRef idx="2">
+            <a:schemeClr val="accent1"/>
+          </a:lnRef>
+          <a:fillRef idx="0">
+            <a:schemeClr val="accent1"/>
+          </a:fillRef>
+          <a:effectRef idx="1">
+            <a:schemeClr val="accent1"/>
+          </a:effectRef>
+          <a:fontRef idx="minor">
+            <a:schemeClr val="tx1"/>
+          </a:fontRef>
+        </p:style>
+      </p:cxnSp>
+      <p:sp>
+        <p:nvSpPr>
+          <p:cNvPr id="57" name="TextBox 56">
+            <a:extLst>
+              <a:ext uri="{FF2B5EF4-FFF2-40B4-BE49-F238E27FC236}">
+                <a16:creationId xmlns:a16="http://schemas.microsoft.com/office/drawing/2014/main" id="{B1BE83BE-E2AA-4E7F-C27D-89F42DD703FC}"/>
+              </a:ext>
+            </a:extLst>
+          </p:cNvPr>
+          <p:cNvSpPr txBox="1"/>
+          <p:nvPr/>
+        </p:nvSpPr>
+        <p:spPr>
+          <a:xfrm>
+            <a:off x="5434713" y="2451713"/>
+            <a:ext cx="504053" cy="253916"/>
+          </a:xfrm>
+          <a:prstGeom prst="rect">
+            <a:avLst/>
+          </a:prstGeom>
+          <a:noFill/>
+        </p:spPr>
+        <p:txBody>
+          <a:bodyPr wrap="square" rtlCol="0">
+            <a:spAutoFit/>
+          </a:bodyPr>
+          <a:lstStyle/>
+          <a:p>
+            <a:r>
+              <a:rPr lang="en-US" sz="1050" dirty="0"/>
+              <a:t>Key 1</a:t>
+            </a:r>
+          </a:p>
+        </p:txBody>
+      </p:sp>
+      <p:sp>
+        <p:nvSpPr>
+          <p:cNvPr id="58" name="Rectangle 57">
+            <a:extLst>
+              <a:ext uri="{FF2B5EF4-FFF2-40B4-BE49-F238E27FC236}">
+                <a16:creationId xmlns:a16="http://schemas.microsoft.com/office/drawing/2014/main" id="{9F67DB94-C0BA-DD79-0C1F-F2D973F6D374}"/>
+              </a:ext>
+            </a:extLst>
+          </p:cNvPr>
+          <p:cNvSpPr/>
+          <p:nvPr/>
+        </p:nvSpPr>
+        <p:spPr>
+          <a:xfrm>
+            <a:off x="4630685" y="2355086"/>
+            <a:ext cx="2068830" cy="428625"/>
+          </a:xfrm>
+          <a:prstGeom prst="rect">
+            <a:avLst/>
+          </a:prstGeom>
+          <a:noFill/>
+          <a:ln w="38100">
+            <a:solidFill>
+              <a:schemeClr val="tx1"/>
+            </a:solidFill>
+          </a:ln>
+        </p:spPr>
+        <p:style>
+          <a:lnRef idx="2">
+            <a:schemeClr val="accent1">
+              <a:shade val="15000"/>
+            </a:schemeClr>
+          </a:lnRef>
+          <a:fillRef idx="1">
+            <a:schemeClr val="accent1"/>
+          </a:fillRef>
+          <a:effectRef idx="0">
+            <a:schemeClr val="accent1"/>
+          </a:effectRef>
+          <a:fontRef idx="minor">
+            <a:schemeClr val="lt1"/>
+          </a:fontRef>
+        </p:style>
+        <p:txBody>
+          <a:bodyPr rtlCol="0" anchor="ctr"/>
+          <a:lstStyle/>
+          <a:p>
+            <a:pPr algn="ctr"/>
+            <a:endParaRPr lang="en-US"/>
+          </a:p>
+        </p:txBody>
+      </p:sp>
+      <p:cxnSp>
+        <p:nvCxnSpPr>
+          <p:cNvPr id="62" name="Straight Arrow Connector 36">
+            <a:extLst>
+              <a:ext uri="{FF2B5EF4-FFF2-40B4-BE49-F238E27FC236}">
+                <a16:creationId xmlns:a16="http://schemas.microsoft.com/office/drawing/2014/main" id="{C89DD034-8225-22F9-9EEE-B6139B8B4890}"/>
+              </a:ext>
+            </a:extLst>
+          </p:cNvPr>
+          <p:cNvCxnSpPr>
+            <a:cxnSpLocks/>
+            <a:endCxn id="58" idx="3"/>
+          </p:cNvCxnSpPr>
+          <p:nvPr/>
+        </p:nvCxnSpPr>
+        <p:spPr>
+          <a:xfrm rot="10800000" flipV="1">
+            <a:off x="6699516" y="2148139"/>
+            <a:ext cx="478525" cy="421259"/>
+          </a:xfrm>
+          <a:prstGeom prst="bentConnector3">
+            <a:avLst>
+              <a:gd name="adj1" fmla="val 50000"/>
+            </a:avLst>
+          </a:prstGeom>
+          <a:ln>
+            <a:solidFill>
+              <a:schemeClr val="tx1"/>
+            </a:solidFill>
+            <a:tailEnd type="triangle"/>
+          </a:ln>
+        </p:spPr>
+        <p:style>
+          <a:lnRef idx="2">
+            <a:schemeClr val="accent1"/>
+          </a:lnRef>
+          <a:fillRef idx="0">
+            <a:schemeClr val="accent1"/>
+          </a:fillRef>
+          <a:effectRef idx="1">
+            <a:schemeClr val="accent1"/>
+          </a:effectRef>
+          <a:fontRef idx="minor">
+            <a:schemeClr val="tx1"/>
+          </a:fontRef>
+        </p:style>
+      </p:cxnSp>
+      <p:sp>
+        <p:nvSpPr>
+          <p:cNvPr id="76" name="Rectangle 75">
+            <a:extLst>
+              <a:ext uri="{FF2B5EF4-FFF2-40B4-BE49-F238E27FC236}">
+                <a16:creationId xmlns:a16="http://schemas.microsoft.com/office/drawing/2014/main" id="{BC38988C-CDA1-DB70-AA37-F00A7464E864}"/>
+              </a:ext>
+            </a:extLst>
+          </p:cNvPr>
+          <p:cNvSpPr/>
+          <p:nvPr/>
+        </p:nvSpPr>
+        <p:spPr>
+          <a:xfrm>
+            <a:off x="4615975" y="5237129"/>
+            <a:ext cx="2068830" cy="428625"/>
+          </a:xfrm>
+          <a:prstGeom prst="rect">
+            <a:avLst/>
+          </a:prstGeom>
+          <a:noFill/>
+          <a:ln w="38100">
+            <a:solidFill>
+              <a:schemeClr val="tx1"/>
+            </a:solidFill>
+          </a:ln>
+        </p:spPr>
+        <p:style>
+          <a:lnRef idx="2">
+            <a:schemeClr val="accent1">
+              <a:shade val="15000"/>
+            </a:schemeClr>
+          </a:lnRef>
+          <a:fillRef idx="1">
+            <a:schemeClr val="accent1"/>
+          </a:fillRef>
+          <a:effectRef idx="0">
+            <a:schemeClr val="accent1"/>
+          </a:effectRef>
+          <a:fontRef idx="minor">
+            <a:schemeClr val="lt1"/>
+          </a:fontRef>
+        </p:style>
+        <p:txBody>
+          <a:bodyPr rtlCol="0" anchor="ctr"/>
+          <a:lstStyle/>
+          <a:p>
+            <a:pPr algn="ctr"/>
+            <a:endParaRPr lang="en-US"/>
+          </a:p>
+        </p:txBody>
+      </p:sp>
+      <p:cxnSp>
+        <p:nvCxnSpPr>
+          <p:cNvPr id="77" name="Straight Arrow Connector 36">
+            <a:extLst>
+              <a:ext uri="{FF2B5EF4-FFF2-40B4-BE49-F238E27FC236}">
+                <a16:creationId xmlns:a16="http://schemas.microsoft.com/office/drawing/2014/main" id="{07EA1D3E-9190-028A-B079-1033AB95F5A9}"/>
+              </a:ext>
+            </a:extLst>
+          </p:cNvPr>
+          <p:cNvCxnSpPr>
+            <a:cxnSpLocks/>
+            <a:endCxn id="76" idx="3"/>
+          </p:cNvCxnSpPr>
+          <p:nvPr/>
+        </p:nvCxnSpPr>
+        <p:spPr>
+          <a:xfrm rot="5400000">
+            <a:off x="5285781" y="3559182"/>
+            <a:ext cx="3291285" cy="493235"/>
+          </a:xfrm>
+          <a:prstGeom prst="bentConnector2">
+            <a:avLst/>
+          </a:prstGeom>
+          <a:ln>
+            <a:solidFill>
+              <a:schemeClr val="tx1"/>
+            </a:solidFill>
+            <a:tailEnd type="triangle"/>
+          </a:ln>
+        </p:spPr>
+        <p:style>
+          <a:lnRef idx="2">
+            <a:schemeClr val="accent1"/>
+          </a:lnRef>
+          <a:fillRef idx="0">
+            <a:schemeClr val="accent1"/>
+          </a:fillRef>
+          <a:effectRef idx="1">
+            <a:schemeClr val="accent1"/>
+          </a:effectRef>
+          <a:fontRef idx="minor">
+            <a:schemeClr val="tx1"/>
+          </a:fontRef>
+        </p:style>
+      </p:cxnSp>
+      <p:sp>
+        <p:nvSpPr>
+          <p:cNvPr id="85" name="TextBox 84">
+            <a:extLst>
+              <a:ext uri="{FF2B5EF4-FFF2-40B4-BE49-F238E27FC236}">
+                <a16:creationId xmlns:a16="http://schemas.microsoft.com/office/drawing/2014/main" id="{FDBA9D78-D104-15CB-3074-A86CE453BCEA}"/>
+              </a:ext>
+            </a:extLst>
+          </p:cNvPr>
+          <p:cNvSpPr txBox="1"/>
+          <p:nvPr/>
+        </p:nvSpPr>
+        <p:spPr>
+          <a:xfrm>
+            <a:off x="5425827" y="5328145"/>
+            <a:ext cx="570989" cy="253916"/>
+          </a:xfrm>
+          <a:prstGeom prst="rect">
+            <a:avLst/>
+          </a:prstGeom>
+          <a:noFill/>
+        </p:spPr>
+        <p:txBody>
+          <a:bodyPr wrap="square" rtlCol="0">
+            <a:spAutoFit/>
+          </a:bodyPr>
+          <a:lstStyle/>
+          <a:p>
+            <a:r>
+              <a:rPr lang="en-US" sz="1050" dirty="0"/>
+              <a:t>Key 10</a:t>
+            </a:r>
+          </a:p>
+        </p:txBody>
+      </p:sp>
     </p:spTree>
     <p:extLst>
       <p:ext uri="{BB962C8B-B14F-4D97-AF65-F5344CB8AC3E}">
@@ -8446,13 +8060,13 @@
   <p:clrMapOvr>
     <a:masterClrMapping/>
   </p:clrMapOvr>
-  <mc:AlternateContent xmlns:mc="http://schemas.openxmlformats.org/markup-compatibility/2006">
-    <mc:Choice xmlns:p14="http://schemas.microsoft.com/office/powerpoint/2010/main" Requires="p14">
+  <mc:AlternateContent xmlns:mc="http://schemas.openxmlformats.org/markup-compatibility/2006" xmlns:p14="http://schemas.microsoft.com/office/powerpoint/2010/main">
+    <mc:Choice Requires="p14">
       <p:transition spd="med" p14:dur="700">
         <p:fade/>
       </p:transition>
     </mc:Choice>
-    <mc:Fallback>
+    <mc:Fallback xmlns="">
       <p:transition spd="med">
         <p:fade/>
       </p:transition>
@@ -9369,7 +8983,7 @@
         </p:nvSpPr>
         <p:spPr>
           <a:xfrm>
-            <a:off x="7935317" y="1997879"/>
+            <a:off x="7947192" y="1997879"/>
             <a:ext cx="1587101" cy="369332"/>
           </a:xfrm>
           <a:prstGeom prst="rect">
@@ -9628,1035 +9242,6 @@
           </a:p>
         </p:txBody>
       </p:sp>
-      <p:sp>
-        <p:nvSpPr>
-          <p:cNvPr id="3" name="Rectangle 2">
-            <a:extLst>
-              <a:ext uri="{FF2B5EF4-FFF2-40B4-BE49-F238E27FC236}">
-                <a16:creationId xmlns:a16="http://schemas.microsoft.com/office/drawing/2014/main" id="{3AB282DE-12A7-E35B-A045-276ECE4FE675}"/>
-              </a:ext>
-            </a:extLst>
-          </p:cNvPr>
-          <p:cNvSpPr/>
-          <p:nvPr/>
-        </p:nvSpPr>
-        <p:spPr>
-          <a:xfrm>
-            <a:off x="3848030" y="1968237"/>
-            <a:ext cx="3236984" cy="428625"/>
-          </a:xfrm>
-          <a:prstGeom prst="rect">
-            <a:avLst/>
-          </a:prstGeom>
-          <a:noFill/>
-          <a:ln w="38100">
-            <a:solidFill>
-              <a:schemeClr val="tx1"/>
-            </a:solidFill>
-          </a:ln>
-        </p:spPr>
-        <p:style>
-          <a:lnRef idx="2">
-            <a:schemeClr val="accent1">
-              <a:shade val="15000"/>
-            </a:schemeClr>
-          </a:lnRef>
-          <a:fillRef idx="1">
-            <a:schemeClr val="accent1"/>
-          </a:fillRef>
-          <a:effectRef idx="0">
-            <a:schemeClr val="accent1"/>
-          </a:effectRef>
-          <a:fontRef idx="minor">
-            <a:schemeClr val="lt1"/>
-          </a:fontRef>
-        </p:style>
-        <p:txBody>
-          <a:bodyPr rtlCol="0" anchor="ctr"/>
-          <a:lstStyle/>
-          <a:p>
-            <a:pPr algn="ctr"/>
-            <a:endParaRPr lang="en-US"/>
-          </a:p>
-        </p:txBody>
-      </p:sp>
-      <p:sp>
-        <p:nvSpPr>
-          <p:cNvPr id="5" name="Rectangle 4">
-            <a:extLst>
-              <a:ext uri="{FF2B5EF4-FFF2-40B4-BE49-F238E27FC236}">
-                <a16:creationId xmlns:a16="http://schemas.microsoft.com/office/drawing/2014/main" id="{C72358EC-E03E-0040-D3D4-4D53504C5415}"/>
-              </a:ext>
-            </a:extLst>
-          </p:cNvPr>
-          <p:cNvSpPr/>
-          <p:nvPr/>
-        </p:nvSpPr>
-        <p:spPr>
-          <a:xfrm>
-            <a:off x="3848030" y="1968237"/>
-            <a:ext cx="293367" cy="428625"/>
-          </a:xfrm>
-          <a:prstGeom prst="rect">
-            <a:avLst/>
-          </a:prstGeom>
-          <a:noFill/>
-          <a:ln w="38100">
-            <a:solidFill>
-              <a:schemeClr val="tx1"/>
-            </a:solidFill>
-          </a:ln>
-        </p:spPr>
-        <p:style>
-          <a:lnRef idx="2">
-            <a:schemeClr val="accent1">
-              <a:shade val="15000"/>
-            </a:schemeClr>
-          </a:lnRef>
-          <a:fillRef idx="1">
-            <a:schemeClr val="accent1"/>
-          </a:fillRef>
-          <a:effectRef idx="0">
-            <a:schemeClr val="accent1"/>
-          </a:effectRef>
-          <a:fontRef idx="minor">
-            <a:schemeClr val="lt1"/>
-          </a:fontRef>
-        </p:style>
-        <p:txBody>
-          <a:bodyPr rtlCol="0" anchor="ctr"/>
-          <a:lstStyle/>
-          <a:p>
-            <a:pPr algn="ctr"/>
-            <a:endParaRPr lang="en-US"/>
-          </a:p>
-        </p:txBody>
-      </p:sp>
-      <p:sp>
-        <p:nvSpPr>
-          <p:cNvPr id="8" name="Rectangle 7">
-            <a:extLst>
-              <a:ext uri="{FF2B5EF4-FFF2-40B4-BE49-F238E27FC236}">
-                <a16:creationId xmlns:a16="http://schemas.microsoft.com/office/drawing/2014/main" id="{44AFC2F4-910D-D1C7-65F6-09BDA2BF010B}"/>
-              </a:ext>
-            </a:extLst>
-          </p:cNvPr>
-          <p:cNvSpPr/>
-          <p:nvPr/>
-        </p:nvSpPr>
-        <p:spPr>
-          <a:xfrm>
-            <a:off x="4143226" y="1968235"/>
-            <a:ext cx="293367" cy="428625"/>
-          </a:xfrm>
-          <a:prstGeom prst="rect">
-            <a:avLst/>
-          </a:prstGeom>
-          <a:noFill/>
-          <a:ln w="38100">
-            <a:solidFill>
-              <a:schemeClr val="tx1"/>
-            </a:solidFill>
-          </a:ln>
-        </p:spPr>
-        <p:style>
-          <a:lnRef idx="2">
-            <a:schemeClr val="accent1">
-              <a:shade val="15000"/>
-            </a:schemeClr>
-          </a:lnRef>
-          <a:fillRef idx="1">
-            <a:schemeClr val="accent1"/>
-          </a:fillRef>
-          <a:effectRef idx="0">
-            <a:schemeClr val="accent1"/>
-          </a:effectRef>
-          <a:fontRef idx="minor">
-            <a:schemeClr val="lt1"/>
-          </a:fontRef>
-        </p:style>
-        <p:txBody>
-          <a:bodyPr rtlCol="0" anchor="ctr"/>
-          <a:lstStyle/>
-          <a:p>
-            <a:pPr algn="ctr"/>
-            <a:endParaRPr lang="en-US"/>
-          </a:p>
-        </p:txBody>
-      </p:sp>
-      <p:sp>
-        <p:nvSpPr>
-          <p:cNvPr id="20" name="Rectangle 19">
-            <a:extLst>
-              <a:ext uri="{FF2B5EF4-FFF2-40B4-BE49-F238E27FC236}">
-                <a16:creationId xmlns:a16="http://schemas.microsoft.com/office/drawing/2014/main" id="{92A6ACF2-ACB3-77B1-882B-D6457EC1A1CC}"/>
-              </a:ext>
-            </a:extLst>
-          </p:cNvPr>
-          <p:cNvSpPr/>
-          <p:nvPr/>
-        </p:nvSpPr>
-        <p:spPr>
-          <a:xfrm>
-            <a:off x="4436996" y="1968237"/>
-            <a:ext cx="293367" cy="428625"/>
-          </a:xfrm>
-          <a:prstGeom prst="rect">
-            <a:avLst/>
-          </a:prstGeom>
-          <a:noFill/>
-          <a:ln w="38100">
-            <a:solidFill>
-              <a:schemeClr val="tx1"/>
-            </a:solidFill>
-          </a:ln>
-        </p:spPr>
-        <p:style>
-          <a:lnRef idx="2">
-            <a:schemeClr val="accent1">
-              <a:shade val="15000"/>
-            </a:schemeClr>
-          </a:lnRef>
-          <a:fillRef idx="1">
-            <a:schemeClr val="accent1"/>
-          </a:fillRef>
-          <a:effectRef idx="0">
-            <a:schemeClr val="accent1"/>
-          </a:effectRef>
-          <a:fontRef idx="minor">
-            <a:schemeClr val="lt1"/>
-          </a:fontRef>
-        </p:style>
-        <p:txBody>
-          <a:bodyPr rtlCol="0" anchor="ctr"/>
-          <a:lstStyle/>
-          <a:p>
-            <a:pPr algn="ctr"/>
-            <a:endParaRPr lang="en-US"/>
-          </a:p>
-        </p:txBody>
-      </p:sp>
-      <p:sp>
-        <p:nvSpPr>
-          <p:cNvPr id="26" name="Rectangle 25">
-            <a:extLst>
-              <a:ext uri="{FF2B5EF4-FFF2-40B4-BE49-F238E27FC236}">
-                <a16:creationId xmlns:a16="http://schemas.microsoft.com/office/drawing/2014/main" id="{AEFCEA4E-D46A-77F5-B245-09841ED5B48A}"/>
-              </a:ext>
-            </a:extLst>
-          </p:cNvPr>
-          <p:cNvSpPr/>
-          <p:nvPr/>
-        </p:nvSpPr>
-        <p:spPr>
-          <a:xfrm>
-            <a:off x="4730363" y="1968235"/>
-            <a:ext cx="293367" cy="428625"/>
-          </a:xfrm>
-          <a:prstGeom prst="rect">
-            <a:avLst/>
-          </a:prstGeom>
-          <a:noFill/>
-          <a:ln w="38100">
-            <a:solidFill>
-              <a:schemeClr val="tx1"/>
-            </a:solidFill>
-          </a:ln>
-        </p:spPr>
-        <p:style>
-          <a:lnRef idx="2">
-            <a:schemeClr val="accent1">
-              <a:shade val="15000"/>
-            </a:schemeClr>
-          </a:lnRef>
-          <a:fillRef idx="1">
-            <a:schemeClr val="accent1"/>
-          </a:fillRef>
-          <a:effectRef idx="0">
-            <a:schemeClr val="accent1"/>
-          </a:effectRef>
-          <a:fontRef idx="minor">
-            <a:schemeClr val="lt1"/>
-          </a:fontRef>
-        </p:style>
-        <p:txBody>
-          <a:bodyPr rtlCol="0" anchor="ctr"/>
-          <a:lstStyle/>
-          <a:p>
-            <a:pPr algn="ctr"/>
-            <a:endParaRPr lang="en-US"/>
-          </a:p>
-        </p:txBody>
-      </p:sp>
-      <p:sp>
-        <p:nvSpPr>
-          <p:cNvPr id="27" name="Rectangle 26">
-            <a:extLst>
-              <a:ext uri="{FF2B5EF4-FFF2-40B4-BE49-F238E27FC236}">
-                <a16:creationId xmlns:a16="http://schemas.microsoft.com/office/drawing/2014/main" id="{30379636-FBBD-8C99-ECAF-C019B5313422}"/>
-              </a:ext>
-            </a:extLst>
-          </p:cNvPr>
-          <p:cNvSpPr/>
-          <p:nvPr/>
-        </p:nvSpPr>
-        <p:spPr>
-          <a:xfrm>
-            <a:off x="5025560" y="1968233"/>
-            <a:ext cx="293367" cy="428625"/>
-          </a:xfrm>
-          <a:prstGeom prst="rect">
-            <a:avLst/>
-          </a:prstGeom>
-          <a:noFill/>
-          <a:ln w="38100">
-            <a:solidFill>
-              <a:schemeClr val="tx1"/>
-            </a:solidFill>
-          </a:ln>
-        </p:spPr>
-        <p:style>
-          <a:lnRef idx="2">
-            <a:schemeClr val="accent1">
-              <a:shade val="15000"/>
-            </a:schemeClr>
-          </a:lnRef>
-          <a:fillRef idx="1">
-            <a:schemeClr val="accent1"/>
-          </a:fillRef>
-          <a:effectRef idx="0">
-            <a:schemeClr val="accent1"/>
-          </a:effectRef>
-          <a:fontRef idx="minor">
-            <a:schemeClr val="lt1"/>
-          </a:fontRef>
-        </p:style>
-        <p:txBody>
-          <a:bodyPr rtlCol="0" anchor="ctr"/>
-          <a:lstStyle/>
-          <a:p>
-            <a:pPr algn="ctr"/>
-            <a:endParaRPr lang="en-US"/>
-          </a:p>
-        </p:txBody>
-      </p:sp>
-      <p:sp>
-        <p:nvSpPr>
-          <p:cNvPr id="28" name="Rectangle 27">
-            <a:extLst>
-              <a:ext uri="{FF2B5EF4-FFF2-40B4-BE49-F238E27FC236}">
-                <a16:creationId xmlns:a16="http://schemas.microsoft.com/office/drawing/2014/main" id="{C7D61C24-0617-C617-B5CE-84B41ECE5326}"/>
-              </a:ext>
-            </a:extLst>
-          </p:cNvPr>
-          <p:cNvSpPr/>
-          <p:nvPr/>
-        </p:nvSpPr>
-        <p:spPr>
-          <a:xfrm>
-            <a:off x="5319328" y="1968235"/>
-            <a:ext cx="293367" cy="428625"/>
-          </a:xfrm>
-          <a:prstGeom prst="rect">
-            <a:avLst/>
-          </a:prstGeom>
-          <a:noFill/>
-          <a:ln w="38100">
-            <a:solidFill>
-              <a:schemeClr val="tx1"/>
-            </a:solidFill>
-          </a:ln>
-        </p:spPr>
-        <p:style>
-          <a:lnRef idx="2">
-            <a:schemeClr val="accent1">
-              <a:shade val="15000"/>
-            </a:schemeClr>
-          </a:lnRef>
-          <a:fillRef idx="1">
-            <a:schemeClr val="accent1"/>
-          </a:fillRef>
-          <a:effectRef idx="0">
-            <a:schemeClr val="accent1"/>
-          </a:effectRef>
-          <a:fontRef idx="minor">
-            <a:schemeClr val="lt1"/>
-          </a:fontRef>
-        </p:style>
-        <p:txBody>
-          <a:bodyPr rtlCol="0" anchor="ctr"/>
-          <a:lstStyle/>
-          <a:p>
-            <a:pPr algn="ctr"/>
-            <a:endParaRPr lang="en-US"/>
-          </a:p>
-        </p:txBody>
-      </p:sp>
-      <p:sp>
-        <p:nvSpPr>
-          <p:cNvPr id="42" name="Rectangle 41">
-            <a:extLst>
-              <a:ext uri="{FF2B5EF4-FFF2-40B4-BE49-F238E27FC236}">
-                <a16:creationId xmlns:a16="http://schemas.microsoft.com/office/drawing/2014/main" id="{91F87BA2-E9E7-8525-5634-91D901428110}"/>
-              </a:ext>
-            </a:extLst>
-          </p:cNvPr>
-          <p:cNvSpPr/>
-          <p:nvPr/>
-        </p:nvSpPr>
-        <p:spPr>
-          <a:xfrm>
-            <a:off x="5617134" y="1968594"/>
-            <a:ext cx="293367" cy="428625"/>
-          </a:xfrm>
-          <a:prstGeom prst="rect">
-            <a:avLst/>
-          </a:prstGeom>
-          <a:noFill/>
-          <a:ln w="38100">
-            <a:solidFill>
-              <a:schemeClr val="tx1"/>
-            </a:solidFill>
-          </a:ln>
-        </p:spPr>
-        <p:style>
-          <a:lnRef idx="2">
-            <a:schemeClr val="accent1">
-              <a:shade val="15000"/>
-            </a:schemeClr>
-          </a:lnRef>
-          <a:fillRef idx="1">
-            <a:schemeClr val="accent1"/>
-          </a:fillRef>
-          <a:effectRef idx="0">
-            <a:schemeClr val="accent1"/>
-          </a:effectRef>
-          <a:fontRef idx="minor">
-            <a:schemeClr val="lt1"/>
-          </a:fontRef>
-        </p:style>
-        <p:txBody>
-          <a:bodyPr rtlCol="0" anchor="ctr"/>
-          <a:lstStyle/>
-          <a:p>
-            <a:pPr algn="ctr"/>
-            <a:endParaRPr lang="en-US"/>
-          </a:p>
-        </p:txBody>
-      </p:sp>
-      <p:sp>
-        <p:nvSpPr>
-          <p:cNvPr id="43" name="Rectangle 42">
-            <a:extLst>
-              <a:ext uri="{FF2B5EF4-FFF2-40B4-BE49-F238E27FC236}">
-                <a16:creationId xmlns:a16="http://schemas.microsoft.com/office/drawing/2014/main" id="{30F8B8AF-FBA8-A412-441B-3E99BB934E30}"/>
-              </a:ext>
-            </a:extLst>
-          </p:cNvPr>
-          <p:cNvSpPr/>
-          <p:nvPr/>
-        </p:nvSpPr>
-        <p:spPr>
-          <a:xfrm>
-            <a:off x="5909312" y="1968596"/>
-            <a:ext cx="293367" cy="428625"/>
-          </a:xfrm>
-          <a:prstGeom prst="rect">
-            <a:avLst/>
-          </a:prstGeom>
-          <a:noFill/>
-          <a:ln w="38100">
-            <a:solidFill>
-              <a:schemeClr val="tx1"/>
-            </a:solidFill>
-          </a:ln>
-        </p:spPr>
-        <p:style>
-          <a:lnRef idx="2">
-            <a:schemeClr val="accent1">
-              <a:shade val="15000"/>
-            </a:schemeClr>
-          </a:lnRef>
-          <a:fillRef idx="1">
-            <a:schemeClr val="accent1"/>
-          </a:fillRef>
-          <a:effectRef idx="0">
-            <a:schemeClr val="accent1"/>
-          </a:effectRef>
-          <a:fontRef idx="minor">
-            <a:schemeClr val="lt1"/>
-          </a:fontRef>
-        </p:style>
-        <p:txBody>
-          <a:bodyPr rtlCol="0" anchor="ctr"/>
-          <a:lstStyle/>
-          <a:p>
-            <a:pPr algn="ctr"/>
-            <a:endParaRPr lang="en-US"/>
-          </a:p>
-        </p:txBody>
-      </p:sp>
-      <p:sp>
-        <p:nvSpPr>
-          <p:cNvPr id="44" name="Rectangle 43">
-            <a:extLst>
-              <a:ext uri="{FF2B5EF4-FFF2-40B4-BE49-F238E27FC236}">
-                <a16:creationId xmlns:a16="http://schemas.microsoft.com/office/drawing/2014/main" id="{D4C22605-B9B8-F156-CC62-5485094B8902}"/>
-              </a:ext>
-            </a:extLst>
-          </p:cNvPr>
-          <p:cNvSpPr/>
-          <p:nvPr/>
-        </p:nvSpPr>
-        <p:spPr>
-          <a:xfrm>
-            <a:off x="6202679" y="1968594"/>
-            <a:ext cx="293367" cy="428625"/>
-          </a:xfrm>
-          <a:prstGeom prst="rect">
-            <a:avLst/>
-          </a:prstGeom>
-          <a:noFill/>
-          <a:ln w="38100">
-            <a:solidFill>
-              <a:schemeClr val="tx1"/>
-            </a:solidFill>
-          </a:ln>
-        </p:spPr>
-        <p:style>
-          <a:lnRef idx="2">
-            <a:schemeClr val="accent1">
-              <a:shade val="15000"/>
-            </a:schemeClr>
-          </a:lnRef>
-          <a:fillRef idx="1">
-            <a:schemeClr val="accent1"/>
-          </a:fillRef>
-          <a:effectRef idx="0">
-            <a:schemeClr val="accent1"/>
-          </a:effectRef>
-          <a:fontRef idx="minor">
-            <a:schemeClr val="lt1"/>
-          </a:fontRef>
-        </p:style>
-        <p:txBody>
-          <a:bodyPr rtlCol="0" anchor="ctr"/>
-          <a:lstStyle/>
-          <a:p>
-            <a:pPr algn="ctr"/>
-            <a:endParaRPr lang="en-US"/>
-          </a:p>
-        </p:txBody>
-      </p:sp>
-      <p:sp>
-        <p:nvSpPr>
-          <p:cNvPr id="45" name="Rectangle 44">
-            <a:extLst>
-              <a:ext uri="{FF2B5EF4-FFF2-40B4-BE49-F238E27FC236}">
-                <a16:creationId xmlns:a16="http://schemas.microsoft.com/office/drawing/2014/main" id="{D40AF63C-A64C-8E30-A9E1-E814EDC10A6B}"/>
-              </a:ext>
-            </a:extLst>
-          </p:cNvPr>
-          <p:cNvSpPr/>
-          <p:nvPr/>
-        </p:nvSpPr>
-        <p:spPr>
-          <a:xfrm>
-            <a:off x="6496289" y="1968592"/>
-            <a:ext cx="293367" cy="428625"/>
-          </a:xfrm>
-          <a:prstGeom prst="rect">
-            <a:avLst/>
-          </a:prstGeom>
-          <a:noFill/>
-          <a:ln w="38100">
-            <a:solidFill>
-              <a:schemeClr val="tx1"/>
-            </a:solidFill>
-          </a:ln>
-        </p:spPr>
-        <p:style>
-          <a:lnRef idx="2">
-            <a:schemeClr val="accent1">
-              <a:shade val="15000"/>
-            </a:schemeClr>
-          </a:lnRef>
-          <a:fillRef idx="1">
-            <a:schemeClr val="accent1"/>
-          </a:fillRef>
-          <a:effectRef idx="0">
-            <a:schemeClr val="accent1"/>
-          </a:effectRef>
-          <a:fontRef idx="minor">
-            <a:schemeClr val="lt1"/>
-          </a:fontRef>
-        </p:style>
-        <p:txBody>
-          <a:bodyPr rtlCol="0" anchor="ctr"/>
-          <a:lstStyle/>
-          <a:p>
-            <a:pPr algn="ctr"/>
-            <a:endParaRPr lang="en-US"/>
-          </a:p>
-        </p:txBody>
-      </p:sp>
-      <p:sp>
-        <p:nvSpPr>
-          <p:cNvPr id="46" name="Rectangle 45">
-            <a:extLst>
-              <a:ext uri="{FF2B5EF4-FFF2-40B4-BE49-F238E27FC236}">
-                <a16:creationId xmlns:a16="http://schemas.microsoft.com/office/drawing/2014/main" id="{0D254E7D-8CA0-EEB1-5186-862F49FAD53D}"/>
-              </a:ext>
-            </a:extLst>
-          </p:cNvPr>
-          <p:cNvSpPr/>
-          <p:nvPr/>
-        </p:nvSpPr>
-        <p:spPr>
-          <a:xfrm>
-            <a:off x="6791646" y="1968594"/>
-            <a:ext cx="293367" cy="428625"/>
-          </a:xfrm>
-          <a:prstGeom prst="rect">
-            <a:avLst/>
-          </a:prstGeom>
-          <a:noFill/>
-          <a:ln w="38100">
-            <a:solidFill>
-              <a:schemeClr val="tx1"/>
-            </a:solidFill>
-          </a:ln>
-        </p:spPr>
-        <p:style>
-          <a:lnRef idx="2">
-            <a:schemeClr val="accent1">
-              <a:shade val="15000"/>
-            </a:schemeClr>
-          </a:lnRef>
-          <a:fillRef idx="1">
-            <a:schemeClr val="accent1"/>
-          </a:fillRef>
-          <a:effectRef idx="0">
-            <a:schemeClr val="accent1"/>
-          </a:effectRef>
-          <a:fontRef idx="minor">
-            <a:schemeClr val="lt1"/>
-          </a:fontRef>
-        </p:style>
-        <p:txBody>
-          <a:bodyPr rtlCol="0" anchor="ctr"/>
-          <a:lstStyle/>
-          <a:p>
-            <a:pPr algn="ctr"/>
-            <a:endParaRPr lang="en-US"/>
-          </a:p>
-        </p:txBody>
-      </p:sp>
-      <p:sp>
-        <p:nvSpPr>
-          <p:cNvPr id="47" name="TextBox 46">
-            <a:extLst>
-              <a:ext uri="{FF2B5EF4-FFF2-40B4-BE49-F238E27FC236}">
-                <a16:creationId xmlns:a16="http://schemas.microsoft.com/office/drawing/2014/main" id="{0B240BF2-A7AB-394A-0337-3A59BCFFF18B}"/>
-              </a:ext>
-            </a:extLst>
-          </p:cNvPr>
-          <p:cNvSpPr txBox="1"/>
-          <p:nvPr/>
-        </p:nvSpPr>
-        <p:spPr>
-          <a:xfrm>
-            <a:off x="4083431" y="1469245"/>
-            <a:ext cx="2493631" cy="369332"/>
-          </a:xfrm>
-          <a:prstGeom prst="rect">
-            <a:avLst/>
-          </a:prstGeom>
-          <a:noFill/>
-        </p:spPr>
-        <p:txBody>
-          <a:bodyPr wrap="none" rtlCol="0">
-            <a:spAutoFit/>
-          </a:bodyPr>
-          <a:lstStyle/>
-          <a:p>
-            <a:r>
-              <a:rPr lang="en-US" dirty="0"/>
-              <a:t>1408-bit register “keys”</a:t>
-            </a:r>
-          </a:p>
-        </p:txBody>
-      </p:sp>
-      <p:sp>
-        <p:nvSpPr>
-          <p:cNvPr id="48" name="TextBox 47">
-            <a:extLst>
-              <a:ext uri="{FF2B5EF4-FFF2-40B4-BE49-F238E27FC236}">
-                <a16:creationId xmlns:a16="http://schemas.microsoft.com/office/drawing/2014/main" id="{C844BED6-41A1-2DD1-00D5-4D8ADE87E3C7}"/>
-              </a:ext>
-            </a:extLst>
-          </p:cNvPr>
-          <p:cNvSpPr txBox="1"/>
-          <p:nvPr/>
-        </p:nvSpPr>
-        <p:spPr>
-          <a:xfrm>
-            <a:off x="3797952" y="2055587"/>
-            <a:ext cx="435478" cy="253916"/>
-          </a:xfrm>
-          <a:prstGeom prst="rect">
-            <a:avLst/>
-          </a:prstGeom>
-          <a:noFill/>
-        </p:spPr>
-        <p:txBody>
-          <a:bodyPr wrap="square" rtlCol="0">
-            <a:spAutoFit/>
-          </a:bodyPr>
-          <a:lstStyle/>
-          <a:p>
-            <a:r>
-              <a:rPr lang="en-US" sz="1050" dirty="0"/>
-              <a:t>k10</a:t>
-            </a:r>
-          </a:p>
-        </p:txBody>
-      </p:sp>
-      <p:sp>
-        <p:nvSpPr>
-          <p:cNvPr id="51" name="TextBox 50">
-            <a:extLst>
-              <a:ext uri="{FF2B5EF4-FFF2-40B4-BE49-F238E27FC236}">
-                <a16:creationId xmlns:a16="http://schemas.microsoft.com/office/drawing/2014/main" id="{1CB3FECD-089C-4179-9809-83484458741B}"/>
-              </a:ext>
-            </a:extLst>
-          </p:cNvPr>
-          <p:cNvSpPr txBox="1"/>
-          <p:nvPr/>
-        </p:nvSpPr>
-        <p:spPr>
-          <a:xfrm>
-            <a:off x="6765223" y="2056907"/>
-            <a:ext cx="435478" cy="253916"/>
-          </a:xfrm>
-          <a:prstGeom prst="rect">
-            <a:avLst/>
-          </a:prstGeom>
-          <a:noFill/>
-        </p:spPr>
-        <p:txBody>
-          <a:bodyPr wrap="square" rtlCol="0">
-            <a:spAutoFit/>
-          </a:bodyPr>
-          <a:lstStyle/>
-          <a:p>
-            <a:r>
-              <a:rPr lang="en-US" sz="1050" dirty="0"/>
-              <a:t>k0</a:t>
-            </a:r>
-          </a:p>
-        </p:txBody>
-      </p:sp>
-      <p:cxnSp>
-        <p:nvCxnSpPr>
-          <p:cNvPr id="52" name="Straight Arrow Connector 51">
-            <a:extLst>
-              <a:ext uri="{FF2B5EF4-FFF2-40B4-BE49-F238E27FC236}">
-                <a16:creationId xmlns:a16="http://schemas.microsoft.com/office/drawing/2014/main" id="{C74925C3-53D5-2FFF-F068-0B59A5ABB2D0}"/>
-              </a:ext>
-            </a:extLst>
-          </p:cNvPr>
-          <p:cNvCxnSpPr>
-            <a:cxnSpLocks/>
-          </p:cNvCxnSpPr>
-          <p:nvPr/>
-        </p:nvCxnSpPr>
-        <p:spPr>
-          <a:xfrm>
-            <a:off x="3994713" y="2396853"/>
-            <a:ext cx="0" cy="3095396"/>
-          </a:xfrm>
-          <a:prstGeom prst="straightConnector1">
-            <a:avLst/>
-          </a:prstGeom>
-          <a:ln>
-            <a:solidFill>
-              <a:schemeClr val="tx1"/>
-            </a:solidFill>
-            <a:tailEnd type="triangle"/>
-          </a:ln>
-        </p:spPr>
-        <p:style>
-          <a:lnRef idx="2">
-            <a:schemeClr val="accent1"/>
-          </a:lnRef>
-          <a:fillRef idx="0">
-            <a:schemeClr val="accent1"/>
-          </a:fillRef>
-          <a:effectRef idx="1">
-            <a:schemeClr val="accent1"/>
-          </a:effectRef>
-          <a:fontRef idx="minor">
-            <a:schemeClr val="tx1"/>
-          </a:fontRef>
-        </p:style>
-      </p:cxnSp>
-      <p:cxnSp>
-        <p:nvCxnSpPr>
-          <p:cNvPr id="56" name="Straight Arrow Connector 55">
-            <a:extLst>
-              <a:ext uri="{FF2B5EF4-FFF2-40B4-BE49-F238E27FC236}">
-                <a16:creationId xmlns:a16="http://schemas.microsoft.com/office/drawing/2014/main" id="{F48198CD-360B-CAE6-B0F8-E8CED8C45891}"/>
-              </a:ext>
-            </a:extLst>
-          </p:cNvPr>
-          <p:cNvCxnSpPr>
-            <a:cxnSpLocks/>
-            <a:endCxn id="4" idx="3"/>
-          </p:cNvCxnSpPr>
-          <p:nvPr/>
-        </p:nvCxnSpPr>
-        <p:spPr>
-          <a:xfrm flipH="1">
-            <a:off x="3664429" y="1269936"/>
-            <a:ext cx="3263305" cy="0"/>
-          </a:xfrm>
-          <a:prstGeom prst="straightConnector1">
-            <a:avLst/>
-          </a:prstGeom>
-          <a:ln>
-            <a:solidFill>
-              <a:schemeClr val="tx1"/>
-            </a:solidFill>
-            <a:tailEnd type="triangle"/>
-          </a:ln>
-        </p:spPr>
-        <p:style>
-          <a:lnRef idx="2">
-            <a:schemeClr val="accent1"/>
-          </a:lnRef>
-          <a:fillRef idx="0">
-            <a:schemeClr val="accent1"/>
-          </a:fillRef>
-          <a:effectRef idx="1">
-            <a:schemeClr val="accent1"/>
-          </a:effectRef>
-          <a:fontRef idx="minor">
-            <a:schemeClr val="tx1"/>
-          </a:fontRef>
-        </p:style>
-      </p:cxnSp>
-      <p:cxnSp>
-        <p:nvCxnSpPr>
-          <p:cNvPr id="65" name="Straight Arrow Connector 64">
-            <a:extLst>
-              <a:ext uri="{FF2B5EF4-FFF2-40B4-BE49-F238E27FC236}">
-                <a16:creationId xmlns:a16="http://schemas.microsoft.com/office/drawing/2014/main" id="{EEFDD864-0A65-E137-5C64-7C337BEB7C49}"/>
-              </a:ext>
-            </a:extLst>
-          </p:cNvPr>
-          <p:cNvCxnSpPr>
-            <a:cxnSpLocks/>
-          </p:cNvCxnSpPr>
-          <p:nvPr/>
-        </p:nvCxnSpPr>
-        <p:spPr>
-          <a:xfrm flipH="1">
-            <a:off x="3685149" y="5460340"/>
-            <a:ext cx="309564" cy="0"/>
-          </a:xfrm>
-          <a:prstGeom prst="straightConnector1">
-            <a:avLst/>
-          </a:prstGeom>
-          <a:ln>
-            <a:solidFill>
-              <a:schemeClr val="tx1"/>
-            </a:solidFill>
-            <a:tailEnd type="triangle"/>
-          </a:ln>
-        </p:spPr>
-        <p:style>
-          <a:lnRef idx="2">
-            <a:schemeClr val="accent1"/>
-          </a:lnRef>
-          <a:fillRef idx="0">
-            <a:schemeClr val="accent1"/>
-          </a:fillRef>
-          <a:effectRef idx="1">
-            <a:schemeClr val="accent1"/>
-          </a:effectRef>
-          <a:fontRef idx="minor">
-            <a:schemeClr val="tx1"/>
-          </a:fontRef>
-        </p:style>
-      </p:cxnSp>
-      <p:cxnSp>
-        <p:nvCxnSpPr>
-          <p:cNvPr id="68" name="Straight Arrow Connector 67">
-            <a:extLst>
-              <a:ext uri="{FF2B5EF4-FFF2-40B4-BE49-F238E27FC236}">
-                <a16:creationId xmlns:a16="http://schemas.microsoft.com/office/drawing/2014/main" id="{83CAF2EE-984A-49B7-F8FA-77BC19227720}"/>
-              </a:ext>
-            </a:extLst>
-          </p:cNvPr>
-          <p:cNvCxnSpPr>
-            <a:cxnSpLocks/>
-          </p:cNvCxnSpPr>
-          <p:nvPr/>
-        </p:nvCxnSpPr>
-        <p:spPr>
-          <a:xfrm flipH="1" flipV="1">
-            <a:off x="6927734" y="1224595"/>
-            <a:ext cx="7924" cy="752832"/>
-          </a:xfrm>
-          <a:prstGeom prst="straightConnector1">
-            <a:avLst/>
-          </a:prstGeom>
-          <a:ln>
-            <a:solidFill>
-              <a:schemeClr val="tx1"/>
-            </a:solidFill>
-            <a:tailEnd type="triangle"/>
-          </a:ln>
-        </p:spPr>
-        <p:style>
-          <a:lnRef idx="2">
-            <a:schemeClr val="accent1"/>
-          </a:lnRef>
-          <a:fillRef idx="0">
-            <a:schemeClr val="accent1"/>
-          </a:fillRef>
-          <a:effectRef idx="1">
-            <a:schemeClr val="accent1"/>
-          </a:effectRef>
-          <a:fontRef idx="minor">
-            <a:schemeClr val="tx1"/>
-          </a:fontRef>
-        </p:style>
-      </p:cxnSp>
-      <p:sp>
-        <p:nvSpPr>
-          <p:cNvPr id="2" name="TextBox 1">
-            <a:extLst>
-              <a:ext uri="{FF2B5EF4-FFF2-40B4-BE49-F238E27FC236}">
-                <a16:creationId xmlns:a16="http://schemas.microsoft.com/office/drawing/2014/main" id="{301502B0-EF90-1A63-63DD-6E206B29CF3A}"/>
-              </a:ext>
-            </a:extLst>
-          </p:cNvPr>
-          <p:cNvSpPr txBox="1"/>
-          <p:nvPr/>
-        </p:nvSpPr>
-        <p:spPr>
-          <a:xfrm>
-            <a:off x="4148201" y="2057276"/>
-            <a:ext cx="435478" cy="253916"/>
-          </a:xfrm>
-          <a:prstGeom prst="rect">
-            <a:avLst/>
-          </a:prstGeom>
-          <a:noFill/>
-        </p:spPr>
-        <p:txBody>
-          <a:bodyPr wrap="square" rtlCol="0">
-            <a:spAutoFit/>
-          </a:bodyPr>
-          <a:lstStyle/>
-          <a:p>
-            <a:r>
-              <a:rPr lang="en-US" sz="1050" dirty="0"/>
-              <a:t>k9</a:t>
-            </a:r>
-          </a:p>
-        </p:txBody>
-      </p:sp>
-      <p:cxnSp>
-        <p:nvCxnSpPr>
-          <p:cNvPr id="22" name="Straight Arrow Connector 21">
-            <a:extLst>
-              <a:ext uri="{FF2B5EF4-FFF2-40B4-BE49-F238E27FC236}">
-                <a16:creationId xmlns:a16="http://schemas.microsoft.com/office/drawing/2014/main" id="{6BCA6FFF-310E-F4E0-9F66-79AFF92A9CA3}"/>
-              </a:ext>
-            </a:extLst>
-          </p:cNvPr>
-          <p:cNvCxnSpPr>
-            <a:cxnSpLocks/>
-          </p:cNvCxnSpPr>
-          <p:nvPr/>
-        </p:nvCxnSpPr>
-        <p:spPr>
-          <a:xfrm flipH="1">
-            <a:off x="3664426" y="2632355"/>
-            <a:ext cx="613411" cy="0"/>
-          </a:xfrm>
-          <a:prstGeom prst="straightConnector1">
-            <a:avLst/>
-          </a:prstGeom>
-          <a:ln>
-            <a:solidFill>
-              <a:schemeClr val="tx1"/>
-            </a:solidFill>
-            <a:tailEnd type="triangle"/>
-          </a:ln>
-        </p:spPr>
-        <p:style>
-          <a:lnRef idx="2">
-            <a:schemeClr val="accent1"/>
-          </a:lnRef>
-          <a:fillRef idx="0">
-            <a:schemeClr val="accent1"/>
-          </a:fillRef>
-          <a:effectRef idx="1">
-            <a:schemeClr val="accent1"/>
-          </a:effectRef>
-          <a:fontRef idx="minor">
-            <a:schemeClr val="tx1"/>
-          </a:fontRef>
-        </p:style>
-      </p:cxnSp>
-      <p:cxnSp>
-        <p:nvCxnSpPr>
-          <p:cNvPr id="24" name="Straight Arrow Connector 23">
-            <a:extLst>
-              <a:ext uri="{FF2B5EF4-FFF2-40B4-BE49-F238E27FC236}">
-                <a16:creationId xmlns:a16="http://schemas.microsoft.com/office/drawing/2014/main" id="{D4AB0FE9-BBD9-21AA-0457-CA4CE2877F86}"/>
-              </a:ext>
-            </a:extLst>
-          </p:cNvPr>
-          <p:cNvCxnSpPr>
-            <a:cxnSpLocks/>
-          </p:cNvCxnSpPr>
-          <p:nvPr/>
-        </p:nvCxnSpPr>
-        <p:spPr>
-          <a:xfrm>
-            <a:off x="4289909" y="2386866"/>
-            <a:ext cx="0" cy="253015"/>
-          </a:xfrm>
-          <a:prstGeom prst="straightConnector1">
-            <a:avLst/>
-          </a:prstGeom>
-          <a:ln>
-            <a:solidFill>
-              <a:schemeClr val="tx1"/>
-            </a:solidFill>
-            <a:tailEnd type="triangle"/>
-          </a:ln>
-        </p:spPr>
-        <p:style>
-          <a:lnRef idx="2">
-            <a:schemeClr val="accent1"/>
-          </a:lnRef>
-          <a:fillRef idx="0">
-            <a:schemeClr val="accent1"/>
-          </a:fillRef>
-          <a:effectRef idx="1">
-            <a:schemeClr val="accent1"/>
-          </a:effectRef>
-          <a:fontRef idx="minor">
-            <a:schemeClr val="tx1"/>
-          </a:fontRef>
-        </p:style>
-      </p:cxnSp>
       <p:cxnSp>
         <p:nvCxnSpPr>
           <p:cNvPr id="23" name="Straight Arrow Connector 22">
@@ -10716,7 +9301,7 @@
         <p:spPr>
           <a:xfrm>
             <a:off x="1497770" y="291821"/>
-            <a:ext cx="655179" cy="369332"/>
+            <a:ext cx="867545" cy="369332"/>
           </a:xfrm>
           <a:prstGeom prst="rect">
             <a:avLst/>
@@ -10731,7 +9316,7 @@
           <a:p>
             <a:r>
               <a:rPr lang="en-US" dirty="0"/>
-              <a:t>valid</a:t>
+              <a:t>enable</a:t>
             </a:r>
           </a:p>
         </p:txBody>
@@ -11026,6 +9611,539 @@
           </a:fontRef>
         </p:style>
       </p:cxnSp>
+      <p:sp>
+        <p:nvSpPr>
+          <p:cNvPr id="39" name="TextBox 38">
+            <a:extLst>
+              <a:ext uri="{FF2B5EF4-FFF2-40B4-BE49-F238E27FC236}">
+                <a16:creationId xmlns:a16="http://schemas.microsoft.com/office/drawing/2014/main" id="{F7DD2ADB-9514-0CF1-9379-E2C1C09872A8}"/>
+              </a:ext>
+            </a:extLst>
+          </p:cNvPr>
+          <p:cNvSpPr txBox="1"/>
+          <p:nvPr/>
+        </p:nvSpPr>
+        <p:spPr>
+          <a:xfrm>
+            <a:off x="5425828" y="1147024"/>
+            <a:ext cx="570988" cy="253916"/>
+          </a:xfrm>
+          <a:prstGeom prst="rect">
+            <a:avLst/>
+          </a:prstGeom>
+          <a:noFill/>
+        </p:spPr>
+        <p:txBody>
+          <a:bodyPr wrap="square" rtlCol="0">
+            <a:spAutoFit/>
+          </a:bodyPr>
+          <a:lstStyle/>
+          <a:p>
+            <a:r>
+              <a:rPr lang="en-US" sz="1050" dirty="0"/>
+              <a:t>Key 10</a:t>
+            </a:r>
+          </a:p>
+        </p:txBody>
+      </p:sp>
+      <p:cxnSp>
+        <p:nvCxnSpPr>
+          <p:cNvPr id="40" name="Straight Arrow Connector 39">
+            <a:extLst>
+              <a:ext uri="{FF2B5EF4-FFF2-40B4-BE49-F238E27FC236}">
+                <a16:creationId xmlns:a16="http://schemas.microsoft.com/office/drawing/2014/main" id="{45FA28B1-C4F6-2628-0831-0A7A7ACB6F2A}"/>
+              </a:ext>
+            </a:extLst>
+          </p:cNvPr>
+          <p:cNvCxnSpPr>
+            <a:cxnSpLocks/>
+            <a:stCxn id="55" idx="1"/>
+          </p:cNvCxnSpPr>
+          <p:nvPr/>
+        </p:nvCxnSpPr>
+        <p:spPr>
+          <a:xfrm flipH="1">
+            <a:off x="3664429" y="1269935"/>
+            <a:ext cx="951546" cy="1"/>
+          </a:xfrm>
+          <a:prstGeom prst="straightConnector1">
+            <a:avLst/>
+          </a:prstGeom>
+          <a:ln>
+            <a:solidFill>
+              <a:schemeClr val="tx1"/>
+            </a:solidFill>
+            <a:tailEnd type="triangle"/>
+          </a:ln>
+        </p:spPr>
+        <p:style>
+          <a:lnRef idx="2">
+            <a:schemeClr val="accent1"/>
+          </a:lnRef>
+          <a:fillRef idx="0">
+            <a:schemeClr val="accent1"/>
+          </a:fillRef>
+          <a:effectRef idx="1">
+            <a:schemeClr val="accent1"/>
+          </a:effectRef>
+          <a:fontRef idx="minor">
+            <a:schemeClr val="tx1"/>
+          </a:fontRef>
+        </p:style>
+      </p:cxnSp>
+      <p:cxnSp>
+        <p:nvCxnSpPr>
+          <p:cNvPr id="53" name="Straight Arrow Connector 52">
+            <a:extLst>
+              <a:ext uri="{FF2B5EF4-FFF2-40B4-BE49-F238E27FC236}">
+                <a16:creationId xmlns:a16="http://schemas.microsoft.com/office/drawing/2014/main" id="{7AAB16DA-2813-31A6-1702-86889DE8564B}"/>
+              </a:ext>
+            </a:extLst>
+          </p:cNvPr>
+          <p:cNvCxnSpPr>
+            <a:cxnSpLocks/>
+            <a:stCxn id="59" idx="1"/>
+          </p:cNvCxnSpPr>
+          <p:nvPr/>
+        </p:nvCxnSpPr>
+        <p:spPr>
+          <a:xfrm flipH="1">
+            <a:off x="3664429" y="2569399"/>
+            <a:ext cx="966256" cy="9272"/>
+          </a:xfrm>
+          <a:prstGeom prst="straightConnector1">
+            <a:avLst/>
+          </a:prstGeom>
+          <a:ln>
+            <a:solidFill>
+              <a:schemeClr val="tx1"/>
+            </a:solidFill>
+            <a:tailEnd type="triangle"/>
+          </a:ln>
+        </p:spPr>
+        <p:style>
+          <a:lnRef idx="2">
+            <a:schemeClr val="accent1"/>
+          </a:lnRef>
+          <a:fillRef idx="0">
+            <a:schemeClr val="accent1"/>
+          </a:fillRef>
+          <a:effectRef idx="1">
+            <a:schemeClr val="accent1"/>
+          </a:effectRef>
+          <a:fontRef idx="minor">
+            <a:schemeClr val="tx1"/>
+          </a:fontRef>
+        </p:style>
+      </p:cxnSp>
+      <p:cxnSp>
+        <p:nvCxnSpPr>
+          <p:cNvPr id="54" name="Straight Arrow Connector 53">
+            <a:extLst>
+              <a:ext uri="{FF2B5EF4-FFF2-40B4-BE49-F238E27FC236}">
+                <a16:creationId xmlns:a16="http://schemas.microsoft.com/office/drawing/2014/main" id="{7D6DA6F0-43CA-41B2-9DDC-ED849FE911DE}"/>
+              </a:ext>
+            </a:extLst>
+          </p:cNvPr>
+          <p:cNvCxnSpPr>
+            <a:cxnSpLocks/>
+            <a:stCxn id="61" idx="1"/>
+          </p:cNvCxnSpPr>
+          <p:nvPr/>
+        </p:nvCxnSpPr>
+        <p:spPr>
+          <a:xfrm flipH="1">
+            <a:off x="3664429" y="5451442"/>
+            <a:ext cx="951546" cy="8899"/>
+          </a:xfrm>
+          <a:prstGeom prst="straightConnector1">
+            <a:avLst/>
+          </a:prstGeom>
+          <a:ln>
+            <a:solidFill>
+              <a:schemeClr val="tx1"/>
+            </a:solidFill>
+            <a:tailEnd type="triangle"/>
+          </a:ln>
+        </p:spPr>
+        <p:style>
+          <a:lnRef idx="2">
+            <a:schemeClr val="accent1"/>
+          </a:lnRef>
+          <a:fillRef idx="0">
+            <a:schemeClr val="accent1"/>
+          </a:fillRef>
+          <a:effectRef idx="1">
+            <a:schemeClr val="accent1"/>
+          </a:effectRef>
+          <a:fontRef idx="minor">
+            <a:schemeClr val="tx1"/>
+          </a:fontRef>
+        </p:style>
+      </p:cxnSp>
+      <p:sp>
+        <p:nvSpPr>
+          <p:cNvPr id="55" name="Rectangle 54">
+            <a:extLst>
+              <a:ext uri="{FF2B5EF4-FFF2-40B4-BE49-F238E27FC236}">
+                <a16:creationId xmlns:a16="http://schemas.microsoft.com/office/drawing/2014/main" id="{B25CE197-F932-82A2-11A3-96064A056D87}"/>
+              </a:ext>
+            </a:extLst>
+          </p:cNvPr>
+          <p:cNvSpPr/>
+          <p:nvPr/>
+        </p:nvSpPr>
+        <p:spPr>
+          <a:xfrm>
+            <a:off x="4615975" y="1055622"/>
+            <a:ext cx="2068830" cy="428625"/>
+          </a:xfrm>
+          <a:prstGeom prst="rect">
+            <a:avLst/>
+          </a:prstGeom>
+          <a:noFill/>
+          <a:ln w="38100">
+            <a:solidFill>
+              <a:schemeClr val="tx1"/>
+            </a:solidFill>
+          </a:ln>
+        </p:spPr>
+        <p:style>
+          <a:lnRef idx="2">
+            <a:schemeClr val="accent1">
+              <a:shade val="15000"/>
+            </a:schemeClr>
+          </a:lnRef>
+          <a:fillRef idx="1">
+            <a:schemeClr val="accent1"/>
+          </a:fillRef>
+          <a:effectRef idx="0">
+            <a:schemeClr val="accent1"/>
+          </a:effectRef>
+          <a:fontRef idx="minor">
+            <a:schemeClr val="lt1"/>
+          </a:fontRef>
+        </p:style>
+        <p:txBody>
+          <a:bodyPr rtlCol="0" anchor="ctr"/>
+          <a:lstStyle/>
+          <a:p>
+            <a:pPr algn="ctr"/>
+            <a:endParaRPr lang="en-US"/>
+          </a:p>
+        </p:txBody>
+      </p:sp>
+      <p:cxnSp>
+        <p:nvCxnSpPr>
+          <p:cNvPr id="57" name="Straight Arrow Connector 36">
+            <a:extLst>
+              <a:ext uri="{FF2B5EF4-FFF2-40B4-BE49-F238E27FC236}">
+                <a16:creationId xmlns:a16="http://schemas.microsoft.com/office/drawing/2014/main" id="{4882AB85-7762-A086-504C-475B68A33FA3}"/>
+              </a:ext>
+            </a:extLst>
+          </p:cNvPr>
+          <p:cNvCxnSpPr>
+            <a:cxnSpLocks/>
+            <a:endCxn id="55" idx="3"/>
+          </p:cNvCxnSpPr>
+          <p:nvPr/>
+        </p:nvCxnSpPr>
+        <p:spPr>
+          <a:xfrm rot="16200000" flipV="1">
+            <a:off x="6492321" y="1462420"/>
+            <a:ext cx="878205" cy="493235"/>
+          </a:xfrm>
+          <a:prstGeom prst="bentConnector2">
+            <a:avLst/>
+          </a:prstGeom>
+          <a:ln>
+            <a:solidFill>
+              <a:schemeClr val="tx1"/>
+            </a:solidFill>
+            <a:tailEnd type="triangle"/>
+          </a:ln>
+        </p:spPr>
+        <p:style>
+          <a:lnRef idx="2">
+            <a:schemeClr val="accent1"/>
+          </a:lnRef>
+          <a:fillRef idx="0">
+            <a:schemeClr val="accent1"/>
+          </a:fillRef>
+          <a:effectRef idx="1">
+            <a:schemeClr val="accent1"/>
+          </a:effectRef>
+          <a:fontRef idx="minor">
+            <a:schemeClr val="tx1"/>
+          </a:fontRef>
+        </p:style>
+      </p:cxnSp>
+      <p:sp>
+        <p:nvSpPr>
+          <p:cNvPr id="58" name="TextBox 57">
+            <a:extLst>
+              <a:ext uri="{FF2B5EF4-FFF2-40B4-BE49-F238E27FC236}">
+                <a16:creationId xmlns:a16="http://schemas.microsoft.com/office/drawing/2014/main" id="{80435DB6-4E6E-B5BE-BEEF-47A10F4B57ED}"/>
+              </a:ext>
+            </a:extLst>
+          </p:cNvPr>
+          <p:cNvSpPr txBox="1"/>
+          <p:nvPr/>
+        </p:nvSpPr>
+        <p:spPr>
+          <a:xfrm>
+            <a:off x="5434713" y="2451713"/>
+            <a:ext cx="504053" cy="253916"/>
+          </a:xfrm>
+          <a:prstGeom prst="rect">
+            <a:avLst/>
+          </a:prstGeom>
+          <a:noFill/>
+        </p:spPr>
+        <p:txBody>
+          <a:bodyPr wrap="square" rtlCol="0">
+            <a:spAutoFit/>
+          </a:bodyPr>
+          <a:lstStyle/>
+          <a:p>
+            <a:r>
+              <a:rPr lang="en-US" sz="1050" dirty="0"/>
+              <a:t>Key 9</a:t>
+            </a:r>
+          </a:p>
+        </p:txBody>
+      </p:sp>
+      <p:sp>
+        <p:nvSpPr>
+          <p:cNvPr id="59" name="Rectangle 58">
+            <a:extLst>
+              <a:ext uri="{FF2B5EF4-FFF2-40B4-BE49-F238E27FC236}">
+                <a16:creationId xmlns:a16="http://schemas.microsoft.com/office/drawing/2014/main" id="{A1C97E15-2751-8BCF-5BA3-794C47D3CD4E}"/>
+              </a:ext>
+            </a:extLst>
+          </p:cNvPr>
+          <p:cNvSpPr/>
+          <p:nvPr/>
+        </p:nvSpPr>
+        <p:spPr>
+          <a:xfrm>
+            <a:off x="4630685" y="2355086"/>
+            <a:ext cx="2068830" cy="428625"/>
+          </a:xfrm>
+          <a:prstGeom prst="rect">
+            <a:avLst/>
+          </a:prstGeom>
+          <a:noFill/>
+          <a:ln w="38100">
+            <a:solidFill>
+              <a:schemeClr val="tx1"/>
+            </a:solidFill>
+          </a:ln>
+        </p:spPr>
+        <p:style>
+          <a:lnRef idx="2">
+            <a:schemeClr val="accent1">
+              <a:shade val="15000"/>
+            </a:schemeClr>
+          </a:lnRef>
+          <a:fillRef idx="1">
+            <a:schemeClr val="accent1"/>
+          </a:fillRef>
+          <a:effectRef idx="0">
+            <a:schemeClr val="accent1"/>
+          </a:effectRef>
+          <a:fontRef idx="minor">
+            <a:schemeClr val="lt1"/>
+          </a:fontRef>
+        </p:style>
+        <p:txBody>
+          <a:bodyPr rtlCol="0" anchor="ctr"/>
+          <a:lstStyle/>
+          <a:p>
+            <a:pPr algn="ctr"/>
+            <a:endParaRPr lang="en-US"/>
+          </a:p>
+        </p:txBody>
+      </p:sp>
+      <p:cxnSp>
+        <p:nvCxnSpPr>
+          <p:cNvPr id="60" name="Straight Arrow Connector 36">
+            <a:extLst>
+              <a:ext uri="{FF2B5EF4-FFF2-40B4-BE49-F238E27FC236}">
+                <a16:creationId xmlns:a16="http://schemas.microsoft.com/office/drawing/2014/main" id="{B79947A2-A729-2C3E-913A-8DC2A9A3E03C}"/>
+              </a:ext>
+            </a:extLst>
+          </p:cNvPr>
+          <p:cNvCxnSpPr>
+            <a:cxnSpLocks/>
+            <a:endCxn id="59" idx="3"/>
+          </p:cNvCxnSpPr>
+          <p:nvPr/>
+        </p:nvCxnSpPr>
+        <p:spPr>
+          <a:xfrm rot="10800000" flipV="1">
+            <a:off x="6699516" y="2148139"/>
+            <a:ext cx="478525" cy="421259"/>
+          </a:xfrm>
+          <a:prstGeom prst="bentConnector3">
+            <a:avLst>
+              <a:gd name="adj1" fmla="val 50000"/>
+            </a:avLst>
+          </a:prstGeom>
+          <a:ln>
+            <a:solidFill>
+              <a:schemeClr val="tx1"/>
+            </a:solidFill>
+            <a:tailEnd type="triangle"/>
+          </a:ln>
+        </p:spPr>
+        <p:style>
+          <a:lnRef idx="2">
+            <a:schemeClr val="accent1"/>
+          </a:lnRef>
+          <a:fillRef idx="0">
+            <a:schemeClr val="accent1"/>
+          </a:fillRef>
+          <a:effectRef idx="1">
+            <a:schemeClr val="accent1"/>
+          </a:effectRef>
+          <a:fontRef idx="minor">
+            <a:schemeClr val="tx1"/>
+          </a:fontRef>
+        </p:style>
+      </p:cxnSp>
+      <p:sp>
+        <p:nvSpPr>
+          <p:cNvPr id="61" name="Rectangle 60">
+            <a:extLst>
+              <a:ext uri="{FF2B5EF4-FFF2-40B4-BE49-F238E27FC236}">
+                <a16:creationId xmlns:a16="http://schemas.microsoft.com/office/drawing/2014/main" id="{28CAD41E-0833-75CE-2CF4-98FF7A1CFC62}"/>
+              </a:ext>
+            </a:extLst>
+          </p:cNvPr>
+          <p:cNvSpPr/>
+          <p:nvPr/>
+        </p:nvSpPr>
+        <p:spPr>
+          <a:xfrm>
+            <a:off x="4615975" y="5237129"/>
+            <a:ext cx="2068830" cy="428625"/>
+          </a:xfrm>
+          <a:prstGeom prst="rect">
+            <a:avLst/>
+          </a:prstGeom>
+          <a:noFill/>
+          <a:ln w="38100">
+            <a:solidFill>
+              <a:schemeClr val="tx1"/>
+            </a:solidFill>
+          </a:ln>
+        </p:spPr>
+        <p:style>
+          <a:lnRef idx="2">
+            <a:schemeClr val="accent1">
+              <a:shade val="15000"/>
+            </a:schemeClr>
+          </a:lnRef>
+          <a:fillRef idx="1">
+            <a:schemeClr val="accent1"/>
+          </a:fillRef>
+          <a:effectRef idx="0">
+            <a:schemeClr val="accent1"/>
+          </a:effectRef>
+          <a:fontRef idx="minor">
+            <a:schemeClr val="lt1"/>
+          </a:fontRef>
+        </p:style>
+        <p:txBody>
+          <a:bodyPr rtlCol="0" anchor="ctr"/>
+          <a:lstStyle/>
+          <a:p>
+            <a:pPr algn="ctr"/>
+            <a:endParaRPr lang="en-US"/>
+          </a:p>
+        </p:txBody>
+      </p:sp>
+      <p:cxnSp>
+        <p:nvCxnSpPr>
+          <p:cNvPr id="62" name="Straight Arrow Connector 36">
+            <a:extLst>
+              <a:ext uri="{FF2B5EF4-FFF2-40B4-BE49-F238E27FC236}">
+                <a16:creationId xmlns:a16="http://schemas.microsoft.com/office/drawing/2014/main" id="{CE0736CE-57CC-C7C0-AF2F-75BB2CC72C1E}"/>
+              </a:ext>
+            </a:extLst>
+          </p:cNvPr>
+          <p:cNvCxnSpPr>
+            <a:cxnSpLocks/>
+            <a:endCxn id="61" idx="3"/>
+          </p:cNvCxnSpPr>
+          <p:nvPr/>
+        </p:nvCxnSpPr>
+        <p:spPr>
+          <a:xfrm rot="5400000">
+            <a:off x="5285781" y="3559182"/>
+            <a:ext cx="3291285" cy="493235"/>
+          </a:xfrm>
+          <a:prstGeom prst="bentConnector2">
+            <a:avLst/>
+          </a:prstGeom>
+          <a:ln>
+            <a:solidFill>
+              <a:schemeClr val="tx1"/>
+            </a:solidFill>
+            <a:tailEnd type="triangle"/>
+          </a:ln>
+        </p:spPr>
+        <p:style>
+          <a:lnRef idx="2">
+            <a:schemeClr val="accent1"/>
+          </a:lnRef>
+          <a:fillRef idx="0">
+            <a:schemeClr val="accent1"/>
+          </a:fillRef>
+          <a:effectRef idx="1">
+            <a:schemeClr val="accent1"/>
+          </a:effectRef>
+          <a:fontRef idx="minor">
+            <a:schemeClr val="tx1"/>
+          </a:fontRef>
+        </p:style>
+      </p:cxnSp>
+      <p:sp>
+        <p:nvSpPr>
+          <p:cNvPr id="63" name="TextBox 62">
+            <a:extLst>
+              <a:ext uri="{FF2B5EF4-FFF2-40B4-BE49-F238E27FC236}">
+                <a16:creationId xmlns:a16="http://schemas.microsoft.com/office/drawing/2014/main" id="{9F68F48C-783B-C40A-7B38-401541608A1C}"/>
+              </a:ext>
+            </a:extLst>
+          </p:cNvPr>
+          <p:cNvSpPr txBox="1"/>
+          <p:nvPr/>
+        </p:nvSpPr>
+        <p:spPr>
+          <a:xfrm>
+            <a:off x="5425827" y="5328145"/>
+            <a:ext cx="570989" cy="253916"/>
+          </a:xfrm>
+          <a:prstGeom prst="rect">
+            <a:avLst/>
+          </a:prstGeom>
+          <a:noFill/>
+        </p:spPr>
+        <p:txBody>
+          <a:bodyPr wrap="square" rtlCol="0">
+            <a:spAutoFit/>
+          </a:bodyPr>
+          <a:lstStyle/>
+          <a:p>
+            <a:r>
+              <a:rPr lang="en-US" sz="1050" dirty="0"/>
+              <a:t>Key 0</a:t>
+            </a:r>
+          </a:p>
+        </p:txBody>
+      </p:sp>
     </p:spTree>
     <p:extLst>
       <p:ext uri="{BB962C8B-B14F-4D97-AF65-F5344CB8AC3E}">
@@ -11036,13 +10154,13 @@
   <p:clrMapOvr>
     <a:masterClrMapping/>
   </p:clrMapOvr>
-  <mc:AlternateContent xmlns:mc="http://schemas.openxmlformats.org/markup-compatibility/2006">
-    <mc:Choice xmlns:p159="http://schemas.microsoft.com/office/powerpoint/2015/09/main" Requires="p159">
+  <mc:AlternateContent xmlns:mc="http://schemas.openxmlformats.org/markup-compatibility/2006" xmlns:p159="http://schemas.microsoft.com/office/powerpoint/2015/09/main">
+    <mc:Choice Requires="p159">
       <p:transition xmlns:p14="http://schemas.microsoft.com/office/powerpoint/2010/main" spd="slow" p14:dur="2000">
         <p159:morph option="byObject"/>
       </p:transition>
     </mc:Choice>
-    <mc:Fallback>
+    <mc:Fallback xmlns="">
       <p:transition spd="slow">
         <p:fade/>
       </p:transition>
@@ -14816,7 +13934,7 @@
         <p:spPr>
           <a:xfrm>
             <a:off x="457052" y="1119351"/>
-            <a:ext cx="4416841" cy="1323439"/>
+            <a:ext cx="4416841" cy="1015663"/>
           </a:xfrm>
           <a:prstGeom prst="rect">
             <a:avLst/>
@@ -14831,7 +13949,7 @@
           <a:p>
             <a:r>
               <a:rPr lang="en-US" sz="2000" dirty="0"/>
-              <a:t>One comb. Block with FSM to calculate the next key and put it in the MSB 128-bit in the 1408-bit shift register.</a:t>
+              <a:t>One comb. Block with FSM to calculate the next key and put it in the round key register.</a:t>
             </a:r>
           </a:p>
         </p:txBody>
@@ -14851,7 +13969,7 @@
         <p:spPr>
           <a:xfrm>
             <a:off x="462704" y="2566526"/>
-            <a:ext cx="4263503" cy="1631216"/>
+            <a:ext cx="4263503" cy="1015663"/>
           </a:xfrm>
           <a:prstGeom prst="rect">
             <a:avLst/>
@@ -14866,7 +13984,7 @@
           <a:p>
             <a:r>
               <a:rPr lang="en-US" sz="2000" dirty="0"/>
-              <a:t>Then the stored key is used to calculate the next key and then the register is shifted 128 bit to the right to put the calculated key in the right place.</a:t>
+              <a:t>Then the previous key is used to calculate the next key and store it in the register.</a:t>
             </a:r>
           </a:p>
         </p:txBody>
@@ -14886,7 +14004,7 @@
         <p:spPr>
           <a:xfrm>
             <a:off x="457052" y="4321479"/>
-            <a:ext cx="3863487" cy="1631216"/>
+            <a:ext cx="3863487" cy="1323439"/>
           </a:xfrm>
           <a:prstGeom prst="rect">
             <a:avLst/>
@@ -14901,7 +14019,7 @@
           <a:p>
             <a:r>
               <a:rPr lang="en-US" sz="2000" dirty="0"/>
-              <a:t>An enable signal is provided from the FSM for 11 cycles to calculate all the keys and then every key is assigned to its correct place in the register</a:t>
+              <a:t>An enable signal is provided from the FSM for 11 cycles to calculate all the keys and then every key is assigned to its correct register.</a:t>
             </a:r>
           </a:p>
         </p:txBody>
@@ -18461,14 +17579,13 @@
           </p:cNvPr>
           <p:cNvCxnSpPr>
             <a:cxnSpLocks/>
-            <a:stCxn id="24" idx="3"/>
           </p:cNvCxnSpPr>
           <p:nvPr/>
         </p:nvCxnSpPr>
         <p:spPr>
           <a:xfrm>
-            <a:off x="4873893" y="1781071"/>
-            <a:ext cx="2289892" cy="1000"/>
+            <a:off x="5106390" y="1889820"/>
+            <a:ext cx="2236300" cy="0"/>
           </a:xfrm>
           <a:prstGeom prst="straightConnector1">
             <a:avLst/>
@@ -18478,919 +17595,6 @@
               <a:schemeClr val="tx1"/>
             </a:solidFill>
             <a:tailEnd type="triangle"/>
-          </a:ln>
-        </p:spPr>
-        <p:style>
-          <a:lnRef idx="2">
-            <a:schemeClr val="accent1"/>
-          </a:lnRef>
-          <a:fillRef idx="0">
-            <a:schemeClr val="accent1"/>
-          </a:fillRef>
-          <a:effectRef idx="1">
-            <a:schemeClr val="accent1"/>
-          </a:effectRef>
-          <a:fontRef idx="minor">
-            <a:schemeClr val="tx1"/>
-          </a:fontRef>
-        </p:style>
-      </p:cxnSp>
-      <p:sp>
-        <p:nvSpPr>
-          <p:cNvPr id="158" name="Rectangle 157">
-            <a:extLst>
-              <a:ext uri="{FF2B5EF4-FFF2-40B4-BE49-F238E27FC236}">
-                <a16:creationId xmlns:a16="http://schemas.microsoft.com/office/drawing/2014/main" id="{AE1137BF-E634-B682-0CC2-F63D0262F3D3}"/>
-              </a:ext>
-            </a:extLst>
-          </p:cNvPr>
-          <p:cNvSpPr/>
-          <p:nvPr/>
-        </p:nvSpPr>
-        <p:spPr>
-          <a:xfrm>
-            <a:off x="4657638" y="3130070"/>
-            <a:ext cx="3236984" cy="428625"/>
-          </a:xfrm>
-          <a:prstGeom prst="rect">
-            <a:avLst/>
-          </a:prstGeom>
-          <a:noFill/>
-          <a:ln w="38100">
-            <a:solidFill>
-              <a:schemeClr val="tx1"/>
-            </a:solidFill>
-          </a:ln>
-        </p:spPr>
-        <p:style>
-          <a:lnRef idx="2">
-            <a:schemeClr val="accent1">
-              <a:shade val="15000"/>
-            </a:schemeClr>
-          </a:lnRef>
-          <a:fillRef idx="1">
-            <a:schemeClr val="accent1"/>
-          </a:fillRef>
-          <a:effectRef idx="0">
-            <a:schemeClr val="accent1"/>
-          </a:effectRef>
-          <a:fontRef idx="minor">
-            <a:schemeClr val="lt1"/>
-          </a:fontRef>
-        </p:style>
-        <p:txBody>
-          <a:bodyPr rtlCol="0" anchor="ctr"/>
-          <a:lstStyle/>
-          <a:p>
-            <a:pPr algn="ctr"/>
-            <a:endParaRPr lang="en-US"/>
-          </a:p>
-        </p:txBody>
-      </p:sp>
-      <p:sp>
-        <p:nvSpPr>
-          <p:cNvPr id="159" name="Rectangle 158">
-            <a:extLst>
-              <a:ext uri="{FF2B5EF4-FFF2-40B4-BE49-F238E27FC236}">
-                <a16:creationId xmlns:a16="http://schemas.microsoft.com/office/drawing/2014/main" id="{4F9AB95F-A545-39C9-6611-BE8E306A83C8}"/>
-              </a:ext>
-            </a:extLst>
-          </p:cNvPr>
-          <p:cNvSpPr/>
-          <p:nvPr/>
-        </p:nvSpPr>
-        <p:spPr>
-          <a:xfrm>
-            <a:off x="4657638" y="3130070"/>
-            <a:ext cx="293367" cy="428625"/>
-          </a:xfrm>
-          <a:prstGeom prst="rect">
-            <a:avLst/>
-          </a:prstGeom>
-          <a:noFill/>
-          <a:ln w="38100">
-            <a:solidFill>
-              <a:schemeClr val="tx1"/>
-            </a:solidFill>
-          </a:ln>
-        </p:spPr>
-        <p:style>
-          <a:lnRef idx="2">
-            <a:schemeClr val="accent1">
-              <a:shade val="15000"/>
-            </a:schemeClr>
-          </a:lnRef>
-          <a:fillRef idx="1">
-            <a:schemeClr val="accent1"/>
-          </a:fillRef>
-          <a:effectRef idx="0">
-            <a:schemeClr val="accent1"/>
-          </a:effectRef>
-          <a:fontRef idx="minor">
-            <a:schemeClr val="lt1"/>
-          </a:fontRef>
-        </p:style>
-        <p:txBody>
-          <a:bodyPr rtlCol="0" anchor="ctr"/>
-          <a:lstStyle/>
-          <a:p>
-            <a:pPr algn="ctr"/>
-            <a:endParaRPr lang="en-US"/>
-          </a:p>
-        </p:txBody>
-      </p:sp>
-      <p:sp>
-        <p:nvSpPr>
-          <p:cNvPr id="160" name="Rectangle 159">
-            <a:extLst>
-              <a:ext uri="{FF2B5EF4-FFF2-40B4-BE49-F238E27FC236}">
-                <a16:creationId xmlns:a16="http://schemas.microsoft.com/office/drawing/2014/main" id="{445130FA-A5C4-3756-9015-E6198860F9A9}"/>
-              </a:ext>
-            </a:extLst>
-          </p:cNvPr>
-          <p:cNvSpPr/>
-          <p:nvPr/>
-        </p:nvSpPr>
-        <p:spPr>
-          <a:xfrm>
-            <a:off x="4952834" y="3130068"/>
-            <a:ext cx="293367" cy="428625"/>
-          </a:xfrm>
-          <a:prstGeom prst="rect">
-            <a:avLst/>
-          </a:prstGeom>
-          <a:noFill/>
-          <a:ln w="38100">
-            <a:solidFill>
-              <a:schemeClr val="tx1"/>
-            </a:solidFill>
-          </a:ln>
-        </p:spPr>
-        <p:style>
-          <a:lnRef idx="2">
-            <a:schemeClr val="accent1">
-              <a:shade val="15000"/>
-            </a:schemeClr>
-          </a:lnRef>
-          <a:fillRef idx="1">
-            <a:schemeClr val="accent1"/>
-          </a:fillRef>
-          <a:effectRef idx="0">
-            <a:schemeClr val="accent1"/>
-          </a:effectRef>
-          <a:fontRef idx="minor">
-            <a:schemeClr val="lt1"/>
-          </a:fontRef>
-        </p:style>
-        <p:txBody>
-          <a:bodyPr rtlCol="0" anchor="ctr"/>
-          <a:lstStyle/>
-          <a:p>
-            <a:pPr algn="ctr"/>
-            <a:endParaRPr lang="en-US"/>
-          </a:p>
-        </p:txBody>
-      </p:sp>
-      <p:sp>
-        <p:nvSpPr>
-          <p:cNvPr id="161" name="Rectangle 160">
-            <a:extLst>
-              <a:ext uri="{FF2B5EF4-FFF2-40B4-BE49-F238E27FC236}">
-                <a16:creationId xmlns:a16="http://schemas.microsoft.com/office/drawing/2014/main" id="{5BD91DB6-0E51-4358-5084-32329D0A6AA6}"/>
-              </a:ext>
-            </a:extLst>
-          </p:cNvPr>
-          <p:cNvSpPr/>
-          <p:nvPr/>
-        </p:nvSpPr>
-        <p:spPr>
-          <a:xfrm>
-            <a:off x="5246604" y="3130070"/>
-            <a:ext cx="293367" cy="428625"/>
-          </a:xfrm>
-          <a:prstGeom prst="rect">
-            <a:avLst/>
-          </a:prstGeom>
-          <a:noFill/>
-          <a:ln w="38100">
-            <a:solidFill>
-              <a:schemeClr val="tx1"/>
-            </a:solidFill>
-          </a:ln>
-        </p:spPr>
-        <p:style>
-          <a:lnRef idx="2">
-            <a:schemeClr val="accent1">
-              <a:shade val="15000"/>
-            </a:schemeClr>
-          </a:lnRef>
-          <a:fillRef idx="1">
-            <a:schemeClr val="accent1"/>
-          </a:fillRef>
-          <a:effectRef idx="0">
-            <a:schemeClr val="accent1"/>
-          </a:effectRef>
-          <a:fontRef idx="minor">
-            <a:schemeClr val="lt1"/>
-          </a:fontRef>
-        </p:style>
-        <p:txBody>
-          <a:bodyPr rtlCol="0" anchor="ctr"/>
-          <a:lstStyle/>
-          <a:p>
-            <a:pPr algn="ctr"/>
-            <a:endParaRPr lang="en-US"/>
-          </a:p>
-        </p:txBody>
-      </p:sp>
-      <p:sp>
-        <p:nvSpPr>
-          <p:cNvPr id="162" name="Rectangle 161">
-            <a:extLst>
-              <a:ext uri="{FF2B5EF4-FFF2-40B4-BE49-F238E27FC236}">
-                <a16:creationId xmlns:a16="http://schemas.microsoft.com/office/drawing/2014/main" id="{A059DDB1-5AEC-3CA2-C32D-06B2B456713B}"/>
-              </a:ext>
-            </a:extLst>
-          </p:cNvPr>
-          <p:cNvSpPr/>
-          <p:nvPr/>
-        </p:nvSpPr>
-        <p:spPr>
-          <a:xfrm>
-            <a:off x="5539971" y="3130068"/>
-            <a:ext cx="293367" cy="428625"/>
-          </a:xfrm>
-          <a:prstGeom prst="rect">
-            <a:avLst/>
-          </a:prstGeom>
-          <a:noFill/>
-          <a:ln w="38100">
-            <a:solidFill>
-              <a:schemeClr val="tx1"/>
-            </a:solidFill>
-          </a:ln>
-        </p:spPr>
-        <p:style>
-          <a:lnRef idx="2">
-            <a:schemeClr val="accent1">
-              <a:shade val="15000"/>
-            </a:schemeClr>
-          </a:lnRef>
-          <a:fillRef idx="1">
-            <a:schemeClr val="accent1"/>
-          </a:fillRef>
-          <a:effectRef idx="0">
-            <a:schemeClr val="accent1"/>
-          </a:effectRef>
-          <a:fontRef idx="minor">
-            <a:schemeClr val="lt1"/>
-          </a:fontRef>
-        </p:style>
-        <p:txBody>
-          <a:bodyPr rtlCol="0" anchor="ctr"/>
-          <a:lstStyle/>
-          <a:p>
-            <a:pPr algn="ctr"/>
-            <a:endParaRPr lang="en-US"/>
-          </a:p>
-        </p:txBody>
-      </p:sp>
-      <p:sp>
-        <p:nvSpPr>
-          <p:cNvPr id="163" name="Rectangle 162">
-            <a:extLst>
-              <a:ext uri="{FF2B5EF4-FFF2-40B4-BE49-F238E27FC236}">
-                <a16:creationId xmlns:a16="http://schemas.microsoft.com/office/drawing/2014/main" id="{8ADA0707-FD65-EB70-83CE-154526F1AE43}"/>
-              </a:ext>
-            </a:extLst>
-          </p:cNvPr>
-          <p:cNvSpPr/>
-          <p:nvPr/>
-        </p:nvSpPr>
-        <p:spPr>
-          <a:xfrm>
-            <a:off x="5835168" y="3130066"/>
-            <a:ext cx="293367" cy="428625"/>
-          </a:xfrm>
-          <a:prstGeom prst="rect">
-            <a:avLst/>
-          </a:prstGeom>
-          <a:noFill/>
-          <a:ln w="38100">
-            <a:solidFill>
-              <a:schemeClr val="tx1"/>
-            </a:solidFill>
-          </a:ln>
-        </p:spPr>
-        <p:style>
-          <a:lnRef idx="2">
-            <a:schemeClr val="accent1">
-              <a:shade val="15000"/>
-            </a:schemeClr>
-          </a:lnRef>
-          <a:fillRef idx="1">
-            <a:schemeClr val="accent1"/>
-          </a:fillRef>
-          <a:effectRef idx="0">
-            <a:schemeClr val="accent1"/>
-          </a:effectRef>
-          <a:fontRef idx="minor">
-            <a:schemeClr val="lt1"/>
-          </a:fontRef>
-        </p:style>
-        <p:txBody>
-          <a:bodyPr rtlCol="0" anchor="ctr"/>
-          <a:lstStyle/>
-          <a:p>
-            <a:pPr algn="ctr"/>
-            <a:endParaRPr lang="en-US"/>
-          </a:p>
-        </p:txBody>
-      </p:sp>
-      <p:sp>
-        <p:nvSpPr>
-          <p:cNvPr id="164" name="Rectangle 163">
-            <a:extLst>
-              <a:ext uri="{FF2B5EF4-FFF2-40B4-BE49-F238E27FC236}">
-                <a16:creationId xmlns:a16="http://schemas.microsoft.com/office/drawing/2014/main" id="{0AFDBD75-E96D-362F-AFC2-37BDC43A7CAE}"/>
-              </a:ext>
-            </a:extLst>
-          </p:cNvPr>
-          <p:cNvSpPr/>
-          <p:nvPr/>
-        </p:nvSpPr>
-        <p:spPr>
-          <a:xfrm>
-            <a:off x="6128936" y="3130068"/>
-            <a:ext cx="293367" cy="428625"/>
-          </a:xfrm>
-          <a:prstGeom prst="rect">
-            <a:avLst/>
-          </a:prstGeom>
-          <a:noFill/>
-          <a:ln w="38100">
-            <a:solidFill>
-              <a:schemeClr val="tx1"/>
-            </a:solidFill>
-          </a:ln>
-        </p:spPr>
-        <p:style>
-          <a:lnRef idx="2">
-            <a:schemeClr val="accent1">
-              <a:shade val="15000"/>
-            </a:schemeClr>
-          </a:lnRef>
-          <a:fillRef idx="1">
-            <a:schemeClr val="accent1"/>
-          </a:fillRef>
-          <a:effectRef idx="0">
-            <a:schemeClr val="accent1"/>
-          </a:effectRef>
-          <a:fontRef idx="minor">
-            <a:schemeClr val="lt1"/>
-          </a:fontRef>
-        </p:style>
-        <p:txBody>
-          <a:bodyPr rtlCol="0" anchor="ctr"/>
-          <a:lstStyle/>
-          <a:p>
-            <a:pPr algn="ctr"/>
-            <a:endParaRPr lang="en-US"/>
-          </a:p>
-        </p:txBody>
-      </p:sp>
-      <p:sp>
-        <p:nvSpPr>
-          <p:cNvPr id="165" name="Rectangle 164">
-            <a:extLst>
-              <a:ext uri="{FF2B5EF4-FFF2-40B4-BE49-F238E27FC236}">
-                <a16:creationId xmlns:a16="http://schemas.microsoft.com/office/drawing/2014/main" id="{B066E0F0-B738-033E-0DF1-50D29FAD8CAE}"/>
-              </a:ext>
-            </a:extLst>
-          </p:cNvPr>
-          <p:cNvSpPr/>
-          <p:nvPr/>
-        </p:nvSpPr>
-        <p:spPr>
-          <a:xfrm>
-            <a:off x="6426742" y="3130427"/>
-            <a:ext cx="293367" cy="428625"/>
-          </a:xfrm>
-          <a:prstGeom prst="rect">
-            <a:avLst/>
-          </a:prstGeom>
-          <a:noFill/>
-          <a:ln w="38100">
-            <a:solidFill>
-              <a:schemeClr val="tx1"/>
-            </a:solidFill>
-          </a:ln>
-        </p:spPr>
-        <p:style>
-          <a:lnRef idx="2">
-            <a:schemeClr val="accent1">
-              <a:shade val="15000"/>
-            </a:schemeClr>
-          </a:lnRef>
-          <a:fillRef idx="1">
-            <a:schemeClr val="accent1"/>
-          </a:fillRef>
-          <a:effectRef idx="0">
-            <a:schemeClr val="accent1"/>
-          </a:effectRef>
-          <a:fontRef idx="minor">
-            <a:schemeClr val="lt1"/>
-          </a:fontRef>
-        </p:style>
-        <p:txBody>
-          <a:bodyPr rtlCol="0" anchor="ctr"/>
-          <a:lstStyle/>
-          <a:p>
-            <a:pPr algn="ctr"/>
-            <a:endParaRPr lang="en-US"/>
-          </a:p>
-        </p:txBody>
-      </p:sp>
-      <p:sp>
-        <p:nvSpPr>
-          <p:cNvPr id="166" name="Rectangle 165">
-            <a:extLst>
-              <a:ext uri="{FF2B5EF4-FFF2-40B4-BE49-F238E27FC236}">
-                <a16:creationId xmlns:a16="http://schemas.microsoft.com/office/drawing/2014/main" id="{BD324024-1014-01FF-FE48-8D229BDE7EAE}"/>
-              </a:ext>
-            </a:extLst>
-          </p:cNvPr>
-          <p:cNvSpPr/>
-          <p:nvPr/>
-        </p:nvSpPr>
-        <p:spPr>
-          <a:xfrm>
-            <a:off x="6718920" y="3130429"/>
-            <a:ext cx="293367" cy="428625"/>
-          </a:xfrm>
-          <a:prstGeom prst="rect">
-            <a:avLst/>
-          </a:prstGeom>
-          <a:noFill/>
-          <a:ln w="38100">
-            <a:solidFill>
-              <a:schemeClr val="tx1"/>
-            </a:solidFill>
-          </a:ln>
-        </p:spPr>
-        <p:style>
-          <a:lnRef idx="2">
-            <a:schemeClr val="accent1">
-              <a:shade val="15000"/>
-            </a:schemeClr>
-          </a:lnRef>
-          <a:fillRef idx="1">
-            <a:schemeClr val="accent1"/>
-          </a:fillRef>
-          <a:effectRef idx="0">
-            <a:schemeClr val="accent1"/>
-          </a:effectRef>
-          <a:fontRef idx="minor">
-            <a:schemeClr val="lt1"/>
-          </a:fontRef>
-        </p:style>
-        <p:txBody>
-          <a:bodyPr rtlCol="0" anchor="ctr"/>
-          <a:lstStyle/>
-          <a:p>
-            <a:pPr algn="ctr"/>
-            <a:endParaRPr lang="en-US"/>
-          </a:p>
-        </p:txBody>
-      </p:sp>
-      <p:sp>
-        <p:nvSpPr>
-          <p:cNvPr id="167" name="Rectangle 166">
-            <a:extLst>
-              <a:ext uri="{FF2B5EF4-FFF2-40B4-BE49-F238E27FC236}">
-                <a16:creationId xmlns:a16="http://schemas.microsoft.com/office/drawing/2014/main" id="{5602CDD5-0740-1D3A-05F5-3BEBC4C7D58F}"/>
-              </a:ext>
-            </a:extLst>
-          </p:cNvPr>
-          <p:cNvSpPr/>
-          <p:nvPr/>
-        </p:nvSpPr>
-        <p:spPr>
-          <a:xfrm>
-            <a:off x="7012287" y="3130427"/>
-            <a:ext cx="293367" cy="428625"/>
-          </a:xfrm>
-          <a:prstGeom prst="rect">
-            <a:avLst/>
-          </a:prstGeom>
-          <a:noFill/>
-          <a:ln w="38100">
-            <a:solidFill>
-              <a:schemeClr val="tx1"/>
-            </a:solidFill>
-          </a:ln>
-        </p:spPr>
-        <p:style>
-          <a:lnRef idx="2">
-            <a:schemeClr val="accent1">
-              <a:shade val="15000"/>
-            </a:schemeClr>
-          </a:lnRef>
-          <a:fillRef idx="1">
-            <a:schemeClr val="accent1"/>
-          </a:fillRef>
-          <a:effectRef idx="0">
-            <a:schemeClr val="accent1"/>
-          </a:effectRef>
-          <a:fontRef idx="minor">
-            <a:schemeClr val="lt1"/>
-          </a:fontRef>
-        </p:style>
-        <p:txBody>
-          <a:bodyPr rtlCol="0" anchor="ctr"/>
-          <a:lstStyle/>
-          <a:p>
-            <a:pPr algn="ctr"/>
-            <a:endParaRPr lang="en-US"/>
-          </a:p>
-        </p:txBody>
-      </p:sp>
-      <p:sp>
-        <p:nvSpPr>
-          <p:cNvPr id="168" name="Rectangle 167">
-            <a:extLst>
-              <a:ext uri="{FF2B5EF4-FFF2-40B4-BE49-F238E27FC236}">
-                <a16:creationId xmlns:a16="http://schemas.microsoft.com/office/drawing/2014/main" id="{FB41DBBC-130B-3627-7D6C-0A46B3E3B62D}"/>
-              </a:ext>
-            </a:extLst>
-          </p:cNvPr>
-          <p:cNvSpPr/>
-          <p:nvPr/>
-        </p:nvSpPr>
-        <p:spPr>
-          <a:xfrm>
-            <a:off x="7305897" y="3130425"/>
-            <a:ext cx="293367" cy="428625"/>
-          </a:xfrm>
-          <a:prstGeom prst="rect">
-            <a:avLst/>
-          </a:prstGeom>
-          <a:noFill/>
-          <a:ln w="38100">
-            <a:solidFill>
-              <a:schemeClr val="tx1"/>
-            </a:solidFill>
-          </a:ln>
-        </p:spPr>
-        <p:style>
-          <a:lnRef idx="2">
-            <a:schemeClr val="accent1">
-              <a:shade val="15000"/>
-            </a:schemeClr>
-          </a:lnRef>
-          <a:fillRef idx="1">
-            <a:schemeClr val="accent1"/>
-          </a:fillRef>
-          <a:effectRef idx="0">
-            <a:schemeClr val="accent1"/>
-          </a:effectRef>
-          <a:fontRef idx="minor">
-            <a:schemeClr val="lt1"/>
-          </a:fontRef>
-        </p:style>
-        <p:txBody>
-          <a:bodyPr rtlCol="0" anchor="ctr"/>
-          <a:lstStyle/>
-          <a:p>
-            <a:pPr algn="ctr"/>
-            <a:endParaRPr lang="en-US"/>
-          </a:p>
-        </p:txBody>
-      </p:sp>
-      <p:sp>
-        <p:nvSpPr>
-          <p:cNvPr id="169" name="Rectangle 168">
-            <a:extLst>
-              <a:ext uri="{FF2B5EF4-FFF2-40B4-BE49-F238E27FC236}">
-                <a16:creationId xmlns:a16="http://schemas.microsoft.com/office/drawing/2014/main" id="{6E4EFD73-3B05-83DE-F2E2-0A7B7A722DB8}"/>
-              </a:ext>
-            </a:extLst>
-          </p:cNvPr>
-          <p:cNvSpPr/>
-          <p:nvPr/>
-        </p:nvSpPr>
-        <p:spPr>
-          <a:xfrm>
-            <a:off x="7601254" y="3130427"/>
-            <a:ext cx="293367" cy="428625"/>
-          </a:xfrm>
-          <a:prstGeom prst="rect">
-            <a:avLst/>
-          </a:prstGeom>
-          <a:noFill/>
-          <a:ln w="38100">
-            <a:solidFill>
-              <a:schemeClr val="tx1"/>
-            </a:solidFill>
-          </a:ln>
-        </p:spPr>
-        <p:style>
-          <a:lnRef idx="2">
-            <a:schemeClr val="accent1">
-              <a:shade val="15000"/>
-            </a:schemeClr>
-          </a:lnRef>
-          <a:fillRef idx="1">
-            <a:schemeClr val="accent1"/>
-          </a:fillRef>
-          <a:effectRef idx="0">
-            <a:schemeClr val="accent1"/>
-          </a:effectRef>
-          <a:fontRef idx="minor">
-            <a:schemeClr val="lt1"/>
-          </a:fontRef>
-        </p:style>
-        <p:txBody>
-          <a:bodyPr rtlCol="0" anchor="ctr"/>
-          <a:lstStyle/>
-          <a:p>
-            <a:pPr algn="ctr"/>
-            <a:endParaRPr lang="en-US"/>
-          </a:p>
-        </p:txBody>
-      </p:sp>
-      <p:sp>
-        <p:nvSpPr>
-          <p:cNvPr id="170" name="TextBox 169">
-            <a:extLst>
-              <a:ext uri="{FF2B5EF4-FFF2-40B4-BE49-F238E27FC236}">
-                <a16:creationId xmlns:a16="http://schemas.microsoft.com/office/drawing/2014/main" id="{0F864570-895E-F080-DB3D-99DFC1754FA1}"/>
-              </a:ext>
-            </a:extLst>
-          </p:cNvPr>
-          <p:cNvSpPr txBox="1"/>
-          <p:nvPr/>
-        </p:nvSpPr>
-        <p:spPr>
-          <a:xfrm>
-            <a:off x="5298068" y="3759511"/>
-            <a:ext cx="1809278" cy="369332"/>
-          </a:xfrm>
-          <a:prstGeom prst="rect">
-            <a:avLst/>
-          </a:prstGeom>
-          <a:noFill/>
-        </p:spPr>
-        <p:txBody>
-          <a:bodyPr wrap="none" rtlCol="0">
-            <a:spAutoFit/>
-          </a:bodyPr>
-          <a:lstStyle/>
-          <a:p>
-            <a:r>
-              <a:rPr lang="en-US" dirty="0"/>
-              <a:t>1408-bit register</a:t>
-            </a:r>
-          </a:p>
-        </p:txBody>
-      </p:sp>
-      <p:sp>
-        <p:nvSpPr>
-          <p:cNvPr id="171" name="TextBox 170">
-            <a:extLst>
-              <a:ext uri="{FF2B5EF4-FFF2-40B4-BE49-F238E27FC236}">
-                <a16:creationId xmlns:a16="http://schemas.microsoft.com/office/drawing/2014/main" id="{11F2B9F5-2F50-D9EE-D2C4-F22011A30945}"/>
-              </a:ext>
-            </a:extLst>
-          </p:cNvPr>
-          <p:cNvSpPr txBox="1"/>
-          <p:nvPr/>
-        </p:nvSpPr>
-        <p:spPr>
-          <a:xfrm>
-            <a:off x="4647237" y="3255176"/>
-            <a:ext cx="435478" cy="253916"/>
-          </a:xfrm>
-          <a:prstGeom prst="rect">
-            <a:avLst/>
-          </a:prstGeom>
-          <a:noFill/>
-        </p:spPr>
-        <p:txBody>
-          <a:bodyPr wrap="square" rtlCol="0">
-            <a:spAutoFit/>
-          </a:bodyPr>
-          <a:lstStyle/>
-          <a:p>
-            <a:r>
-              <a:rPr lang="en-US" sz="1050" dirty="0"/>
-              <a:t>K0</a:t>
-            </a:r>
-          </a:p>
-        </p:txBody>
-      </p:sp>
-      <p:sp>
-        <p:nvSpPr>
-          <p:cNvPr id="175" name="TextBox 174">
-            <a:extLst>
-              <a:ext uri="{FF2B5EF4-FFF2-40B4-BE49-F238E27FC236}">
-                <a16:creationId xmlns:a16="http://schemas.microsoft.com/office/drawing/2014/main" id="{0FE2D278-116B-B3B7-8E47-0F81AD320394}"/>
-              </a:ext>
-            </a:extLst>
-          </p:cNvPr>
-          <p:cNvSpPr txBox="1"/>
-          <p:nvPr/>
-        </p:nvSpPr>
-        <p:spPr>
-          <a:xfrm>
-            <a:off x="4605684" y="3253806"/>
-            <a:ext cx="435478" cy="253916"/>
-          </a:xfrm>
-          <a:prstGeom prst="rect">
-            <a:avLst/>
-          </a:prstGeom>
-          <a:noFill/>
-        </p:spPr>
-        <p:txBody>
-          <a:bodyPr wrap="square" rtlCol="0">
-            <a:spAutoFit/>
-          </a:bodyPr>
-          <a:lstStyle/>
-          <a:p>
-            <a:r>
-              <a:rPr lang="en-US" sz="1050" dirty="0"/>
-              <a:t>K10</a:t>
-            </a:r>
-          </a:p>
-        </p:txBody>
-      </p:sp>
-      <p:cxnSp>
-        <p:nvCxnSpPr>
-          <p:cNvPr id="177" name="Straight Arrow Connector 176">
-            <a:extLst>
-              <a:ext uri="{FF2B5EF4-FFF2-40B4-BE49-F238E27FC236}">
-                <a16:creationId xmlns:a16="http://schemas.microsoft.com/office/drawing/2014/main" id="{C61302CB-F0A7-229D-1291-74078CF2486B}"/>
-              </a:ext>
-            </a:extLst>
-          </p:cNvPr>
-          <p:cNvCxnSpPr>
-            <a:cxnSpLocks/>
-            <a:stCxn id="159" idx="0"/>
-            <a:endCxn id="160" idx="0"/>
-          </p:cNvCxnSpPr>
-          <p:nvPr/>
-        </p:nvCxnSpPr>
-        <p:spPr>
-          <a:xfrm rot="5400000" flipH="1" flipV="1">
-            <a:off x="4951919" y="2982471"/>
-            <a:ext cx="2" cy="295196"/>
-          </a:xfrm>
-          <a:prstGeom prst="curvedConnector3">
-            <a:avLst>
-              <a:gd name="adj1" fmla="val 11430100000"/>
-            </a:avLst>
-          </a:prstGeom>
-          <a:ln>
-            <a:solidFill>
-              <a:schemeClr val="tx1"/>
-            </a:solidFill>
-            <a:tailEnd type="triangle"/>
-          </a:ln>
-        </p:spPr>
-        <p:style>
-          <a:lnRef idx="2">
-            <a:schemeClr val="accent1"/>
-          </a:lnRef>
-          <a:fillRef idx="0">
-            <a:schemeClr val="accent1"/>
-          </a:fillRef>
-          <a:effectRef idx="1">
-            <a:schemeClr val="accent1"/>
-          </a:effectRef>
-          <a:fontRef idx="minor">
-            <a:schemeClr val="tx1"/>
-          </a:fontRef>
-        </p:style>
-      </p:cxnSp>
-      <p:cxnSp>
-        <p:nvCxnSpPr>
-          <p:cNvPr id="194" name="Straight Arrow Connector 176">
-            <a:extLst>
-              <a:ext uri="{FF2B5EF4-FFF2-40B4-BE49-F238E27FC236}">
-                <a16:creationId xmlns:a16="http://schemas.microsoft.com/office/drawing/2014/main" id="{32660B81-FD27-1AD2-B9C5-EB130F8DC916}"/>
-              </a:ext>
-            </a:extLst>
-          </p:cNvPr>
-          <p:cNvCxnSpPr>
-            <a:cxnSpLocks/>
-          </p:cNvCxnSpPr>
-          <p:nvPr/>
-        </p:nvCxnSpPr>
-        <p:spPr>
-          <a:xfrm rot="5400000" flipH="1" flipV="1">
-            <a:off x="5276685" y="2982110"/>
-            <a:ext cx="2" cy="295196"/>
-          </a:xfrm>
-          <a:prstGeom prst="curvedConnector3">
-            <a:avLst>
-              <a:gd name="adj1" fmla="val 11430100000"/>
-            </a:avLst>
-          </a:prstGeom>
-          <a:ln>
-            <a:solidFill>
-              <a:schemeClr val="tx1"/>
-            </a:solidFill>
-            <a:tailEnd type="triangle"/>
-          </a:ln>
-        </p:spPr>
-        <p:style>
-          <a:lnRef idx="2">
-            <a:schemeClr val="accent1"/>
-          </a:lnRef>
-          <a:fillRef idx="0">
-            <a:schemeClr val="accent1"/>
-          </a:fillRef>
-          <a:effectRef idx="1">
-            <a:schemeClr val="accent1"/>
-          </a:effectRef>
-          <a:fontRef idx="minor">
-            <a:schemeClr val="tx1"/>
-          </a:fontRef>
-        </p:style>
-      </p:cxnSp>
-      <p:cxnSp>
-        <p:nvCxnSpPr>
-          <p:cNvPr id="199" name="Straight Arrow Connector 176">
-            <a:extLst>
-              <a:ext uri="{FF2B5EF4-FFF2-40B4-BE49-F238E27FC236}">
-                <a16:creationId xmlns:a16="http://schemas.microsoft.com/office/drawing/2014/main" id="{E216D731-2C2C-A540-32F9-FE2B5606CF27}"/>
-              </a:ext>
-            </a:extLst>
-          </p:cNvPr>
-          <p:cNvCxnSpPr>
-            <a:cxnSpLocks/>
-          </p:cNvCxnSpPr>
-          <p:nvPr/>
-        </p:nvCxnSpPr>
-        <p:spPr>
-          <a:xfrm rot="5400000" flipH="1" flipV="1">
-            <a:off x="7597831" y="2982108"/>
-            <a:ext cx="2" cy="295196"/>
-          </a:xfrm>
-          <a:prstGeom prst="curvedConnector3">
-            <a:avLst>
-              <a:gd name="adj1" fmla="val 11430100000"/>
-            </a:avLst>
-          </a:prstGeom>
-          <a:ln>
-            <a:solidFill>
-              <a:schemeClr val="tx1"/>
-            </a:solidFill>
-            <a:tailEnd type="triangle"/>
-          </a:ln>
-        </p:spPr>
-        <p:style>
-          <a:lnRef idx="2">
-            <a:schemeClr val="accent1"/>
-          </a:lnRef>
-          <a:fillRef idx="0">
-            <a:schemeClr val="accent1"/>
-          </a:fillRef>
-          <a:effectRef idx="1">
-            <a:schemeClr val="accent1"/>
-          </a:effectRef>
-          <a:fontRef idx="minor">
-            <a:schemeClr val="tx1"/>
-          </a:fontRef>
-        </p:style>
-      </p:cxnSp>
-      <p:cxnSp>
-        <p:nvCxnSpPr>
-          <p:cNvPr id="200" name="Straight Connector 199">
-            <a:extLst>
-              <a:ext uri="{FF2B5EF4-FFF2-40B4-BE49-F238E27FC236}">
-                <a16:creationId xmlns:a16="http://schemas.microsoft.com/office/drawing/2014/main" id="{6542084F-D809-8E8F-EF5C-7967FA6F8264}"/>
-              </a:ext>
-            </a:extLst>
-          </p:cNvPr>
-          <p:cNvCxnSpPr>
-            <a:cxnSpLocks/>
-          </p:cNvCxnSpPr>
-          <p:nvPr/>
-        </p:nvCxnSpPr>
-        <p:spPr>
-          <a:xfrm flipH="1">
-            <a:off x="5606175" y="2970642"/>
-            <a:ext cx="1557610" cy="0"/>
-          </a:xfrm>
-          <a:prstGeom prst="line">
-            <a:avLst/>
-          </a:prstGeom>
-          <a:ln>
-            <a:solidFill>
-              <a:schemeClr val="tx1"/>
-            </a:solidFill>
-            <a:prstDash val="sysDot"/>
           </a:ln>
         </p:spPr>
         <p:style>
@@ -19418,13 +17622,13 @@
   <p:clrMapOvr>
     <a:masterClrMapping/>
   </p:clrMapOvr>
-  <mc:AlternateContent xmlns:mc="http://schemas.openxmlformats.org/markup-compatibility/2006">
-    <mc:Choice xmlns:p159="http://schemas.microsoft.com/office/powerpoint/2015/09/main" Requires="p159">
+  <mc:AlternateContent xmlns:mc="http://schemas.openxmlformats.org/markup-compatibility/2006" xmlns:p159="http://schemas.microsoft.com/office/powerpoint/2015/09/main">
+    <mc:Choice Requires="p159">
       <p:transition spd="slow">
         <p159:morph option="byObject"/>
       </p:transition>
     </mc:Choice>
-    <mc:Fallback>
+    <mc:Fallback xmlns="">
       <p:transition spd="slow">
         <p:fade/>
       </p:transition>
@@ -19676,7 +17880,7 @@
                                           </p:stCondLst>
                                         </p:cTn>
                                         <p:tgtEl>
-                                          <p:spTgt spid="158"/>
+                                          <p:spTgt spid="26"/>
                                         </p:tgtEl>
                                         <p:attrNameLst>
                                           <p:attrName>style.visibility</p:attrName>
@@ -19689,818 +17893,6 @@
                                     <p:animEffect transition="in" filter="fade">
                                       <p:cBhvr>
                                         <p:cTn id="27" dur="500"/>
-                                        <p:tgtEl>
-                                          <p:spTgt spid="158"/>
-                                        </p:tgtEl>
-                                      </p:cBhvr>
-                                    </p:animEffect>
-                                  </p:childTnLst>
-                                </p:cTn>
-                              </p:par>
-                              <p:par>
-                                <p:cTn id="28" presetID="10" presetClass="entr" presetSubtype="0" fill="hold" grpId="0" nodeType="withEffect">
-                                  <p:stCondLst>
-                                    <p:cond delay="0"/>
-                                  </p:stCondLst>
-                                  <p:childTnLst>
-                                    <p:set>
-                                      <p:cBhvr>
-                                        <p:cTn id="29" dur="1" fill="hold">
-                                          <p:stCondLst>
-                                            <p:cond delay="0"/>
-                                          </p:stCondLst>
-                                        </p:cTn>
-                                        <p:tgtEl>
-                                          <p:spTgt spid="159"/>
-                                        </p:tgtEl>
-                                        <p:attrNameLst>
-                                          <p:attrName>style.visibility</p:attrName>
-                                        </p:attrNameLst>
-                                      </p:cBhvr>
-                                      <p:to>
-                                        <p:strVal val="visible"/>
-                                      </p:to>
-                                    </p:set>
-                                    <p:animEffect transition="in" filter="fade">
-                                      <p:cBhvr>
-                                        <p:cTn id="30" dur="500"/>
-                                        <p:tgtEl>
-                                          <p:spTgt spid="159"/>
-                                        </p:tgtEl>
-                                      </p:cBhvr>
-                                    </p:animEffect>
-                                  </p:childTnLst>
-                                </p:cTn>
-                              </p:par>
-                              <p:par>
-                                <p:cTn id="31" presetID="10" presetClass="entr" presetSubtype="0" fill="hold" grpId="0" nodeType="withEffect">
-                                  <p:stCondLst>
-                                    <p:cond delay="0"/>
-                                  </p:stCondLst>
-                                  <p:childTnLst>
-                                    <p:set>
-                                      <p:cBhvr>
-                                        <p:cTn id="32" dur="1" fill="hold">
-                                          <p:stCondLst>
-                                            <p:cond delay="0"/>
-                                          </p:stCondLst>
-                                        </p:cTn>
-                                        <p:tgtEl>
-                                          <p:spTgt spid="160"/>
-                                        </p:tgtEl>
-                                        <p:attrNameLst>
-                                          <p:attrName>style.visibility</p:attrName>
-                                        </p:attrNameLst>
-                                      </p:cBhvr>
-                                      <p:to>
-                                        <p:strVal val="visible"/>
-                                      </p:to>
-                                    </p:set>
-                                    <p:animEffect transition="in" filter="fade">
-                                      <p:cBhvr>
-                                        <p:cTn id="33" dur="500"/>
-                                        <p:tgtEl>
-                                          <p:spTgt spid="160"/>
-                                        </p:tgtEl>
-                                      </p:cBhvr>
-                                    </p:animEffect>
-                                  </p:childTnLst>
-                                </p:cTn>
-                              </p:par>
-                              <p:par>
-                                <p:cTn id="34" presetID="10" presetClass="entr" presetSubtype="0" fill="hold" grpId="0" nodeType="withEffect">
-                                  <p:stCondLst>
-                                    <p:cond delay="0"/>
-                                  </p:stCondLst>
-                                  <p:childTnLst>
-                                    <p:set>
-                                      <p:cBhvr>
-                                        <p:cTn id="35" dur="1" fill="hold">
-                                          <p:stCondLst>
-                                            <p:cond delay="0"/>
-                                          </p:stCondLst>
-                                        </p:cTn>
-                                        <p:tgtEl>
-                                          <p:spTgt spid="161"/>
-                                        </p:tgtEl>
-                                        <p:attrNameLst>
-                                          <p:attrName>style.visibility</p:attrName>
-                                        </p:attrNameLst>
-                                      </p:cBhvr>
-                                      <p:to>
-                                        <p:strVal val="visible"/>
-                                      </p:to>
-                                    </p:set>
-                                    <p:animEffect transition="in" filter="fade">
-                                      <p:cBhvr>
-                                        <p:cTn id="36" dur="500"/>
-                                        <p:tgtEl>
-                                          <p:spTgt spid="161"/>
-                                        </p:tgtEl>
-                                      </p:cBhvr>
-                                    </p:animEffect>
-                                  </p:childTnLst>
-                                </p:cTn>
-                              </p:par>
-                              <p:par>
-                                <p:cTn id="37" presetID="10" presetClass="entr" presetSubtype="0" fill="hold" grpId="0" nodeType="withEffect">
-                                  <p:stCondLst>
-                                    <p:cond delay="0"/>
-                                  </p:stCondLst>
-                                  <p:childTnLst>
-                                    <p:set>
-                                      <p:cBhvr>
-                                        <p:cTn id="38" dur="1" fill="hold">
-                                          <p:stCondLst>
-                                            <p:cond delay="0"/>
-                                          </p:stCondLst>
-                                        </p:cTn>
-                                        <p:tgtEl>
-                                          <p:spTgt spid="162"/>
-                                        </p:tgtEl>
-                                        <p:attrNameLst>
-                                          <p:attrName>style.visibility</p:attrName>
-                                        </p:attrNameLst>
-                                      </p:cBhvr>
-                                      <p:to>
-                                        <p:strVal val="visible"/>
-                                      </p:to>
-                                    </p:set>
-                                    <p:animEffect transition="in" filter="fade">
-                                      <p:cBhvr>
-                                        <p:cTn id="39" dur="500"/>
-                                        <p:tgtEl>
-                                          <p:spTgt spid="162"/>
-                                        </p:tgtEl>
-                                      </p:cBhvr>
-                                    </p:animEffect>
-                                  </p:childTnLst>
-                                </p:cTn>
-                              </p:par>
-                              <p:par>
-                                <p:cTn id="40" presetID="10" presetClass="entr" presetSubtype="0" fill="hold" grpId="0" nodeType="withEffect">
-                                  <p:stCondLst>
-                                    <p:cond delay="0"/>
-                                  </p:stCondLst>
-                                  <p:childTnLst>
-                                    <p:set>
-                                      <p:cBhvr>
-                                        <p:cTn id="41" dur="1" fill="hold">
-                                          <p:stCondLst>
-                                            <p:cond delay="0"/>
-                                          </p:stCondLst>
-                                        </p:cTn>
-                                        <p:tgtEl>
-                                          <p:spTgt spid="163"/>
-                                        </p:tgtEl>
-                                        <p:attrNameLst>
-                                          <p:attrName>style.visibility</p:attrName>
-                                        </p:attrNameLst>
-                                      </p:cBhvr>
-                                      <p:to>
-                                        <p:strVal val="visible"/>
-                                      </p:to>
-                                    </p:set>
-                                    <p:animEffect transition="in" filter="fade">
-                                      <p:cBhvr>
-                                        <p:cTn id="42" dur="500"/>
-                                        <p:tgtEl>
-                                          <p:spTgt spid="163"/>
-                                        </p:tgtEl>
-                                      </p:cBhvr>
-                                    </p:animEffect>
-                                  </p:childTnLst>
-                                </p:cTn>
-                              </p:par>
-                              <p:par>
-                                <p:cTn id="43" presetID="10" presetClass="entr" presetSubtype="0" fill="hold" grpId="0" nodeType="withEffect">
-                                  <p:stCondLst>
-                                    <p:cond delay="0"/>
-                                  </p:stCondLst>
-                                  <p:childTnLst>
-                                    <p:set>
-                                      <p:cBhvr>
-                                        <p:cTn id="44" dur="1" fill="hold">
-                                          <p:stCondLst>
-                                            <p:cond delay="0"/>
-                                          </p:stCondLst>
-                                        </p:cTn>
-                                        <p:tgtEl>
-                                          <p:spTgt spid="164"/>
-                                        </p:tgtEl>
-                                        <p:attrNameLst>
-                                          <p:attrName>style.visibility</p:attrName>
-                                        </p:attrNameLst>
-                                      </p:cBhvr>
-                                      <p:to>
-                                        <p:strVal val="visible"/>
-                                      </p:to>
-                                    </p:set>
-                                    <p:animEffect transition="in" filter="fade">
-                                      <p:cBhvr>
-                                        <p:cTn id="45" dur="500"/>
-                                        <p:tgtEl>
-                                          <p:spTgt spid="164"/>
-                                        </p:tgtEl>
-                                      </p:cBhvr>
-                                    </p:animEffect>
-                                  </p:childTnLst>
-                                </p:cTn>
-                              </p:par>
-                              <p:par>
-                                <p:cTn id="46" presetID="10" presetClass="entr" presetSubtype="0" fill="hold" grpId="0" nodeType="withEffect">
-                                  <p:stCondLst>
-                                    <p:cond delay="0"/>
-                                  </p:stCondLst>
-                                  <p:childTnLst>
-                                    <p:set>
-                                      <p:cBhvr>
-                                        <p:cTn id="47" dur="1" fill="hold">
-                                          <p:stCondLst>
-                                            <p:cond delay="0"/>
-                                          </p:stCondLst>
-                                        </p:cTn>
-                                        <p:tgtEl>
-                                          <p:spTgt spid="165"/>
-                                        </p:tgtEl>
-                                        <p:attrNameLst>
-                                          <p:attrName>style.visibility</p:attrName>
-                                        </p:attrNameLst>
-                                      </p:cBhvr>
-                                      <p:to>
-                                        <p:strVal val="visible"/>
-                                      </p:to>
-                                    </p:set>
-                                    <p:animEffect transition="in" filter="fade">
-                                      <p:cBhvr>
-                                        <p:cTn id="48" dur="500"/>
-                                        <p:tgtEl>
-                                          <p:spTgt spid="165"/>
-                                        </p:tgtEl>
-                                      </p:cBhvr>
-                                    </p:animEffect>
-                                  </p:childTnLst>
-                                </p:cTn>
-                              </p:par>
-                              <p:par>
-                                <p:cTn id="49" presetID="10" presetClass="entr" presetSubtype="0" fill="hold" grpId="0" nodeType="withEffect">
-                                  <p:stCondLst>
-                                    <p:cond delay="0"/>
-                                  </p:stCondLst>
-                                  <p:childTnLst>
-                                    <p:set>
-                                      <p:cBhvr>
-                                        <p:cTn id="50" dur="1" fill="hold">
-                                          <p:stCondLst>
-                                            <p:cond delay="0"/>
-                                          </p:stCondLst>
-                                        </p:cTn>
-                                        <p:tgtEl>
-                                          <p:spTgt spid="166"/>
-                                        </p:tgtEl>
-                                        <p:attrNameLst>
-                                          <p:attrName>style.visibility</p:attrName>
-                                        </p:attrNameLst>
-                                      </p:cBhvr>
-                                      <p:to>
-                                        <p:strVal val="visible"/>
-                                      </p:to>
-                                    </p:set>
-                                    <p:animEffect transition="in" filter="fade">
-                                      <p:cBhvr>
-                                        <p:cTn id="51" dur="500"/>
-                                        <p:tgtEl>
-                                          <p:spTgt spid="166"/>
-                                        </p:tgtEl>
-                                      </p:cBhvr>
-                                    </p:animEffect>
-                                  </p:childTnLst>
-                                </p:cTn>
-                              </p:par>
-                              <p:par>
-                                <p:cTn id="52" presetID="10" presetClass="entr" presetSubtype="0" fill="hold" grpId="0" nodeType="withEffect">
-                                  <p:stCondLst>
-                                    <p:cond delay="0"/>
-                                  </p:stCondLst>
-                                  <p:childTnLst>
-                                    <p:set>
-                                      <p:cBhvr>
-                                        <p:cTn id="53" dur="1" fill="hold">
-                                          <p:stCondLst>
-                                            <p:cond delay="0"/>
-                                          </p:stCondLst>
-                                        </p:cTn>
-                                        <p:tgtEl>
-                                          <p:spTgt spid="167"/>
-                                        </p:tgtEl>
-                                        <p:attrNameLst>
-                                          <p:attrName>style.visibility</p:attrName>
-                                        </p:attrNameLst>
-                                      </p:cBhvr>
-                                      <p:to>
-                                        <p:strVal val="visible"/>
-                                      </p:to>
-                                    </p:set>
-                                    <p:animEffect transition="in" filter="fade">
-                                      <p:cBhvr>
-                                        <p:cTn id="54" dur="500"/>
-                                        <p:tgtEl>
-                                          <p:spTgt spid="167"/>
-                                        </p:tgtEl>
-                                      </p:cBhvr>
-                                    </p:animEffect>
-                                  </p:childTnLst>
-                                </p:cTn>
-                              </p:par>
-                              <p:par>
-                                <p:cTn id="55" presetID="10" presetClass="entr" presetSubtype="0" fill="hold" grpId="0" nodeType="withEffect">
-                                  <p:stCondLst>
-                                    <p:cond delay="0"/>
-                                  </p:stCondLst>
-                                  <p:childTnLst>
-                                    <p:set>
-                                      <p:cBhvr>
-                                        <p:cTn id="56" dur="1" fill="hold">
-                                          <p:stCondLst>
-                                            <p:cond delay="0"/>
-                                          </p:stCondLst>
-                                        </p:cTn>
-                                        <p:tgtEl>
-                                          <p:spTgt spid="168"/>
-                                        </p:tgtEl>
-                                        <p:attrNameLst>
-                                          <p:attrName>style.visibility</p:attrName>
-                                        </p:attrNameLst>
-                                      </p:cBhvr>
-                                      <p:to>
-                                        <p:strVal val="visible"/>
-                                      </p:to>
-                                    </p:set>
-                                    <p:animEffect transition="in" filter="fade">
-                                      <p:cBhvr>
-                                        <p:cTn id="57" dur="500"/>
-                                        <p:tgtEl>
-                                          <p:spTgt spid="168"/>
-                                        </p:tgtEl>
-                                      </p:cBhvr>
-                                    </p:animEffect>
-                                  </p:childTnLst>
-                                </p:cTn>
-                              </p:par>
-                              <p:par>
-                                <p:cTn id="58" presetID="10" presetClass="entr" presetSubtype="0" fill="hold" grpId="0" nodeType="withEffect">
-                                  <p:stCondLst>
-                                    <p:cond delay="0"/>
-                                  </p:stCondLst>
-                                  <p:childTnLst>
-                                    <p:set>
-                                      <p:cBhvr>
-                                        <p:cTn id="59" dur="1" fill="hold">
-                                          <p:stCondLst>
-                                            <p:cond delay="0"/>
-                                          </p:stCondLst>
-                                        </p:cTn>
-                                        <p:tgtEl>
-                                          <p:spTgt spid="169"/>
-                                        </p:tgtEl>
-                                        <p:attrNameLst>
-                                          <p:attrName>style.visibility</p:attrName>
-                                        </p:attrNameLst>
-                                      </p:cBhvr>
-                                      <p:to>
-                                        <p:strVal val="visible"/>
-                                      </p:to>
-                                    </p:set>
-                                    <p:animEffect transition="in" filter="fade">
-                                      <p:cBhvr>
-                                        <p:cTn id="60" dur="500"/>
-                                        <p:tgtEl>
-                                          <p:spTgt spid="169"/>
-                                        </p:tgtEl>
-                                      </p:cBhvr>
-                                    </p:animEffect>
-                                  </p:childTnLst>
-                                </p:cTn>
-                              </p:par>
-                              <p:par>
-                                <p:cTn id="61" presetID="10" presetClass="entr" presetSubtype="0" fill="hold" grpId="0" nodeType="withEffect">
-                                  <p:stCondLst>
-                                    <p:cond delay="0"/>
-                                  </p:stCondLst>
-                                  <p:childTnLst>
-                                    <p:set>
-                                      <p:cBhvr>
-                                        <p:cTn id="62" dur="1" fill="hold">
-                                          <p:stCondLst>
-                                            <p:cond delay="0"/>
-                                          </p:stCondLst>
-                                        </p:cTn>
-                                        <p:tgtEl>
-                                          <p:spTgt spid="170"/>
-                                        </p:tgtEl>
-                                        <p:attrNameLst>
-                                          <p:attrName>style.visibility</p:attrName>
-                                        </p:attrNameLst>
-                                      </p:cBhvr>
-                                      <p:to>
-                                        <p:strVal val="visible"/>
-                                      </p:to>
-                                    </p:set>
-                                    <p:animEffect transition="in" filter="fade">
-                                      <p:cBhvr>
-                                        <p:cTn id="63" dur="500"/>
-                                        <p:tgtEl>
-                                          <p:spTgt spid="170"/>
-                                        </p:tgtEl>
-                                      </p:cBhvr>
-                                    </p:animEffect>
-                                  </p:childTnLst>
-                                </p:cTn>
-                              </p:par>
-                            </p:childTnLst>
-                          </p:cTn>
-                        </p:par>
-                      </p:childTnLst>
-                    </p:cTn>
-                  </p:par>
-                  <p:par>
-                    <p:cTn id="64" fill="hold">
-                      <p:stCondLst>
-                        <p:cond delay="indefinite"/>
-                      </p:stCondLst>
-                      <p:childTnLst>
-                        <p:par>
-                          <p:cTn id="65" fill="hold">
-                            <p:stCondLst>
-                              <p:cond delay="0"/>
-                            </p:stCondLst>
-                            <p:childTnLst>
-                              <p:par>
-                                <p:cTn id="66" presetID="10" presetClass="entr" presetSubtype="0" fill="hold" grpId="3" nodeType="clickEffect">
-                                  <p:stCondLst>
-                                    <p:cond delay="0"/>
-                                  </p:stCondLst>
-                                  <p:childTnLst>
-                                    <p:set>
-                                      <p:cBhvr>
-                                        <p:cTn id="67" dur="1" fill="hold">
-                                          <p:stCondLst>
-                                            <p:cond delay="0"/>
-                                          </p:stCondLst>
-                                        </p:cTn>
-                                        <p:tgtEl>
-                                          <p:spTgt spid="171"/>
-                                        </p:tgtEl>
-                                        <p:attrNameLst>
-                                          <p:attrName>style.visibility</p:attrName>
-                                        </p:attrNameLst>
-                                      </p:cBhvr>
-                                      <p:to>
-                                        <p:strVal val="visible"/>
-                                      </p:to>
-                                    </p:set>
-                                    <p:animEffect transition="in" filter="fade">
-                                      <p:cBhvr>
-                                        <p:cTn id="68" dur="500"/>
-                                        <p:tgtEl>
-                                          <p:spTgt spid="171"/>
-                                        </p:tgtEl>
-                                      </p:cBhvr>
-                                    </p:animEffect>
-                                  </p:childTnLst>
-                                </p:cTn>
-                              </p:par>
-                            </p:childTnLst>
-                          </p:cTn>
-                        </p:par>
-                        <p:par>
-                          <p:cTn id="69" fill="hold">
-                            <p:stCondLst>
-                              <p:cond delay="500"/>
-                            </p:stCondLst>
-                            <p:childTnLst>
-                              <p:par>
-                                <p:cTn id="70" presetID="10" presetClass="entr" presetSubtype="0" fill="hold" nodeType="afterEffect">
-                                  <p:stCondLst>
-                                    <p:cond delay="0"/>
-                                  </p:stCondLst>
-                                  <p:childTnLst>
-                                    <p:set>
-                                      <p:cBhvr>
-                                        <p:cTn id="71" dur="1" fill="hold">
-                                          <p:stCondLst>
-                                            <p:cond delay="0"/>
-                                          </p:stCondLst>
-                                        </p:cTn>
-                                        <p:tgtEl>
-                                          <p:spTgt spid="177"/>
-                                        </p:tgtEl>
-                                        <p:attrNameLst>
-                                          <p:attrName>style.visibility</p:attrName>
-                                        </p:attrNameLst>
-                                      </p:cBhvr>
-                                      <p:to>
-                                        <p:strVal val="visible"/>
-                                      </p:to>
-                                    </p:set>
-                                    <p:animEffect transition="in" filter="fade">
-                                      <p:cBhvr>
-                                        <p:cTn id="72" dur="500"/>
-                                        <p:tgtEl>
-                                          <p:spTgt spid="177"/>
-                                        </p:tgtEl>
-                                      </p:cBhvr>
-                                    </p:animEffect>
-                                  </p:childTnLst>
-                                </p:cTn>
-                              </p:par>
-                              <p:par>
-                                <p:cTn id="73" presetID="42" presetClass="path" presetSubtype="0" accel="50000" decel="50000" fill="hold" grpId="0" nodeType="withEffect">
-                                  <p:stCondLst>
-                                    <p:cond delay="0"/>
-                                  </p:stCondLst>
-                                  <p:childTnLst>
-                                    <p:animMotion origin="layout" path="M 1.66667E-6 4.44444E-6 L 0.02174 4.44444E-6 " pathEditMode="relative" rAng="0" ptsTypes="AA">
-                                      <p:cBhvr>
-                                        <p:cTn id="74" dur="1000" fill="hold"/>
-                                        <p:tgtEl>
-                                          <p:spTgt spid="171"/>
-                                        </p:tgtEl>
-                                        <p:attrNameLst>
-                                          <p:attrName>ppt_x</p:attrName>
-                                          <p:attrName>ppt_y</p:attrName>
-                                        </p:attrNameLst>
-                                      </p:cBhvr>
-                                      <p:rCtr x="1081" y="0"/>
-                                    </p:animMotion>
-                                  </p:childTnLst>
-                                </p:cTn>
-                              </p:par>
-                            </p:childTnLst>
-                          </p:cTn>
-                        </p:par>
-                        <p:par>
-                          <p:cTn id="75" fill="hold">
-                            <p:stCondLst>
-                              <p:cond delay="1500"/>
-                            </p:stCondLst>
-                            <p:childTnLst>
-                              <p:par>
-                                <p:cTn id="76" presetID="10" presetClass="entr" presetSubtype="0" fill="hold" nodeType="afterEffect">
-                                  <p:stCondLst>
-                                    <p:cond delay="0"/>
-                                  </p:stCondLst>
-                                  <p:childTnLst>
-                                    <p:set>
-                                      <p:cBhvr>
-                                        <p:cTn id="77" dur="1" fill="hold">
-                                          <p:stCondLst>
-                                            <p:cond delay="0"/>
-                                          </p:stCondLst>
-                                        </p:cTn>
-                                        <p:tgtEl>
-                                          <p:spTgt spid="194"/>
-                                        </p:tgtEl>
-                                        <p:attrNameLst>
-                                          <p:attrName>style.visibility</p:attrName>
-                                        </p:attrNameLst>
-                                      </p:cBhvr>
-                                      <p:to>
-                                        <p:strVal val="visible"/>
-                                      </p:to>
-                                    </p:set>
-                                    <p:animEffect transition="in" filter="fade">
-                                      <p:cBhvr>
-                                        <p:cTn id="78" dur="500"/>
-                                        <p:tgtEl>
-                                          <p:spTgt spid="194"/>
-                                        </p:tgtEl>
-                                      </p:cBhvr>
-                                    </p:animEffect>
-                                  </p:childTnLst>
-                                </p:cTn>
-                              </p:par>
-                              <p:par>
-                                <p:cTn id="79" presetID="42" presetClass="path" presetSubtype="0" accel="50000" decel="50000" fill="hold" grpId="1" nodeType="withEffect">
-                                  <p:stCondLst>
-                                    <p:cond delay="0"/>
-                                  </p:stCondLst>
-                                  <p:childTnLst>
-                                    <p:animMotion origin="layout" path="M 0.02175 4.44444E-6 L 0.04596 4.44444E-6 " pathEditMode="relative" rAng="0" ptsTypes="AA">
-                                      <p:cBhvr>
-                                        <p:cTn id="80" dur="1000" fill="hold"/>
-                                        <p:tgtEl>
-                                          <p:spTgt spid="171"/>
-                                        </p:tgtEl>
-                                        <p:attrNameLst>
-                                          <p:attrName>ppt_x</p:attrName>
-                                          <p:attrName>ppt_y</p:attrName>
-                                        </p:attrNameLst>
-                                      </p:cBhvr>
-                                      <p:rCtr x="1328" y="0"/>
-                                    </p:animMotion>
-                                  </p:childTnLst>
-                                </p:cTn>
-                              </p:par>
-                            </p:childTnLst>
-                          </p:cTn>
-                        </p:par>
-                        <p:par>
-                          <p:cTn id="81" fill="hold">
-                            <p:stCondLst>
-                              <p:cond delay="2500"/>
-                            </p:stCondLst>
-                            <p:childTnLst>
-                              <p:par>
-                                <p:cTn id="82" presetID="10" presetClass="entr" presetSubtype="0" fill="hold" nodeType="afterEffect">
-                                  <p:stCondLst>
-                                    <p:cond delay="0"/>
-                                  </p:stCondLst>
-                                  <p:childTnLst>
-                                    <p:set>
-                                      <p:cBhvr>
-                                        <p:cTn id="83" dur="1" fill="hold">
-                                          <p:stCondLst>
-                                            <p:cond delay="0"/>
-                                          </p:stCondLst>
-                                        </p:cTn>
-                                        <p:tgtEl>
-                                          <p:spTgt spid="200"/>
-                                        </p:tgtEl>
-                                        <p:attrNameLst>
-                                          <p:attrName>style.visibility</p:attrName>
-                                        </p:attrNameLst>
-                                      </p:cBhvr>
-                                      <p:to>
-                                        <p:strVal val="visible"/>
-                                      </p:to>
-                                    </p:set>
-                                    <p:animEffect transition="in" filter="fade">
-                                      <p:cBhvr>
-                                        <p:cTn id="84" dur="500"/>
-                                        <p:tgtEl>
-                                          <p:spTgt spid="200"/>
-                                        </p:tgtEl>
-                                      </p:cBhvr>
-                                    </p:animEffect>
-                                  </p:childTnLst>
-                                </p:cTn>
-                              </p:par>
-                            </p:childTnLst>
-                          </p:cTn>
-                        </p:par>
-                        <p:par>
-                          <p:cTn id="85" fill="hold">
-                            <p:stCondLst>
-                              <p:cond delay="3000"/>
-                            </p:stCondLst>
-                            <p:childTnLst>
-                              <p:par>
-                                <p:cTn id="86" presetID="10" presetClass="entr" presetSubtype="0" fill="hold" nodeType="afterEffect">
-                                  <p:stCondLst>
-                                    <p:cond delay="0"/>
-                                  </p:stCondLst>
-                                  <p:childTnLst>
-                                    <p:set>
-                                      <p:cBhvr>
-                                        <p:cTn id="87" dur="1" fill="hold">
-                                          <p:stCondLst>
-                                            <p:cond delay="0"/>
-                                          </p:stCondLst>
-                                        </p:cTn>
-                                        <p:tgtEl>
-                                          <p:spTgt spid="199"/>
-                                        </p:tgtEl>
-                                        <p:attrNameLst>
-                                          <p:attrName>style.visibility</p:attrName>
-                                        </p:attrNameLst>
-                                      </p:cBhvr>
-                                      <p:to>
-                                        <p:strVal val="visible"/>
-                                      </p:to>
-                                    </p:set>
-                                    <p:animEffect transition="in" filter="fade">
-                                      <p:cBhvr>
-                                        <p:cTn id="88" dur="500"/>
-                                        <p:tgtEl>
-                                          <p:spTgt spid="199"/>
-                                        </p:tgtEl>
-                                      </p:cBhvr>
-                                    </p:animEffect>
-                                  </p:childTnLst>
-                                </p:cTn>
-                              </p:par>
-                              <p:par>
-                                <p:cTn id="89" presetID="42" presetClass="path" presetSubtype="0" accel="50000" decel="50000" fill="hold" grpId="2" nodeType="withEffect">
-                                  <p:stCondLst>
-                                    <p:cond delay="0"/>
-                                  </p:stCondLst>
-                                  <p:childTnLst>
-                                    <p:animMotion origin="layout" path="M 0.04597 1.85185E-6 L 0.23906 -0.00162 " pathEditMode="relative" rAng="0" ptsTypes="AA">
-                                      <p:cBhvr>
-                                        <p:cTn id="90" dur="1000" fill="hold"/>
-                                        <p:tgtEl>
-                                          <p:spTgt spid="171"/>
-                                        </p:tgtEl>
-                                        <p:attrNameLst>
-                                          <p:attrName>ppt_x</p:attrName>
-                                          <p:attrName>ppt_y</p:attrName>
-                                        </p:attrNameLst>
-                                      </p:cBhvr>
-                                      <p:rCtr x="9779" y="278"/>
-                                    </p:animMotion>
-                                  </p:childTnLst>
-                                </p:cTn>
-                              </p:par>
-                            </p:childTnLst>
-                          </p:cTn>
-                        </p:par>
-                        <p:par>
-                          <p:cTn id="91" fill="hold">
-                            <p:stCondLst>
-                              <p:cond delay="4000"/>
-                            </p:stCondLst>
-                            <p:childTnLst>
-                              <p:par>
-                                <p:cTn id="92" presetID="10" presetClass="entr" presetSubtype="0" fill="hold" grpId="0" nodeType="afterEffect">
-                                  <p:stCondLst>
-                                    <p:cond delay="0"/>
-                                  </p:stCondLst>
-                                  <p:childTnLst>
-                                    <p:set>
-                                      <p:cBhvr>
-                                        <p:cTn id="93" dur="1" fill="hold">
-                                          <p:stCondLst>
-                                            <p:cond delay="0"/>
-                                          </p:stCondLst>
-                                        </p:cTn>
-                                        <p:tgtEl>
-                                          <p:spTgt spid="175"/>
-                                        </p:tgtEl>
-                                        <p:attrNameLst>
-                                          <p:attrName>style.visibility</p:attrName>
-                                        </p:attrNameLst>
-                                      </p:cBhvr>
-                                      <p:to>
-                                        <p:strVal val="visible"/>
-                                      </p:to>
-                                    </p:set>
-                                    <p:animEffect transition="in" filter="fade">
-                                      <p:cBhvr>
-                                        <p:cTn id="94" dur="500"/>
-                                        <p:tgtEl>
-                                          <p:spTgt spid="175"/>
-                                        </p:tgtEl>
-                                      </p:cBhvr>
-                                    </p:animEffect>
-                                  </p:childTnLst>
-                                </p:cTn>
-                              </p:par>
-                            </p:childTnLst>
-                          </p:cTn>
-                        </p:par>
-                      </p:childTnLst>
-                    </p:cTn>
-                  </p:par>
-                  <p:par>
-                    <p:cTn id="95" fill="hold">
-                      <p:stCondLst>
-                        <p:cond delay="indefinite"/>
-                      </p:stCondLst>
-                      <p:childTnLst>
-                        <p:par>
-                          <p:cTn id="96" fill="hold">
-                            <p:stCondLst>
-                              <p:cond delay="0"/>
-                            </p:stCondLst>
-                            <p:childTnLst>
-                              <p:par>
-                                <p:cTn id="97" presetID="10" presetClass="entr" presetSubtype="0" fill="hold" grpId="0" nodeType="clickEffect">
-                                  <p:stCondLst>
-                                    <p:cond delay="0"/>
-                                  </p:stCondLst>
-                                  <p:childTnLst>
-                                    <p:set>
-                                      <p:cBhvr>
-                                        <p:cTn id="98" dur="1" fill="hold">
-                                          <p:stCondLst>
-                                            <p:cond delay="0"/>
-                                          </p:stCondLst>
-                                        </p:cTn>
-                                        <p:tgtEl>
-                                          <p:spTgt spid="26"/>
-                                        </p:tgtEl>
-                                        <p:attrNameLst>
-                                          <p:attrName>style.visibility</p:attrName>
-                                        </p:attrNameLst>
-                                      </p:cBhvr>
-                                      <p:to>
-                                        <p:strVal val="visible"/>
-                                      </p:to>
-                                    </p:set>
-                                    <p:animEffect transition="in" filter="fade">
-                                      <p:cBhvr>
-                                        <p:cTn id="99" dur="500"/>
                                         <p:tgtEl>
                                           <p:spTgt spid="26"/>
                                         </p:tgtEl>
@@ -20540,24 +17932,6 @@
       <p:bldP spid="24" grpId="0"/>
       <p:bldP spid="25" grpId="0"/>
       <p:bldP spid="26" grpId="0"/>
-      <p:bldP spid="158" grpId="0" animBg="1"/>
-      <p:bldP spid="159" grpId="0" animBg="1"/>
-      <p:bldP spid="160" grpId="0" animBg="1"/>
-      <p:bldP spid="161" grpId="0" animBg="1"/>
-      <p:bldP spid="162" grpId="0" animBg="1"/>
-      <p:bldP spid="163" grpId="0" animBg="1"/>
-      <p:bldP spid="164" grpId="0" animBg="1"/>
-      <p:bldP spid="165" grpId="0" animBg="1"/>
-      <p:bldP spid="166" grpId="0" animBg="1"/>
-      <p:bldP spid="167" grpId="0" animBg="1"/>
-      <p:bldP spid="168" grpId="0" animBg="1"/>
-      <p:bldP spid="169" grpId="0" animBg="1"/>
-      <p:bldP spid="170" grpId="0"/>
-      <p:bldP spid="171" grpId="0"/>
-      <p:bldP spid="171" grpId="1"/>
-      <p:bldP spid="171" grpId="2"/>
-      <p:bldP spid="171" grpId="3"/>
-      <p:bldP spid="175" grpId="0"/>
     </p:bldLst>
   </p:timing>
 </p:sld>
@@ -23322,18 +20696,392 @@
   <p:clrMapOvr>
     <a:masterClrMapping/>
   </p:clrMapOvr>
-  <mc:AlternateContent xmlns:mc="http://schemas.openxmlformats.org/markup-compatibility/2006">
-    <mc:Choice xmlns:p159="http://schemas.microsoft.com/office/powerpoint/2015/09/main" Requires="p159">
+  <mc:AlternateContent xmlns:mc="http://schemas.openxmlformats.org/markup-compatibility/2006" xmlns:p159="http://schemas.microsoft.com/office/powerpoint/2015/09/main">
+    <mc:Choice Requires="p159">
       <p:transition spd="slow">
         <p159:morph option="byObject"/>
       </p:transition>
     </mc:Choice>
-    <mc:Fallback>
+    <mc:Fallback xmlns="">
       <p:transition spd="slow">
         <p:fade/>
       </p:transition>
     </mc:Fallback>
   </mc:AlternateContent>
+</p:sld>
+</file>
+
+<file path=ppt/slides/slide7.xml><?xml version="1.0" encoding="utf-8"?>
+<p:sld xmlns:a="http://schemas.openxmlformats.org/drawingml/2006/main" xmlns:r="http://schemas.openxmlformats.org/officeDocument/2006/relationships" xmlns:p="http://schemas.openxmlformats.org/presentationml/2006/main">
+  <p:cSld>
+    <p:bg>
+      <p:bgPr>
+        <a:solidFill>
+          <a:schemeClr val="bg1"/>
+        </a:solidFill>
+        <a:effectLst/>
+      </p:bgPr>
+    </p:bg>
+    <p:spTree>
+      <p:nvGrpSpPr>
+        <p:cNvPr id="1" name=""/>
+        <p:cNvGrpSpPr/>
+        <p:nvPr/>
+      </p:nvGrpSpPr>
+      <p:grpSpPr>
+        <a:xfrm>
+          <a:off x="0" y="0"/>
+          <a:ext cx="0" cy="0"/>
+          <a:chOff x="0" y="0"/>
+          <a:chExt cx="0" cy="0"/>
+        </a:xfrm>
+      </p:grpSpPr>
+      <p:sp useBgFill="1">
+        <p:nvSpPr>
+          <p:cNvPr id="12" name="Rectangle 11">
+            <a:extLst>
+              <a:ext uri="{FF2B5EF4-FFF2-40B4-BE49-F238E27FC236}">
+                <a16:creationId xmlns:a16="http://schemas.microsoft.com/office/drawing/2014/main" id="{AB8C311F-7253-4AED-9701-7FC0708C41C7}"/>
+              </a:ext>
+              <a:ext uri="{C183D7F6-B498-43B3-948B-1728B52AA6E4}">
+                <adec:decorative xmlns:adec="http://schemas.microsoft.com/office/drawing/2017/decorative" val="1"/>
+              </a:ext>
+            </a:extLst>
+          </p:cNvPr>
+          <p:cNvSpPr>
+            <a:spLocks noGrp="1" noRot="1" noChangeAspect="1" noMove="1" noResize="1" noEditPoints="1" noAdjustHandles="1" noChangeArrowheads="1" noChangeShapeType="1" noTextEdit="1"/>
+          </p:cNvSpPr>
+          <p:nvPr>
+            <p:extLst>
+              <p:ext uri="{386F3935-93C4-4BCD-93E2-E3B085C9AB24}">
+                <p16:designElem xmlns:p16="http://schemas.microsoft.com/office/powerpoint/2015/main" val="1"/>
+              </p:ext>
+            </p:extLst>
+          </p:nvPr>
+        </p:nvSpPr>
+        <p:spPr>
+          <a:xfrm>
+            <a:off x="0" y="0"/>
+            <a:ext cx="12192000" cy="6858000"/>
+          </a:xfrm>
+          <a:prstGeom prst="rect">
+            <a:avLst/>
+          </a:prstGeom>
+          <a:ln w="12700" cap="flat" cmpd="sng" algn="ctr">
+            <a:noFill/>
+            <a:prstDash val="solid"/>
+            <a:miter lim="800000"/>
+          </a:ln>
+          <a:effectLst/>
+          <a:extLst>
+            <a:ext uri="{91240B29-F687-4F45-9708-019B960494DF}">
+              <a14:hiddenLine xmlns:a14="http://schemas.microsoft.com/office/drawing/2010/main" w="12700" cap="flat" cmpd="sng" algn="ctr">
+                <a:solidFill>
+                  <a:schemeClr val="accent1">
+                    <a:shade val="50000"/>
+                  </a:schemeClr>
+                </a:solidFill>
+                <a:prstDash val="solid"/>
+                <a:miter lim="800000"/>
+              </a14:hiddenLine>
+            </a:ext>
+          </a:extLst>
+        </p:spPr>
+        <p:style>
+          <a:lnRef idx="2">
+            <a:schemeClr val="accent1">
+              <a:shade val="50000"/>
+            </a:schemeClr>
+          </a:lnRef>
+          <a:fillRef idx="1">
+            <a:schemeClr val="accent1"/>
+          </a:fillRef>
+          <a:effectRef idx="0">
+            <a:schemeClr val="accent1"/>
+          </a:effectRef>
+          <a:fontRef idx="minor">
+            <a:schemeClr val="lt1"/>
+          </a:fontRef>
+        </p:style>
+        <p:txBody>
+          <a:bodyPr rtlCol="0" anchor="ctr"/>
+          <a:lstStyle/>
+          <a:p>
+            <a:pPr algn="ctr"/>
+            <a:endParaRPr lang="en-US"/>
+          </a:p>
+        </p:txBody>
+      </p:sp>
+      <p:sp>
+        <p:nvSpPr>
+          <p:cNvPr id="14" name="Rectangle 13">
+            <a:extLst>
+              <a:ext uri="{FF2B5EF4-FFF2-40B4-BE49-F238E27FC236}">
+                <a16:creationId xmlns:a16="http://schemas.microsoft.com/office/drawing/2014/main" id="{E2384209-CB15-4CDF-9D31-C44FD9A3F20D}"/>
+              </a:ext>
+              <a:ext uri="{C183D7F6-B498-43B3-948B-1728B52AA6E4}">
+                <adec:decorative xmlns:adec="http://schemas.microsoft.com/office/drawing/2017/decorative" val="1"/>
+              </a:ext>
+            </a:extLst>
+          </p:cNvPr>
+          <p:cNvSpPr>
+            <a:spLocks noGrp="1" noRot="1" noChangeAspect="1" noMove="1" noResize="1" noEditPoints="1" noAdjustHandles="1" noChangeArrowheads="1" noChangeShapeType="1" noTextEdit="1"/>
+          </p:cNvSpPr>
+          <p:nvPr>
+            <p:extLst>
+              <p:ext uri="{386F3935-93C4-4BCD-93E2-E3B085C9AB24}">
+                <p16:designElem xmlns:p16="http://schemas.microsoft.com/office/powerpoint/2015/main" val="1"/>
+              </p:ext>
+            </p:extLst>
+          </p:nvPr>
+        </p:nvSpPr>
+        <p:spPr>
+          <a:xfrm rot="16200000" flipH="1">
+            <a:off x="2666617" y="-2666188"/>
+            <a:ext cx="6858000" cy="12191233"/>
+          </a:xfrm>
+          <a:prstGeom prst="rect">
+            <a:avLst/>
+          </a:prstGeom>
+          <a:gradFill>
+            <a:gsLst>
+              <a:gs pos="8000">
+                <a:schemeClr val="accent1"/>
+              </a:gs>
+              <a:gs pos="100000">
+                <a:schemeClr val="accent1">
+                  <a:lumMod val="50000"/>
+                </a:schemeClr>
+              </a:gs>
+            </a:gsLst>
+            <a:lin ang="12000000" scaled="0"/>
+          </a:gradFill>
+          <a:ln>
+            <a:noFill/>
+          </a:ln>
+        </p:spPr>
+        <p:style>
+          <a:lnRef idx="2">
+            <a:schemeClr val="accent1">
+              <a:shade val="50000"/>
+            </a:schemeClr>
+          </a:lnRef>
+          <a:fillRef idx="1">
+            <a:schemeClr val="accent1"/>
+          </a:fillRef>
+          <a:effectRef idx="0">
+            <a:schemeClr val="accent1"/>
+          </a:effectRef>
+          <a:fontRef idx="minor">
+            <a:schemeClr val="lt1"/>
+          </a:fontRef>
+        </p:style>
+        <p:txBody>
+          <a:bodyPr rtlCol="0" anchor="ctr"/>
+          <a:lstStyle/>
+          <a:p>
+            <a:pPr algn="ctr"/>
+            <a:endParaRPr lang="en-US"/>
+          </a:p>
+        </p:txBody>
+      </p:sp>
+      <p:sp>
+        <p:nvSpPr>
+          <p:cNvPr id="16" name="Rectangle 15">
+            <a:extLst>
+              <a:ext uri="{FF2B5EF4-FFF2-40B4-BE49-F238E27FC236}">
+                <a16:creationId xmlns:a16="http://schemas.microsoft.com/office/drawing/2014/main" id="{2633B3B5-CC90-43F0-8714-D31D1F3F0209}"/>
+              </a:ext>
+              <a:ext uri="{C183D7F6-B498-43B3-948B-1728B52AA6E4}">
+                <adec:decorative xmlns:adec="http://schemas.microsoft.com/office/drawing/2017/decorative" val="1"/>
+              </a:ext>
+            </a:extLst>
+          </p:cNvPr>
+          <p:cNvSpPr>
+            <a:spLocks noGrp="1" noRot="1" noChangeAspect="1" noMove="1" noResize="1" noEditPoints="1" noAdjustHandles="1" noChangeArrowheads="1" noChangeShapeType="1" noTextEdit="1"/>
+          </p:cNvSpPr>
+          <p:nvPr>
+            <p:extLst>
+              <p:ext uri="{386F3935-93C4-4BCD-93E2-E3B085C9AB24}">
+                <p16:designElem xmlns:p16="http://schemas.microsoft.com/office/powerpoint/2015/main" val="1"/>
+              </p:ext>
+            </p:extLst>
+          </p:nvPr>
+        </p:nvSpPr>
+        <p:spPr>
+          <a:xfrm rot="10800000" flipH="1">
+            <a:off x="-2311" y="0"/>
+            <a:ext cx="9070846" cy="6857572"/>
+          </a:xfrm>
+          <a:prstGeom prst="rect">
+            <a:avLst/>
+          </a:prstGeom>
+          <a:gradFill>
+            <a:gsLst>
+              <a:gs pos="8000">
+                <a:srgbClr val="000000">
+                  <a:alpha val="52000"/>
+                </a:srgbClr>
+              </a:gs>
+              <a:gs pos="100000">
+                <a:schemeClr val="accent1"/>
+              </a:gs>
+            </a:gsLst>
+            <a:lin ang="4800000" scaled="0"/>
+          </a:gradFill>
+          <a:ln>
+            <a:noFill/>
+          </a:ln>
+        </p:spPr>
+        <p:style>
+          <a:lnRef idx="2">
+            <a:schemeClr val="accent1">
+              <a:shade val="50000"/>
+            </a:schemeClr>
+          </a:lnRef>
+          <a:fillRef idx="1">
+            <a:schemeClr val="accent1"/>
+          </a:fillRef>
+          <a:effectRef idx="0">
+            <a:schemeClr val="accent1"/>
+          </a:effectRef>
+          <a:fontRef idx="minor">
+            <a:schemeClr val="lt1"/>
+          </a:fontRef>
+        </p:style>
+        <p:txBody>
+          <a:bodyPr rtlCol="0" anchor="ctr"/>
+          <a:lstStyle/>
+          <a:p>
+            <a:pPr algn="ctr"/>
+            <a:endParaRPr lang="en-US"/>
+          </a:p>
+        </p:txBody>
+      </p:sp>
+      <p:sp>
+        <p:nvSpPr>
+          <p:cNvPr id="18" name="Rectangle 17">
+            <a:extLst>
+              <a:ext uri="{FF2B5EF4-FFF2-40B4-BE49-F238E27FC236}">
+                <a16:creationId xmlns:a16="http://schemas.microsoft.com/office/drawing/2014/main" id="{A8D57A06-A426-446D-B02C-A2DC6B62E45E}"/>
+              </a:ext>
+              <a:ext uri="{C183D7F6-B498-43B3-948B-1728B52AA6E4}">
+                <adec:decorative xmlns:adec="http://schemas.microsoft.com/office/drawing/2017/decorative" val="1"/>
+              </a:ext>
+            </a:extLst>
+          </p:cNvPr>
+          <p:cNvSpPr>
+            <a:spLocks noGrp="1" noRot="1" noChangeAspect="1" noMove="1" noResize="1" noEditPoints="1" noAdjustHandles="1" noChangeArrowheads="1" noChangeShapeType="1" noTextEdit="1"/>
+          </p:cNvSpPr>
+          <p:nvPr>
+            <p:extLst>
+              <p:ext uri="{386F3935-93C4-4BCD-93E2-E3B085C9AB24}">
+                <p16:designElem xmlns:p16="http://schemas.microsoft.com/office/powerpoint/2015/main" val="1"/>
+              </p:ext>
+            </p:extLst>
+          </p:nvPr>
+        </p:nvSpPr>
+        <p:spPr>
+          <a:xfrm rot="16200000" flipH="1">
+            <a:off x="3649491" y="-1685840"/>
+            <a:ext cx="4894564" cy="12193546"/>
+          </a:xfrm>
+          <a:prstGeom prst="rect">
+            <a:avLst/>
+          </a:prstGeom>
+          <a:gradFill>
+            <a:gsLst>
+              <a:gs pos="0">
+                <a:schemeClr val="accent5">
+                  <a:lumMod val="60000"/>
+                  <a:lumOff val="40000"/>
+                  <a:alpha val="0"/>
+                </a:schemeClr>
+              </a:gs>
+              <a:gs pos="100000">
+                <a:srgbClr val="000000">
+                  <a:alpha val="46000"/>
+                </a:srgbClr>
+              </a:gs>
+            </a:gsLst>
+            <a:lin ang="1200000" scaled="0"/>
+          </a:gradFill>
+          <a:ln>
+            <a:noFill/>
+          </a:ln>
+        </p:spPr>
+        <p:style>
+          <a:lnRef idx="2">
+            <a:schemeClr val="accent1">
+              <a:shade val="50000"/>
+            </a:schemeClr>
+          </a:lnRef>
+          <a:fillRef idx="1">
+            <a:schemeClr val="accent1"/>
+          </a:fillRef>
+          <a:effectRef idx="0">
+            <a:schemeClr val="accent1"/>
+          </a:effectRef>
+          <a:fontRef idx="minor">
+            <a:schemeClr val="lt1"/>
+          </a:fontRef>
+        </p:style>
+        <p:txBody>
+          <a:bodyPr rtlCol="0" anchor="ctr"/>
+          <a:lstStyle/>
+          <a:p>
+            <a:pPr algn="ctr"/>
+            <a:endParaRPr lang="en-US"/>
+          </a:p>
+        </p:txBody>
+      </p:sp>
+      <p:pic>
+        <p:nvPicPr>
+          <p:cNvPr id="7" name="Picture 6">
+            <a:extLst>
+              <a:ext uri="{FF2B5EF4-FFF2-40B4-BE49-F238E27FC236}">
+                <a16:creationId xmlns:a16="http://schemas.microsoft.com/office/drawing/2014/main" id="{42C75364-CA71-32D2-D9FB-80C45641E943}"/>
+              </a:ext>
+            </a:extLst>
+          </p:cNvPr>
+          <p:cNvPicPr>
+            <a:picLocks noChangeAspect="1"/>
+          </p:cNvPicPr>
+          <p:nvPr/>
+        </p:nvPicPr>
+        <p:blipFill>
+          <a:blip r:embed="rId2">
+            <a:extLst>
+              <a:ext uri="{28A0092B-C50C-407E-A947-70E740481C1C}">
+                <a14:useLocalDpi xmlns:a14="http://schemas.microsoft.com/office/drawing/2010/main" val="0"/>
+              </a:ext>
+            </a:extLst>
+          </a:blip>
+          <a:srcRect t="2402"/>
+          <a:stretch>
+            <a:fillRect/>
+          </a:stretch>
+        </p:blipFill>
+        <p:spPr>
+          <a:xfrm>
+            <a:off x="457200" y="457200"/>
+            <a:ext cx="11277600" cy="5943600"/>
+          </a:xfrm>
+          <a:prstGeom prst="rect">
+            <a:avLst/>
+          </a:prstGeom>
+        </p:spPr>
+      </p:pic>
+    </p:spTree>
+    <p:extLst>
+      <p:ext uri="{BB962C8B-B14F-4D97-AF65-F5344CB8AC3E}">
+        <p14:creationId xmlns:p14="http://schemas.microsoft.com/office/powerpoint/2010/main" val="3893559181"/>
+      </p:ext>
+    </p:extLst>
+  </p:cSld>
+  <p:clrMapOvr>
+    <a:masterClrMapping/>
+  </p:clrMapOvr>
 </p:sld>
 </file>
 

--- a/Pipelined/Waveforms/block digram.pptx
+++ b/Pipelined/Waveforms/block digram.pptx
@@ -203,7 +203,7 @@
           <a:p>
             <a:fld id="{D9DC8440-7A2E-4222-9B6A-0DD1C564546D}" type="datetimeFigureOut">
               <a:rPr lang="en-US" smtClean="0"/>
-              <a:t>2/21/2026</a:t>
+              <a:t>2/22/2026</a:t>
             </a:fld>
             <a:endParaRPr lang="en-US"/>
           </a:p>
@@ -692,7 +692,7 @@
           <a:p>
             <a:fld id="{024F79D3-17D5-46B1-9DE8-D2B97F7F667D}" type="datetimeFigureOut">
               <a:rPr lang="en-US" smtClean="0"/>
-              <a:t>2/21/2026</a:t>
+              <a:t>2/22/2026</a:t>
             </a:fld>
             <a:endParaRPr lang="en-US"/>
           </a:p>
@@ -862,7 +862,7 @@
           <a:p>
             <a:fld id="{024F79D3-17D5-46B1-9DE8-D2B97F7F667D}" type="datetimeFigureOut">
               <a:rPr lang="en-US" smtClean="0"/>
-              <a:t>2/21/2026</a:t>
+              <a:t>2/22/2026</a:t>
             </a:fld>
             <a:endParaRPr lang="en-US"/>
           </a:p>
@@ -1042,7 +1042,7 @@
           <a:p>
             <a:fld id="{024F79D3-17D5-46B1-9DE8-D2B97F7F667D}" type="datetimeFigureOut">
               <a:rPr lang="en-US" smtClean="0"/>
-              <a:t>2/21/2026</a:t>
+              <a:t>2/22/2026</a:t>
             </a:fld>
             <a:endParaRPr lang="en-US"/>
           </a:p>
@@ -1212,7 +1212,7 @@
           <a:p>
             <a:fld id="{024F79D3-17D5-46B1-9DE8-D2B97F7F667D}" type="datetimeFigureOut">
               <a:rPr lang="en-US" smtClean="0"/>
-              <a:t>2/21/2026</a:t>
+              <a:t>2/22/2026</a:t>
             </a:fld>
             <a:endParaRPr lang="en-US"/>
           </a:p>
@@ -1458,7 +1458,7 @@
           <a:p>
             <a:fld id="{024F79D3-17D5-46B1-9DE8-D2B97F7F667D}" type="datetimeFigureOut">
               <a:rPr lang="en-US" smtClean="0"/>
-              <a:t>2/21/2026</a:t>
+              <a:t>2/22/2026</a:t>
             </a:fld>
             <a:endParaRPr lang="en-US"/>
           </a:p>
@@ -1690,7 +1690,7 @@
           <a:p>
             <a:fld id="{024F79D3-17D5-46B1-9DE8-D2B97F7F667D}" type="datetimeFigureOut">
               <a:rPr lang="en-US" smtClean="0"/>
-              <a:t>2/21/2026</a:t>
+              <a:t>2/22/2026</a:t>
             </a:fld>
             <a:endParaRPr lang="en-US"/>
           </a:p>
@@ -2057,7 +2057,7 @@
           <a:p>
             <a:fld id="{024F79D3-17D5-46B1-9DE8-D2B97F7F667D}" type="datetimeFigureOut">
               <a:rPr lang="en-US" smtClean="0"/>
-              <a:t>2/21/2026</a:t>
+              <a:t>2/22/2026</a:t>
             </a:fld>
             <a:endParaRPr lang="en-US"/>
           </a:p>
@@ -2175,7 +2175,7 @@
           <a:p>
             <a:fld id="{024F79D3-17D5-46B1-9DE8-D2B97F7F667D}" type="datetimeFigureOut">
               <a:rPr lang="en-US" smtClean="0"/>
-              <a:t>2/21/2026</a:t>
+              <a:t>2/22/2026</a:t>
             </a:fld>
             <a:endParaRPr lang="en-US"/>
           </a:p>
@@ -2270,7 +2270,7 @@
           <a:p>
             <a:fld id="{024F79D3-17D5-46B1-9DE8-D2B97F7F667D}" type="datetimeFigureOut">
               <a:rPr lang="en-US" smtClean="0"/>
-              <a:t>2/21/2026</a:t>
+              <a:t>2/22/2026</a:t>
             </a:fld>
             <a:endParaRPr lang="en-US"/>
           </a:p>
@@ -2547,7 +2547,7 @@
           <a:p>
             <a:fld id="{024F79D3-17D5-46B1-9DE8-D2B97F7F667D}" type="datetimeFigureOut">
               <a:rPr lang="en-US" smtClean="0"/>
-              <a:t>2/21/2026</a:t>
+              <a:t>2/22/2026</a:t>
             </a:fld>
             <a:endParaRPr lang="en-US"/>
           </a:p>
@@ -2804,7 +2804,7 @@
           <a:p>
             <a:fld id="{024F79D3-17D5-46B1-9DE8-D2B97F7F667D}" type="datetimeFigureOut">
               <a:rPr lang="en-US" smtClean="0"/>
-              <a:t>2/21/2026</a:t>
+              <a:t>2/22/2026</a:t>
             </a:fld>
             <a:endParaRPr lang="en-US"/>
           </a:p>
@@ -3017,7 +3017,7 @@
           <a:p>
             <a:fld id="{024F79D3-17D5-46B1-9DE8-D2B97F7F667D}" type="datetimeFigureOut">
               <a:rPr lang="en-US" smtClean="0"/>
-              <a:t>2/21/2026</a:t>
+              <a:t>2/22/2026</a:t>
             </a:fld>
             <a:endParaRPr lang="en-US"/>
           </a:p>
@@ -8911,7 +8911,7 @@
           <a:p>
             <a:r>
               <a:rPr lang="en-US" dirty="0"/>
-              <a:t>R0</a:t>
+              <a:t>R1</a:t>
             </a:r>
           </a:p>
         </p:txBody>
